--- a/materials/slides/ch08-process-managment.pptx
+++ b/materials/slides/ch08-process-managment.pptx
@@ -6,16 +6,19 @@
     <p:sldMasterId id="2147483660" r:id="rId2"/>
   </p:sldMasterIdLst>
   <p:notesMasterIdLst>
-    <p:notesMasterId r:id="rId10"/>
+    <p:notesMasterId r:id="rId13"/>
   </p:notesMasterIdLst>
   <p:sldIdLst>
     <p:sldId id="260" r:id="rId3"/>
     <p:sldId id="261" r:id="rId4"/>
     <p:sldId id="268" r:id="rId5"/>
-    <p:sldId id="263" r:id="rId6"/>
-    <p:sldId id="265" r:id="rId7"/>
-    <p:sldId id="266" r:id="rId8"/>
-    <p:sldId id="267" r:id="rId9"/>
+    <p:sldId id="269" r:id="rId6"/>
+    <p:sldId id="263" r:id="rId7"/>
+    <p:sldId id="265" r:id="rId8"/>
+    <p:sldId id="266" r:id="rId9"/>
+    <p:sldId id="270" r:id="rId10"/>
+    <p:sldId id="271" r:id="rId11"/>
+    <p:sldId id="267" r:id="rId12"/>
   </p:sldIdLst>
   <p:sldSz cx="12192000" cy="6858000"/>
   <p:notesSz cx="6858000" cy="9144000"/>
@@ -116,14 +119,21 @@
   </p:defaultTextStyle>
   <p:extLst>
     <p:ext uri="{EFAFB233-063F-42B5-8137-9DF3F51BA10A}">
-      <p15:sldGuideLst xmlns="" xmlns:p15="http://schemas.microsoft.com/office/powerpoint/2012/main"/>
+      <p15:sldGuideLst xmlns:p15="http://schemas.microsoft.com/office/powerpoint/2012/main">
+        <p15:guide id="1" orient="horz" pos="2160">
+          <p15:clr>
+            <a:srgbClr val="A4A3A4"/>
+          </p15:clr>
+        </p15:guide>
+        <p15:guide id="2" pos="3840">
+          <p15:clr>
+            <a:srgbClr val="A4A3A4"/>
+          </p15:clr>
+        </p15:guide>
+      </p15:sldGuideLst>
     </p:ext>
   </p:extLst>
 </p:presentation>
-</file>
-
-<file path=ppt/revisionInfo.xml><?xml version="1.0" encoding="utf-8"?>
-<p1510:revInfo xmlns:a="http://schemas.openxmlformats.org/drawingml/2006/main" xmlns:r="http://schemas.openxmlformats.org/officeDocument/2006/relationships" xmlns:p1510="http://schemas.microsoft.com/office/powerpoint/2015/10/main"/>
 </file>
 
 <file path=ppt/notesMasters/notesMaster1.xml><?xml version="1.0" encoding="utf-8"?>
@@ -208,7 +218,7 @@
           <a:p>
             <a:fld id="{63DAD2C7-54B1-4174-A5D2-CBE95009A0E6}" type="datetimeFigureOut">
               <a:rPr lang="zh-CN" altLang="en-US" smtClean="0"/>
-              <a:t>2018/2/6</a:t>
+              <a:t>2018/2/25</a:t>
             </a:fld>
             <a:endParaRPr lang="zh-CN" altLang="en-US"/>
           </a:p>
@@ -540,7 +550,7 @@
           <a:p>
             <a:fld id="{8365E6A4-3BD9-4DCB-8547-8A9610D89AE0}" type="slidenum">
               <a:rPr lang="zh-CN" altLang="en-US" smtClean="0"/>
-              <a:t>6</a:t>
+              <a:t>7</a:t>
             </a:fld>
             <a:endParaRPr lang="zh-CN" altLang="en-US"/>
           </a:p>
@@ -550,6 +560,174 @@
     <p:extLst>
       <p:ext uri="{BB962C8B-B14F-4D97-AF65-F5344CB8AC3E}">
         <p14:creationId xmlns:p14="http://schemas.microsoft.com/office/powerpoint/2010/main" val="67306415"/>
+      </p:ext>
+    </p:extLst>
+  </p:cSld>
+  <p:clrMapOvr>
+    <a:masterClrMapping/>
+  </p:clrMapOvr>
+</p:notes>
+</file>
+
+<file path=ppt/notesSlides/notesSlide2.xml><?xml version="1.0" encoding="utf-8"?>
+<p:notes xmlns:a="http://schemas.openxmlformats.org/drawingml/2006/main" xmlns:r="http://schemas.openxmlformats.org/officeDocument/2006/relationships" xmlns:p="http://schemas.openxmlformats.org/presentationml/2006/main">
+  <p:cSld>
+    <p:spTree>
+      <p:nvGrpSpPr>
+        <p:cNvPr id="1" name=""/>
+        <p:cNvGrpSpPr/>
+        <p:nvPr/>
+      </p:nvGrpSpPr>
+      <p:grpSpPr>
+        <a:xfrm>
+          <a:off x="0" y="0"/>
+          <a:ext cx="0" cy="0"/>
+          <a:chOff x="0" y="0"/>
+          <a:chExt cx="0" cy="0"/>
+        </a:xfrm>
+      </p:grpSpPr>
+      <p:sp>
+        <p:nvSpPr>
+          <p:cNvPr id="2" name="幻灯片图像占位符 1"/>
+          <p:cNvSpPr>
+            <a:spLocks noGrp="1" noRot="1" noChangeAspect="1"/>
+          </p:cNvSpPr>
+          <p:nvPr>
+            <p:ph type="sldImg"/>
+          </p:nvPr>
+        </p:nvSpPr>
+        <p:spPr/>
+      </p:sp>
+      <p:sp>
+        <p:nvSpPr>
+          <p:cNvPr id="3" name="备注占位符 2"/>
+          <p:cNvSpPr>
+            <a:spLocks noGrp="1"/>
+          </p:cNvSpPr>
+          <p:nvPr>
+            <p:ph type="body" idx="1"/>
+          </p:nvPr>
+        </p:nvSpPr>
+        <p:spPr/>
+        <p:txBody>
+          <a:bodyPr/>
+          <a:lstStyle/>
+          <a:p>
+            <a:endParaRPr lang="zh-CN" altLang="en-US" dirty="0"/>
+          </a:p>
+        </p:txBody>
+      </p:sp>
+      <p:sp>
+        <p:nvSpPr>
+          <p:cNvPr id="4" name="灯片编号占位符 3"/>
+          <p:cNvSpPr>
+            <a:spLocks noGrp="1"/>
+          </p:cNvSpPr>
+          <p:nvPr>
+            <p:ph type="sldNum" sz="quarter" idx="10"/>
+          </p:nvPr>
+        </p:nvSpPr>
+        <p:spPr/>
+        <p:txBody>
+          <a:bodyPr/>
+          <a:lstStyle/>
+          <a:p>
+            <a:fld id="{8365E6A4-3BD9-4DCB-8547-8A9610D89AE0}" type="slidenum">
+              <a:rPr lang="zh-CN" altLang="en-US" smtClean="0"/>
+              <a:t>8</a:t>
+            </a:fld>
+            <a:endParaRPr lang="zh-CN" altLang="en-US"/>
+          </a:p>
+        </p:txBody>
+      </p:sp>
+    </p:spTree>
+    <p:extLst>
+      <p:ext uri="{BB962C8B-B14F-4D97-AF65-F5344CB8AC3E}">
+        <p14:creationId xmlns:p14="http://schemas.microsoft.com/office/powerpoint/2010/main" val="132078142"/>
+      </p:ext>
+    </p:extLst>
+  </p:cSld>
+  <p:clrMapOvr>
+    <a:masterClrMapping/>
+  </p:clrMapOvr>
+</p:notes>
+</file>
+
+<file path=ppt/notesSlides/notesSlide3.xml><?xml version="1.0" encoding="utf-8"?>
+<p:notes xmlns:a="http://schemas.openxmlformats.org/drawingml/2006/main" xmlns:r="http://schemas.openxmlformats.org/officeDocument/2006/relationships" xmlns:p="http://schemas.openxmlformats.org/presentationml/2006/main">
+  <p:cSld>
+    <p:spTree>
+      <p:nvGrpSpPr>
+        <p:cNvPr id="1" name=""/>
+        <p:cNvGrpSpPr/>
+        <p:nvPr/>
+      </p:nvGrpSpPr>
+      <p:grpSpPr>
+        <a:xfrm>
+          <a:off x="0" y="0"/>
+          <a:ext cx="0" cy="0"/>
+          <a:chOff x="0" y="0"/>
+          <a:chExt cx="0" cy="0"/>
+        </a:xfrm>
+      </p:grpSpPr>
+      <p:sp>
+        <p:nvSpPr>
+          <p:cNvPr id="2" name="幻灯片图像占位符 1"/>
+          <p:cNvSpPr>
+            <a:spLocks noGrp="1" noRot="1" noChangeAspect="1"/>
+          </p:cNvSpPr>
+          <p:nvPr>
+            <p:ph type="sldImg"/>
+          </p:nvPr>
+        </p:nvSpPr>
+        <p:spPr/>
+      </p:sp>
+      <p:sp>
+        <p:nvSpPr>
+          <p:cNvPr id="3" name="备注占位符 2"/>
+          <p:cNvSpPr>
+            <a:spLocks noGrp="1"/>
+          </p:cNvSpPr>
+          <p:nvPr>
+            <p:ph type="body" idx="1"/>
+          </p:nvPr>
+        </p:nvSpPr>
+        <p:spPr/>
+        <p:txBody>
+          <a:bodyPr/>
+          <a:lstStyle/>
+          <a:p>
+            <a:endParaRPr lang="zh-CN" altLang="en-US" dirty="0"/>
+          </a:p>
+        </p:txBody>
+      </p:sp>
+      <p:sp>
+        <p:nvSpPr>
+          <p:cNvPr id="4" name="灯片编号占位符 3"/>
+          <p:cNvSpPr>
+            <a:spLocks noGrp="1"/>
+          </p:cNvSpPr>
+          <p:nvPr>
+            <p:ph type="sldNum" sz="quarter" idx="10"/>
+          </p:nvPr>
+        </p:nvSpPr>
+        <p:spPr/>
+        <p:txBody>
+          <a:bodyPr/>
+          <a:lstStyle/>
+          <a:p>
+            <a:fld id="{8365E6A4-3BD9-4DCB-8547-8A9610D89AE0}" type="slidenum">
+              <a:rPr lang="zh-CN" altLang="en-US" smtClean="0"/>
+              <a:t>9</a:t>
+            </a:fld>
+            <a:endParaRPr lang="zh-CN" altLang="en-US"/>
+          </a:p>
+        </p:txBody>
+      </p:sp>
+    </p:spTree>
+    <p:extLst>
+      <p:ext uri="{BB962C8B-B14F-4D97-AF65-F5344CB8AC3E}">
+        <p14:creationId xmlns:p14="http://schemas.microsoft.com/office/powerpoint/2010/main" val="555137050"/>
       </p:ext>
     </p:extLst>
   </p:cSld>
@@ -581,7 +759,7 @@
           <p:cNvPr id="2" name="标题 1">
             <a:extLst>
               <a:ext uri="{FF2B5EF4-FFF2-40B4-BE49-F238E27FC236}">
-                <a16:creationId xmlns:a16="http://schemas.microsoft.com/office/drawing/2014/main" xmlns="" id="{4580D2F7-B8A7-4C62-B10A-5474B198AA52}"/>
+                <a16:creationId xmlns:a16="http://schemas.microsoft.com/office/drawing/2014/main" id="{4580D2F7-B8A7-4C62-B10A-5474B198AA52}"/>
               </a:ext>
             </a:extLst>
           </p:cNvPr>
@@ -618,7 +796,7 @@
           <p:cNvPr id="3" name="副标题 2">
             <a:extLst>
               <a:ext uri="{FF2B5EF4-FFF2-40B4-BE49-F238E27FC236}">
-                <a16:creationId xmlns:a16="http://schemas.microsoft.com/office/drawing/2014/main" xmlns="" id="{D08029E5-A3ED-4480-B211-8244192CDEFE}"/>
+                <a16:creationId xmlns:a16="http://schemas.microsoft.com/office/drawing/2014/main" id="{D08029E5-A3ED-4480-B211-8244192CDEFE}"/>
               </a:ext>
             </a:extLst>
           </p:cNvPr>
@@ -688,7 +866,7 @@
           <p:cNvPr id="4" name="日期占位符 3">
             <a:extLst>
               <a:ext uri="{FF2B5EF4-FFF2-40B4-BE49-F238E27FC236}">
-                <a16:creationId xmlns:a16="http://schemas.microsoft.com/office/drawing/2014/main" xmlns="" id="{358CA2D7-D2C2-4766-8161-DBA60F7BC491}"/>
+                <a16:creationId xmlns:a16="http://schemas.microsoft.com/office/drawing/2014/main" id="{358CA2D7-D2C2-4766-8161-DBA60F7BC491}"/>
               </a:ext>
             </a:extLst>
           </p:cNvPr>
@@ -714,7 +892,7 @@
           <a:p>
             <a:fld id="{02E60DA2-A0BC-48C9-AA88-75C78721B420}" type="datetimeFigureOut">
               <a:rPr lang="zh-CN" altLang="en-US" smtClean="0"/>
-              <a:t>2018/2/6</a:t>
+              <a:t>2018/2/25</a:t>
             </a:fld>
             <a:endParaRPr lang="zh-CN" altLang="en-US"/>
           </a:p>
@@ -725,7 +903,7 @@
           <p:cNvPr id="5" name="页脚占位符 4">
             <a:extLst>
               <a:ext uri="{FF2B5EF4-FFF2-40B4-BE49-F238E27FC236}">
-                <a16:creationId xmlns:a16="http://schemas.microsoft.com/office/drawing/2014/main" xmlns="" id="{E0F8F207-BE97-4512-A051-D1D727642ADF}"/>
+                <a16:creationId xmlns:a16="http://schemas.microsoft.com/office/drawing/2014/main" id="{E0F8F207-BE97-4512-A051-D1D727642ADF}"/>
               </a:ext>
             </a:extLst>
           </p:cNvPr>
@@ -758,7 +936,7 @@
           <p:cNvPr id="6" name="灯片编号占位符 5">
             <a:extLst>
               <a:ext uri="{FF2B5EF4-FFF2-40B4-BE49-F238E27FC236}">
-                <a16:creationId xmlns:a16="http://schemas.microsoft.com/office/drawing/2014/main" xmlns="" id="{57A70888-87D2-4D72-88E3-4EB531FA4D16}"/>
+                <a16:creationId xmlns:a16="http://schemas.microsoft.com/office/drawing/2014/main" id="{57A70888-87D2-4D72-88E3-4EB531FA4D16}"/>
               </a:ext>
             </a:extLst>
           </p:cNvPr>
@@ -825,7 +1003,7 @@
           <p:cNvPr id="2" name="标题 1">
             <a:extLst>
               <a:ext uri="{FF2B5EF4-FFF2-40B4-BE49-F238E27FC236}">
-                <a16:creationId xmlns:a16="http://schemas.microsoft.com/office/drawing/2014/main" xmlns="" id="{47B0B2FB-4959-4FE4-86E2-97E4443C002E}"/>
+                <a16:creationId xmlns:a16="http://schemas.microsoft.com/office/drawing/2014/main" id="{47B0B2FB-4959-4FE4-86E2-97E4443C002E}"/>
               </a:ext>
             </a:extLst>
           </p:cNvPr>
@@ -853,7 +1031,7 @@
           <p:cNvPr id="3" name="竖排文字占位符 2">
             <a:extLst>
               <a:ext uri="{FF2B5EF4-FFF2-40B4-BE49-F238E27FC236}">
-                <a16:creationId xmlns:a16="http://schemas.microsoft.com/office/drawing/2014/main" xmlns="" id="{BC5CB652-A873-4422-BB38-1FFAA749D5DC}"/>
+                <a16:creationId xmlns:a16="http://schemas.microsoft.com/office/drawing/2014/main" id="{BC5CB652-A873-4422-BB38-1FFAA749D5DC}"/>
               </a:ext>
             </a:extLst>
           </p:cNvPr>
@@ -910,7 +1088,7 @@
           <p:cNvPr id="4" name="日期占位符 3">
             <a:extLst>
               <a:ext uri="{FF2B5EF4-FFF2-40B4-BE49-F238E27FC236}">
-                <a16:creationId xmlns:a16="http://schemas.microsoft.com/office/drawing/2014/main" xmlns="" id="{A17A5158-4FD3-42CD-8937-8987BFDF7B88}"/>
+                <a16:creationId xmlns:a16="http://schemas.microsoft.com/office/drawing/2014/main" id="{A17A5158-4FD3-42CD-8937-8987BFDF7B88}"/>
               </a:ext>
             </a:extLst>
           </p:cNvPr>
@@ -936,7 +1114,7 @@
           <a:p>
             <a:fld id="{02E60DA2-A0BC-48C9-AA88-75C78721B420}" type="datetimeFigureOut">
               <a:rPr lang="zh-CN" altLang="en-US" smtClean="0"/>
-              <a:t>2018/2/6</a:t>
+              <a:t>2018/2/25</a:t>
             </a:fld>
             <a:endParaRPr lang="zh-CN" altLang="en-US"/>
           </a:p>
@@ -947,7 +1125,7 @@
           <p:cNvPr id="5" name="页脚占位符 4">
             <a:extLst>
               <a:ext uri="{FF2B5EF4-FFF2-40B4-BE49-F238E27FC236}">
-                <a16:creationId xmlns:a16="http://schemas.microsoft.com/office/drawing/2014/main" xmlns="" id="{D2C2BA79-53D6-4263-B3EF-84D5A8428278}"/>
+                <a16:creationId xmlns:a16="http://schemas.microsoft.com/office/drawing/2014/main" id="{D2C2BA79-53D6-4263-B3EF-84D5A8428278}"/>
               </a:ext>
             </a:extLst>
           </p:cNvPr>
@@ -980,7 +1158,7 @@
           <p:cNvPr id="6" name="灯片编号占位符 5">
             <a:extLst>
               <a:ext uri="{FF2B5EF4-FFF2-40B4-BE49-F238E27FC236}">
-                <a16:creationId xmlns:a16="http://schemas.microsoft.com/office/drawing/2014/main" xmlns="" id="{4BE22221-8CB7-4DBA-9746-B585C0976CD3}"/>
+                <a16:creationId xmlns:a16="http://schemas.microsoft.com/office/drawing/2014/main" id="{4BE22221-8CB7-4DBA-9746-B585C0976CD3}"/>
               </a:ext>
             </a:extLst>
           </p:cNvPr>
@@ -1047,7 +1225,7 @@
           <p:cNvPr id="2" name="竖排标题 1">
             <a:extLst>
               <a:ext uri="{FF2B5EF4-FFF2-40B4-BE49-F238E27FC236}">
-                <a16:creationId xmlns:a16="http://schemas.microsoft.com/office/drawing/2014/main" xmlns="" id="{9333D106-9CB0-4E10-B301-7397C10E60E3}"/>
+                <a16:creationId xmlns:a16="http://schemas.microsoft.com/office/drawing/2014/main" id="{9333D106-9CB0-4E10-B301-7397C10E60E3}"/>
               </a:ext>
             </a:extLst>
           </p:cNvPr>
@@ -1080,7 +1258,7 @@
           <p:cNvPr id="3" name="竖排文字占位符 2">
             <a:extLst>
               <a:ext uri="{FF2B5EF4-FFF2-40B4-BE49-F238E27FC236}">
-                <a16:creationId xmlns:a16="http://schemas.microsoft.com/office/drawing/2014/main" xmlns="" id="{E29239A0-3839-4303-B54E-4260334C7BB7}"/>
+                <a16:creationId xmlns:a16="http://schemas.microsoft.com/office/drawing/2014/main" id="{E29239A0-3839-4303-B54E-4260334C7BB7}"/>
               </a:ext>
             </a:extLst>
           </p:cNvPr>
@@ -1142,7 +1320,7 @@
           <p:cNvPr id="4" name="日期占位符 3">
             <a:extLst>
               <a:ext uri="{FF2B5EF4-FFF2-40B4-BE49-F238E27FC236}">
-                <a16:creationId xmlns:a16="http://schemas.microsoft.com/office/drawing/2014/main" xmlns="" id="{8A1A2039-7BFB-41DB-85F9-F49C92BFFB17}"/>
+                <a16:creationId xmlns:a16="http://schemas.microsoft.com/office/drawing/2014/main" id="{8A1A2039-7BFB-41DB-85F9-F49C92BFFB17}"/>
               </a:ext>
             </a:extLst>
           </p:cNvPr>
@@ -1168,7 +1346,7 @@
           <a:p>
             <a:fld id="{02E60DA2-A0BC-48C9-AA88-75C78721B420}" type="datetimeFigureOut">
               <a:rPr lang="zh-CN" altLang="en-US" smtClean="0"/>
-              <a:t>2018/2/6</a:t>
+              <a:t>2018/2/25</a:t>
             </a:fld>
             <a:endParaRPr lang="zh-CN" altLang="en-US"/>
           </a:p>
@@ -1179,7 +1357,7 @@
           <p:cNvPr id="5" name="页脚占位符 4">
             <a:extLst>
               <a:ext uri="{FF2B5EF4-FFF2-40B4-BE49-F238E27FC236}">
-                <a16:creationId xmlns:a16="http://schemas.microsoft.com/office/drawing/2014/main" xmlns="" id="{C278BB87-5004-4714-8C46-6CBF22C35098}"/>
+                <a16:creationId xmlns:a16="http://schemas.microsoft.com/office/drawing/2014/main" id="{C278BB87-5004-4714-8C46-6CBF22C35098}"/>
               </a:ext>
             </a:extLst>
           </p:cNvPr>
@@ -1212,7 +1390,7 @@
           <p:cNvPr id="6" name="灯片编号占位符 5">
             <a:extLst>
               <a:ext uri="{FF2B5EF4-FFF2-40B4-BE49-F238E27FC236}">
-                <a16:creationId xmlns:a16="http://schemas.microsoft.com/office/drawing/2014/main" xmlns="" id="{FC1B4085-6E0A-4997-BE38-7B5E447F199F}"/>
+                <a16:creationId xmlns:a16="http://schemas.microsoft.com/office/drawing/2014/main" id="{FC1B4085-6E0A-4997-BE38-7B5E447F199F}"/>
               </a:ext>
             </a:extLst>
           </p:cNvPr>
@@ -1279,7 +1457,7 @@
           <p:cNvPr id="2" name="标题 1">
             <a:extLst>
               <a:ext uri="{FF2B5EF4-FFF2-40B4-BE49-F238E27FC236}">
-                <a16:creationId xmlns:a16="http://schemas.microsoft.com/office/drawing/2014/main" xmlns="" id="{4580D2F7-B8A7-4C62-B10A-5474B198AA52}"/>
+                <a16:creationId xmlns:a16="http://schemas.microsoft.com/office/drawing/2014/main" id="{4580D2F7-B8A7-4C62-B10A-5474B198AA52}"/>
               </a:ext>
             </a:extLst>
           </p:cNvPr>
@@ -1319,7 +1497,7 @@
           <p:cNvPr id="3" name="副标题 2">
             <a:extLst>
               <a:ext uri="{FF2B5EF4-FFF2-40B4-BE49-F238E27FC236}">
-                <a16:creationId xmlns:a16="http://schemas.microsoft.com/office/drawing/2014/main" xmlns="" id="{D08029E5-A3ED-4480-B211-8244192CDEFE}"/>
+                <a16:creationId xmlns:a16="http://schemas.microsoft.com/office/drawing/2014/main" id="{D08029E5-A3ED-4480-B211-8244192CDEFE}"/>
               </a:ext>
             </a:extLst>
           </p:cNvPr>
@@ -1392,7 +1570,7 @@
           <p:cNvPr id="4" name="日期占位符 3">
             <a:extLst>
               <a:ext uri="{FF2B5EF4-FFF2-40B4-BE49-F238E27FC236}">
-                <a16:creationId xmlns:a16="http://schemas.microsoft.com/office/drawing/2014/main" xmlns="" id="{358CA2D7-D2C2-4766-8161-DBA60F7BC491}"/>
+                <a16:creationId xmlns:a16="http://schemas.microsoft.com/office/drawing/2014/main" id="{358CA2D7-D2C2-4766-8161-DBA60F7BC491}"/>
               </a:ext>
             </a:extLst>
           </p:cNvPr>
@@ -1418,7 +1596,7 @@
           <a:p>
             <a:fld id="{02E60DA2-A0BC-48C9-AA88-75C78721B420}" type="datetimeFigureOut">
               <a:rPr lang="zh-CN" altLang="en-US" smtClean="0"/>
-              <a:t>2018/2/6</a:t>
+              <a:t>2018/2/25</a:t>
             </a:fld>
             <a:endParaRPr lang="zh-CN" altLang="en-US"/>
           </a:p>
@@ -1429,7 +1607,7 @@
           <p:cNvPr id="5" name="页脚占位符 4">
             <a:extLst>
               <a:ext uri="{FF2B5EF4-FFF2-40B4-BE49-F238E27FC236}">
-                <a16:creationId xmlns:a16="http://schemas.microsoft.com/office/drawing/2014/main" xmlns="" id="{E0F8F207-BE97-4512-A051-D1D727642ADF}"/>
+                <a16:creationId xmlns:a16="http://schemas.microsoft.com/office/drawing/2014/main" id="{E0F8F207-BE97-4512-A051-D1D727642ADF}"/>
               </a:ext>
             </a:extLst>
           </p:cNvPr>
@@ -1462,7 +1640,7 @@
           <p:cNvPr id="6" name="灯片编号占位符 5">
             <a:extLst>
               <a:ext uri="{FF2B5EF4-FFF2-40B4-BE49-F238E27FC236}">
-                <a16:creationId xmlns:a16="http://schemas.microsoft.com/office/drawing/2014/main" xmlns="" id="{57A70888-87D2-4D72-88E3-4EB531FA4D16}"/>
+                <a16:creationId xmlns:a16="http://schemas.microsoft.com/office/drawing/2014/main" id="{57A70888-87D2-4D72-88E3-4EB531FA4D16}"/>
               </a:ext>
             </a:extLst>
           </p:cNvPr>
@@ -1529,7 +1707,7 @@
           <p:cNvPr id="2" name="标题 1">
             <a:extLst>
               <a:ext uri="{FF2B5EF4-FFF2-40B4-BE49-F238E27FC236}">
-                <a16:creationId xmlns:a16="http://schemas.microsoft.com/office/drawing/2014/main" xmlns="" id="{FDA06683-1E3B-4E82-B566-82E72C3DC756}"/>
+                <a16:creationId xmlns:a16="http://schemas.microsoft.com/office/drawing/2014/main" id="{FDA06683-1E3B-4E82-B566-82E72C3DC756}"/>
               </a:ext>
             </a:extLst>
           </p:cNvPr>
@@ -1565,7 +1743,7 @@
           <p:cNvPr id="3" name="内容占位符 2">
             <a:extLst>
               <a:ext uri="{FF2B5EF4-FFF2-40B4-BE49-F238E27FC236}">
-                <a16:creationId xmlns:a16="http://schemas.microsoft.com/office/drawing/2014/main" xmlns="" id="{58A1318B-3ABA-473A-A58F-68FE1F405BF6}"/>
+                <a16:creationId xmlns:a16="http://schemas.microsoft.com/office/drawing/2014/main" id="{58A1318B-3ABA-473A-A58F-68FE1F405BF6}"/>
               </a:ext>
             </a:extLst>
           </p:cNvPr>
@@ -1630,7 +1808,7 @@
           <p:cNvPr id="4" name="日期占位符 3">
             <a:extLst>
               <a:ext uri="{FF2B5EF4-FFF2-40B4-BE49-F238E27FC236}">
-                <a16:creationId xmlns:a16="http://schemas.microsoft.com/office/drawing/2014/main" xmlns="" id="{8FD917EC-8501-4020-9EDF-A4F573631242}"/>
+                <a16:creationId xmlns:a16="http://schemas.microsoft.com/office/drawing/2014/main" id="{8FD917EC-8501-4020-9EDF-A4F573631242}"/>
               </a:ext>
             </a:extLst>
           </p:cNvPr>
@@ -1656,7 +1834,7 @@
           <a:p>
             <a:fld id="{02E60DA2-A0BC-48C9-AA88-75C78721B420}" type="datetimeFigureOut">
               <a:rPr lang="zh-CN" altLang="en-US" smtClean="0"/>
-              <a:t>2018/2/6</a:t>
+              <a:t>2018/2/25</a:t>
             </a:fld>
             <a:endParaRPr lang="zh-CN" altLang="en-US"/>
           </a:p>
@@ -1667,7 +1845,7 @@
           <p:cNvPr id="5" name="页脚占位符 4">
             <a:extLst>
               <a:ext uri="{FF2B5EF4-FFF2-40B4-BE49-F238E27FC236}">
-                <a16:creationId xmlns:a16="http://schemas.microsoft.com/office/drawing/2014/main" xmlns="" id="{79615516-0ACC-4FA6-8D41-91D8F5C00CED}"/>
+                <a16:creationId xmlns:a16="http://schemas.microsoft.com/office/drawing/2014/main" id="{79615516-0ACC-4FA6-8D41-91D8F5C00CED}"/>
               </a:ext>
             </a:extLst>
           </p:cNvPr>
@@ -1700,7 +1878,7 @@
           <p:cNvPr id="6" name="灯片编号占位符 5">
             <a:extLst>
               <a:ext uri="{FF2B5EF4-FFF2-40B4-BE49-F238E27FC236}">
-                <a16:creationId xmlns:a16="http://schemas.microsoft.com/office/drawing/2014/main" xmlns="" id="{CF0C0F46-9191-45D5-B62D-2893F5616650}"/>
+                <a16:creationId xmlns:a16="http://schemas.microsoft.com/office/drawing/2014/main" id="{CF0C0F46-9191-45D5-B62D-2893F5616650}"/>
               </a:ext>
             </a:extLst>
           </p:cNvPr>
@@ -1767,7 +1945,7 @@
           <p:cNvPr id="2" name="标题 1">
             <a:extLst>
               <a:ext uri="{FF2B5EF4-FFF2-40B4-BE49-F238E27FC236}">
-                <a16:creationId xmlns:a16="http://schemas.microsoft.com/office/drawing/2014/main" xmlns="" id="{6602C541-D67E-4BE0-B223-149D33CF5FF1}"/>
+                <a16:creationId xmlns:a16="http://schemas.microsoft.com/office/drawing/2014/main" id="{6602C541-D67E-4BE0-B223-149D33CF5FF1}"/>
               </a:ext>
             </a:extLst>
           </p:cNvPr>
@@ -1807,7 +1985,7 @@
           <p:cNvPr id="3" name="文本占位符 2">
             <a:extLst>
               <a:ext uri="{FF2B5EF4-FFF2-40B4-BE49-F238E27FC236}">
-                <a16:creationId xmlns:a16="http://schemas.microsoft.com/office/drawing/2014/main" xmlns="" id="{55E06CBC-8EBA-42F9-B3E0-A843AEDB1BD8}"/>
+                <a16:creationId xmlns:a16="http://schemas.microsoft.com/office/drawing/2014/main" id="{55E06CBC-8EBA-42F9-B3E0-A843AEDB1BD8}"/>
               </a:ext>
             </a:extLst>
           </p:cNvPr>
@@ -1935,7 +2113,7 @@
           <p:cNvPr id="4" name="日期占位符 3">
             <a:extLst>
               <a:ext uri="{FF2B5EF4-FFF2-40B4-BE49-F238E27FC236}">
-                <a16:creationId xmlns:a16="http://schemas.microsoft.com/office/drawing/2014/main" xmlns="" id="{FDB2504C-5AB1-4506-A9D8-1A948CBC2BF3}"/>
+                <a16:creationId xmlns:a16="http://schemas.microsoft.com/office/drawing/2014/main" id="{FDB2504C-5AB1-4506-A9D8-1A948CBC2BF3}"/>
               </a:ext>
             </a:extLst>
           </p:cNvPr>
@@ -1961,7 +2139,7 @@
           <a:p>
             <a:fld id="{02E60DA2-A0BC-48C9-AA88-75C78721B420}" type="datetimeFigureOut">
               <a:rPr lang="zh-CN" altLang="en-US" smtClean="0"/>
-              <a:t>2018/2/6</a:t>
+              <a:t>2018/2/25</a:t>
             </a:fld>
             <a:endParaRPr lang="zh-CN" altLang="en-US"/>
           </a:p>
@@ -1972,7 +2150,7 @@
           <p:cNvPr id="5" name="页脚占位符 4">
             <a:extLst>
               <a:ext uri="{FF2B5EF4-FFF2-40B4-BE49-F238E27FC236}">
-                <a16:creationId xmlns:a16="http://schemas.microsoft.com/office/drawing/2014/main" xmlns="" id="{8EED1BC2-384F-490F-9206-6F27238D90DB}"/>
+                <a16:creationId xmlns:a16="http://schemas.microsoft.com/office/drawing/2014/main" id="{8EED1BC2-384F-490F-9206-6F27238D90DB}"/>
               </a:ext>
             </a:extLst>
           </p:cNvPr>
@@ -2005,7 +2183,7 @@
           <p:cNvPr id="6" name="灯片编号占位符 5">
             <a:extLst>
               <a:ext uri="{FF2B5EF4-FFF2-40B4-BE49-F238E27FC236}">
-                <a16:creationId xmlns:a16="http://schemas.microsoft.com/office/drawing/2014/main" xmlns="" id="{975F5478-33A3-42ED-9060-A6BDD7DBCE9C}"/>
+                <a16:creationId xmlns:a16="http://schemas.microsoft.com/office/drawing/2014/main" id="{975F5478-33A3-42ED-9060-A6BDD7DBCE9C}"/>
               </a:ext>
             </a:extLst>
           </p:cNvPr>
@@ -2072,7 +2250,7 @@
           <p:cNvPr id="2" name="标题 1">
             <a:extLst>
               <a:ext uri="{FF2B5EF4-FFF2-40B4-BE49-F238E27FC236}">
-                <a16:creationId xmlns:a16="http://schemas.microsoft.com/office/drawing/2014/main" xmlns="" id="{F280021F-2F2C-4A26-AE3A-95F8A2B3E147}"/>
+                <a16:creationId xmlns:a16="http://schemas.microsoft.com/office/drawing/2014/main" id="{F280021F-2F2C-4A26-AE3A-95F8A2B3E147}"/>
               </a:ext>
             </a:extLst>
           </p:cNvPr>
@@ -2108,7 +2286,7 @@
           <p:cNvPr id="3" name="内容占位符 2">
             <a:extLst>
               <a:ext uri="{FF2B5EF4-FFF2-40B4-BE49-F238E27FC236}">
-                <a16:creationId xmlns:a16="http://schemas.microsoft.com/office/drawing/2014/main" xmlns="" id="{16BB5DE8-6678-4CCF-AE5C-C34328A85403}"/>
+                <a16:creationId xmlns:a16="http://schemas.microsoft.com/office/drawing/2014/main" id="{16BB5DE8-6678-4CCF-AE5C-C34328A85403}"/>
               </a:ext>
             </a:extLst>
           </p:cNvPr>
@@ -2173,7 +2351,7 @@
           <p:cNvPr id="4" name="内容占位符 3">
             <a:extLst>
               <a:ext uri="{FF2B5EF4-FFF2-40B4-BE49-F238E27FC236}">
-                <a16:creationId xmlns:a16="http://schemas.microsoft.com/office/drawing/2014/main" xmlns="" id="{52D4C2E3-226A-42C0-9112-DDBD640689E2}"/>
+                <a16:creationId xmlns:a16="http://schemas.microsoft.com/office/drawing/2014/main" id="{52D4C2E3-226A-42C0-9112-DDBD640689E2}"/>
               </a:ext>
             </a:extLst>
           </p:cNvPr>
@@ -2238,7 +2416,7 @@
           <p:cNvPr id="5" name="日期占位符 4">
             <a:extLst>
               <a:ext uri="{FF2B5EF4-FFF2-40B4-BE49-F238E27FC236}">
-                <a16:creationId xmlns:a16="http://schemas.microsoft.com/office/drawing/2014/main" xmlns="" id="{5D556E24-99A4-40A5-8584-523B3DC8CC54}"/>
+                <a16:creationId xmlns:a16="http://schemas.microsoft.com/office/drawing/2014/main" id="{5D556E24-99A4-40A5-8584-523B3DC8CC54}"/>
               </a:ext>
             </a:extLst>
           </p:cNvPr>
@@ -2264,7 +2442,7 @@
           <a:p>
             <a:fld id="{02E60DA2-A0BC-48C9-AA88-75C78721B420}" type="datetimeFigureOut">
               <a:rPr lang="zh-CN" altLang="en-US" smtClean="0"/>
-              <a:t>2018/2/6</a:t>
+              <a:t>2018/2/25</a:t>
             </a:fld>
             <a:endParaRPr lang="zh-CN" altLang="en-US"/>
           </a:p>
@@ -2275,7 +2453,7 @@
           <p:cNvPr id="6" name="页脚占位符 5">
             <a:extLst>
               <a:ext uri="{FF2B5EF4-FFF2-40B4-BE49-F238E27FC236}">
-                <a16:creationId xmlns:a16="http://schemas.microsoft.com/office/drawing/2014/main" xmlns="" id="{95588254-DF01-4504-AC65-B12627BAC841}"/>
+                <a16:creationId xmlns:a16="http://schemas.microsoft.com/office/drawing/2014/main" id="{95588254-DF01-4504-AC65-B12627BAC841}"/>
               </a:ext>
             </a:extLst>
           </p:cNvPr>
@@ -2308,7 +2486,7 @@
           <p:cNvPr id="7" name="灯片编号占位符 6">
             <a:extLst>
               <a:ext uri="{FF2B5EF4-FFF2-40B4-BE49-F238E27FC236}">
-                <a16:creationId xmlns:a16="http://schemas.microsoft.com/office/drawing/2014/main" xmlns="" id="{E3DB2B8F-1BF3-4C3D-ADB1-B57BB4FB3DB2}"/>
+                <a16:creationId xmlns:a16="http://schemas.microsoft.com/office/drawing/2014/main" id="{E3DB2B8F-1BF3-4C3D-ADB1-B57BB4FB3DB2}"/>
               </a:ext>
             </a:extLst>
           </p:cNvPr>
@@ -2375,7 +2553,7 @@
           <p:cNvPr id="2" name="标题 1">
             <a:extLst>
               <a:ext uri="{FF2B5EF4-FFF2-40B4-BE49-F238E27FC236}">
-                <a16:creationId xmlns:a16="http://schemas.microsoft.com/office/drawing/2014/main" xmlns="" id="{1FCF7059-1F16-4131-B4F7-8D2FA3ABA857}"/>
+                <a16:creationId xmlns:a16="http://schemas.microsoft.com/office/drawing/2014/main" id="{1FCF7059-1F16-4131-B4F7-8D2FA3ABA857}"/>
               </a:ext>
             </a:extLst>
           </p:cNvPr>
@@ -2411,7 +2589,7 @@
           <p:cNvPr id="3" name="文本占位符 2">
             <a:extLst>
               <a:ext uri="{FF2B5EF4-FFF2-40B4-BE49-F238E27FC236}">
-                <a16:creationId xmlns:a16="http://schemas.microsoft.com/office/drawing/2014/main" xmlns="" id="{642F9B6A-0820-427D-AFA5-C3F5F6C080D8}"/>
+                <a16:creationId xmlns:a16="http://schemas.microsoft.com/office/drawing/2014/main" id="{642F9B6A-0820-427D-AFA5-C3F5F6C080D8}"/>
               </a:ext>
             </a:extLst>
           </p:cNvPr>
@@ -2485,7 +2663,7 @@
           <p:cNvPr id="4" name="内容占位符 3">
             <a:extLst>
               <a:ext uri="{FF2B5EF4-FFF2-40B4-BE49-F238E27FC236}">
-                <a16:creationId xmlns:a16="http://schemas.microsoft.com/office/drawing/2014/main" xmlns="" id="{02AB4C75-6A8C-47B1-9EC2-84DF650C535E}"/>
+                <a16:creationId xmlns:a16="http://schemas.microsoft.com/office/drawing/2014/main" id="{02AB4C75-6A8C-47B1-9EC2-84DF650C535E}"/>
               </a:ext>
             </a:extLst>
           </p:cNvPr>
@@ -2550,7 +2728,7 @@
           <p:cNvPr id="5" name="文本占位符 4">
             <a:extLst>
               <a:ext uri="{FF2B5EF4-FFF2-40B4-BE49-F238E27FC236}">
-                <a16:creationId xmlns:a16="http://schemas.microsoft.com/office/drawing/2014/main" xmlns="" id="{458007A5-D05F-43D0-8B1B-07499E571A57}"/>
+                <a16:creationId xmlns:a16="http://schemas.microsoft.com/office/drawing/2014/main" id="{458007A5-D05F-43D0-8B1B-07499E571A57}"/>
               </a:ext>
             </a:extLst>
           </p:cNvPr>
@@ -2624,7 +2802,7 @@
           <p:cNvPr id="6" name="内容占位符 5">
             <a:extLst>
               <a:ext uri="{FF2B5EF4-FFF2-40B4-BE49-F238E27FC236}">
-                <a16:creationId xmlns:a16="http://schemas.microsoft.com/office/drawing/2014/main" xmlns="" id="{F57234F0-4318-43CD-A0EB-A2518460F791}"/>
+                <a16:creationId xmlns:a16="http://schemas.microsoft.com/office/drawing/2014/main" id="{F57234F0-4318-43CD-A0EB-A2518460F791}"/>
               </a:ext>
             </a:extLst>
           </p:cNvPr>
@@ -2689,7 +2867,7 @@
           <p:cNvPr id="7" name="日期占位符 6">
             <a:extLst>
               <a:ext uri="{FF2B5EF4-FFF2-40B4-BE49-F238E27FC236}">
-                <a16:creationId xmlns:a16="http://schemas.microsoft.com/office/drawing/2014/main" xmlns="" id="{D030C091-FABA-44CF-8760-92751B492903}"/>
+                <a16:creationId xmlns:a16="http://schemas.microsoft.com/office/drawing/2014/main" id="{D030C091-FABA-44CF-8760-92751B492903}"/>
               </a:ext>
             </a:extLst>
           </p:cNvPr>
@@ -2715,7 +2893,7 @@
           <a:p>
             <a:fld id="{02E60DA2-A0BC-48C9-AA88-75C78721B420}" type="datetimeFigureOut">
               <a:rPr lang="zh-CN" altLang="en-US" smtClean="0"/>
-              <a:t>2018/2/6</a:t>
+              <a:t>2018/2/25</a:t>
             </a:fld>
             <a:endParaRPr lang="zh-CN" altLang="en-US"/>
           </a:p>
@@ -2726,7 +2904,7 @@
           <p:cNvPr id="8" name="页脚占位符 7">
             <a:extLst>
               <a:ext uri="{FF2B5EF4-FFF2-40B4-BE49-F238E27FC236}">
-                <a16:creationId xmlns:a16="http://schemas.microsoft.com/office/drawing/2014/main" xmlns="" id="{DFC243E3-88DA-4B81-9749-7E235998D5FA}"/>
+                <a16:creationId xmlns:a16="http://schemas.microsoft.com/office/drawing/2014/main" id="{DFC243E3-88DA-4B81-9749-7E235998D5FA}"/>
               </a:ext>
             </a:extLst>
           </p:cNvPr>
@@ -2759,7 +2937,7 @@
           <p:cNvPr id="9" name="灯片编号占位符 8">
             <a:extLst>
               <a:ext uri="{FF2B5EF4-FFF2-40B4-BE49-F238E27FC236}">
-                <a16:creationId xmlns:a16="http://schemas.microsoft.com/office/drawing/2014/main" xmlns="" id="{DC725EB2-3E8C-4775-ABB0-6845261CB470}"/>
+                <a16:creationId xmlns:a16="http://schemas.microsoft.com/office/drawing/2014/main" id="{DC725EB2-3E8C-4775-ABB0-6845261CB470}"/>
               </a:ext>
             </a:extLst>
           </p:cNvPr>
@@ -2826,7 +3004,7 @@
           <p:cNvPr id="2" name="标题 1">
             <a:extLst>
               <a:ext uri="{FF2B5EF4-FFF2-40B4-BE49-F238E27FC236}">
-                <a16:creationId xmlns:a16="http://schemas.microsoft.com/office/drawing/2014/main" xmlns="" id="{176FF9FA-22DC-4A12-80DB-6BFCA5FC0E2A}"/>
+                <a16:creationId xmlns:a16="http://schemas.microsoft.com/office/drawing/2014/main" id="{176FF9FA-22DC-4A12-80DB-6BFCA5FC0E2A}"/>
               </a:ext>
             </a:extLst>
           </p:cNvPr>
@@ -2862,7 +3040,7 @@
           <p:cNvPr id="3" name="日期占位符 2">
             <a:extLst>
               <a:ext uri="{FF2B5EF4-FFF2-40B4-BE49-F238E27FC236}">
-                <a16:creationId xmlns:a16="http://schemas.microsoft.com/office/drawing/2014/main" xmlns="" id="{04931B3A-E05C-4829-88BD-35F04D285067}"/>
+                <a16:creationId xmlns:a16="http://schemas.microsoft.com/office/drawing/2014/main" id="{04931B3A-E05C-4829-88BD-35F04D285067}"/>
               </a:ext>
             </a:extLst>
           </p:cNvPr>
@@ -2888,7 +3066,7 @@
           <a:p>
             <a:fld id="{02E60DA2-A0BC-48C9-AA88-75C78721B420}" type="datetimeFigureOut">
               <a:rPr lang="zh-CN" altLang="en-US" smtClean="0"/>
-              <a:t>2018/2/6</a:t>
+              <a:t>2018/2/25</a:t>
             </a:fld>
             <a:endParaRPr lang="zh-CN" altLang="en-US"/>
           </a:p>
@@ -2899,7 +3077,7 @@
           <p:cNvPr id="4" name="页脚占位符 3">
             <a:extLst>
               <a:ext uri="{FF2B5EF4-FFF2-40B4-BE49-F238E27FC236}">
-                <a16:creationId xmlns:a16="http://schemas.microsoft.com/office/drawing/2014/main" xmlns="" id="{5C61DA9A-CFE7-484A-83FF-3684F9AA3DCE}"/>
+                <a16:creationId xmlns:a16="http://schemas.microsoft.com/office/drawing/2014/main" id="{5C61DA9A-CFE7-484A-83FF-3684F9AA3DCE}"/>
               </a:ext>
             </a:extLst>
           </p:cNvPr>
@@ -2932,7 +3110,7 @@
           <p:cNvPr id="5" name="灯片编号占位符 4">
             <a:extLst>
               <a:ext uri="{FF2B5EF4-FFF2-40B4-BE49-F238E27FC236}">
-                <a16:creationId xmlns:a16="http://schemas.microsoft.com/office/drawing/2014/main" xmlns="" id="{BB525513-D499-4F43-9AD3-9070531C555A}"/>
+                <a16:creationId xmlns:a16="http://schemas.microsoft.com/office/drawing/2014/main" id="{BB525513-D499-4F43-9AD3-9070531C555A}"/>
               </a:ext>
             </a:extLst>
           </p:cNvPr>
@@ -2999,7 +3177,7 @@
           <p:cNvPr id="2" name="日期占位符 1">
             <a:extLst>
               <a:ext uri="{FF2B5EF4-FFF2-40B4-BE49-F238E27FC236}">
-                <a16:creationId xmlns:a16="http://schemas.microsoft.com/office/drawing/2014/main" xmlns="" id="{856EF436-74CE-42C2-A4F6-B1EC6E2B9DA0}"/>
+                <a16:creationId xmlns:a16="http://schemas.microsoft.com/office/drawing/2014/main" id="{856EF436-74CE-42C2-A4F6-B1EC6E2B9DA0}"/>
               </a:ext>
             </a:extLst>
           </p:cNvPr>
@@ -3025,7 +3203,7 @@
           <a:p>
             <a:fld id="{02E60DA2-A0BC-48C9-AA88-75C78721B420}" type="datetimeFigureOut">
               <a:rPr lang="zh-CN" altLang="en-US" smtClean="0"/>
-              <a:t>2018/2/6</a:t>
+              <a:t>2018/2/25</a:t>
             </a:fld>
             <a:endParaRPr lang="zh-CN" altLang="en-US"/>
           </a:p>
@@ -3036,7 +3214,7 @@
           <p:cNvPr id="3" name="页脚占位符 2">
             <a:extLst>
               <a:ext uri="{FF2B5EF4-FFF2-40B4-BE49-F238E27FC236}">
-                <a16:creationId xmlns:a16="http://schemas.microsoft.com/office/drawing/2014/main" xmlns="" id="{AAAC67BA-8358-4BC2-B9B5-1C37DDD6AF86}"/>
+                <a16:creationId xmlns:a16="http://schemas.microsoft.com/office/drawing/2014/main" id="{AAAC67BA-8358-4BC2-B9B5-1C37DDD6AF86}"/>
               </a:ext>
             </a:extLst>
           </p:cNvPr>
@@ -3069,7 +3247,7 @@
           <p:cNvPr id="4" name="灯片编号占位符 3">
             <a:extLst>
               <a:ext uri="{FF2B5EF4-FFF2-40B4-BE49-F238E27FC236}">
-                <a16:creationId xmlns:a16="http://schemas.microsoft.com/office/drawing/2014/main" xmlns="" id="{3C690F71-28C5-4A3C-A38A-84291F65B4A5}"/>
+                <a16:creationId xmlns:a16="http://schemas.microsoft.com/office/drawing/2014/main" id="{3C690F71-28C5-4A3C-A38A-84291F65B4A5}"/>
               </a:ext>
             </a:extLst>
           </p:cNvPr>
@@ -3136,7 +3314,7 @@
           <p:cNvPr id="2" name="标题 1">
             <a:extLst>
               <a:ext uri="{FF2B5EF4-FFF2-40B4-BE49-F238E27FC236}">
-                <a16:creationId xmlns:a16="http://schemas.microsoft.com/office/drawing/2014/main" xmlns="" id="{2DC4A2AE-8EAF-4AE2-B62C-AA311DE3A1E9}"/>
+                <a16:creationId xmlns:a16="http://schemas.microsoft.com/office/drawing/2014/main" id="{2DC4A2AE-8EAF-4AE2-B62C-AA311DE3A1E9}"/>
               </a:ext>
             </a:extLst>
           </p:cNvPr>
@@ -3176,7 +3354,7 @@
           <p:cNvPr id="3" name="内容占位符 2">
             <a:extLst>
               <a:ext uri="{FF2B5EF4-FFF2-40B4-BE49-F238E27FC236}">
-                <a16:creationId xmlns:a16="http://schemas.microsoft.com/office/drawing/2014/main" xmlns="" id="{29A38D02-3DC7-4778-AF80-35369A40EB85}"/>
+                <a16:creationId xmlns:a16="http://schemas.microsoft.com/office/drawing/2014/main" id="{29A38D02-3DC7-4778-AF80-35369A40EB85}"/>
               </a:ext>
             </a:extLst>
           </p:cNvPr>
@@ -3269,7 +3447,7 @@
           <p:cNvPr id="4" name="文本占位符 3">
             <a:extLst>
               <a:ext uri="{FF2B5EF4-FFF2-40B4-BE49-F238E27FC236}">
-                <a16:creationId xmlns:a16="http://schemas.microsoft.com/office/drawing/2014/main" xmlns="" id="{F8827B4D-182A-4350-87DE-CAB16996E2C8}"/>
+                <a16:creationId xmlns:a16="http://schemas.microsoft.com/office/drawing/2014/main" id="{F8827B4D-182A-4350-87DE-CAB16996E2C8}"/>
               </a:ext>
             </a:extLst>
           </p:cNvPr>
@@ -3343,7 +3521,7 @@
           <p:cNvPr id="5" name="日期占位符 4">
             <a:extLst>
               <a:ext uri="{FF2B5EF4-FFF2-40B4-BE49-F238E27FC236}">
-                <a16:creationId xmlns:a16="http://schemas.microsoft.com/office/drawing/2014/main" xmlns="" id="{D8C60B6D-CB4D-4EE5-B197-8E1F79EB6B67}"/>
+                <a16:creationId xmlns:a16="http://schemas.microsoft.com/office/drawing/2014/main" id="{D8C60B6D-CB4D-4EE5-B197-8E1F79EB6B67}"/>
               </a:ext>
             </a:extLst>
           </p:cNvPr>
@@ -3369,7 +3547,7 @@
           <a:p>
             <a:fld id="{02E60DA2-A0BC-48C9-AA88-75C78721B420}" type="datetimeFigureOut">
               <a:rPr lang="zh-CN" altLang="en-US" smtClean="0"/>
-              <a:t>2018/2/6</a:t>
+              <a:t>2018/2/25</a:t>
             </a:fld>
             <a:endParaRPr lang="zh-CN" altLang="en-US"/>
           </a:p>
@@ -3380,7 +3558,7 @@
           <p:cNvPr id="6" name="页脚占位符 5">
             <a:extLst>
               <a:ext uri="{FF2B5EF4-FFF2-40B4-BE49-F238E27FC236}">
-                <a16:creationId xmlns:a16="http://schemas.microsoft.com/office/drawing/2014/main" xmlns="" id="{9E1979CC-C402-4145-9052-07B431D7AFEC}"/>
+                <a16:creationId xmlns:a16="http://schemas.microsoft.com/office/drawing/2014/main" id="{9E1979CC-C402-4145-9052-07B431D7AFEC}"/>
               </a:ext>
             </a:extLst>
           </p:cNvPr>
@@ -3413,7 +3591,7 @@
           <p:cNvPr id="7" name="灯片编号占位符 6">
             <a:extLst>
               <a:ext uri="{FF2B5EF4-FFF2-40B4-BE49-F238E27FC236}">
-                <a16:creationId xmlns:a16="http://schemas.microsoft.com/office/drawing/2014/main" xmlns="" id="{2154E0DC-BD8A-4F38-903B-3E5633CA2F60}"/>
+                <a16:creationId xmlns:a16="http://schemas.microsoft.com/office/drawing/2014/main" id="{2154E0DC-BD8A-4F38-903B-3E5633CA2F60}"/>
               </a:ext>
             </a:extLst>
           </p:cNvPr>
@@ -3480,7 +3658,7 @@
           <p:cNvPr id="2" name="标题 1">
             <a:extLst>
               <a:ext uri="{FF2B5EF4-FFF2-40B4-BE49-F238E27FC236}">
-                <a16:creationId xmlns:a16="http://schemas.microsoft.com/office/drawing/2014/main" xmlns="" id="{FDA06683-1E3B-4E82-B566-82E72C3DC756}"/>
+                <a16:creationId xmlns:a16="http://schemas.microsoft.com/office/drawing/2014/main" id="{FDA06683-1E3B-4E82-B566-82E72C3DC756}"/>
               </a:ext>
             </a:extLst>
           </p:cNvPr>
@@ -3508,7 +3686,7 @@
           <p:cNvPr id="3" name="内容占位符 2">
             <a:extLst>
               <a:ext uri="{FF2B5EF4-FFF2-40B4-BE49-F238E27FC236}">
-                <a16:creationId xmlns:a16="http://schemas.microsoft.com/office/drawing/2014/main" xmlns="" id="{58A1318B-3ABA-473A-A58F-68FE1F405BF6}"/>
+                <a16:creationId xmlns:a16="http://schemas.microsoft.com/office/drawing/2014/main" id="{58A1318B-3ABA-473A-A58F-68FE1F405BF6}"/>
               </a:ext>
             </a:extLst>
           </p:cNvPr>
@@ -3565,7 +3743,7 @@
           <p:cNvPr id="4" name="日期占位符 3">
             <a:extLst>
               <a:ext uri="{FF2B5EF4-FFF2-40B4-BE49-F238E27FC236}">
-                <a16:creationId xmlns:a16="http://schemas.microsoft.com/office/drawing/2014/main" xmlns="" id="{8FD917EC-8501-4020-9EDF-A4F573631242}"/>
+                <a16:creationId xmlns:a16="http://schemas.microsoft.com/office/drawing/2014/main" id="{8FD917EC-8501-4020-9EDF-A4F573631242}"/>
               </a:ext>
             </a:extLst>
           </p:cNvPr>
@@ -3591,7 +3769,7 @@
           <a:p>
             <a:fld id="{02E60DA2-A0BC-48C9-AA88-75C78721B420}" type="datetimeFigureOut">
               <a:rPr lang="zh-CN" altLang="en-US" smtClean="0"/>
-              <a:t>2018/2/6</a:t>
+              <a:t>2018/2/25</a:t>
             </a:fld>
             <a:endParaRPr lang="zh-CN" altLang="en-US"/>
           </a:p>
@@ -3602,7 +3780,7 @@
           <p:cNvPr id="5" name="页脚占位符 4">
             <a:extLst>
               <a:ext uri="{FF2B5EF4-FFF2-40B4-BE49-F238E27FC236}">
-                <a16:creationId xmlns:a16="http://schemas.microsoft.com/office/drawing/2014/main" xmlns="" id="{79615516-0ACC-4FA6-8D41-91D8F5C00CED}"/>
+                <a16:creationId xmlns:a16="http://schemas.microsoft.com/office/drawing/2014/main" id="{79615516-0ACC-4FA6-8D41-91D8F5C00CED}"/>
               </a:ext>
             </a:extLst>
           </p:cNvPr>
@@ -3635,7 +3813,7 @@
           <p:cNvPr id="6" name="灯片编号占位符 5">
             <a:extLst>
               <a:ext uri="{FF2B5EF4-FFF2-40B4-BE49-F238E27FC236}">
-                <a16:creationId xmlns:a16="http://schemas.microsoft.com/office/drawing/2014/main" xmlns="" id="{CF0C0F46-9191-45D5-B62D-2893F5616650}"/>
+                <a16:creationId xmlns:a16="http://schemas.microsoft.com/office/drawing/2014/main" id="{CF0C0F46-9191-45D5-B62D-2893F5616650}"/>
               </a:ext>
             </a:extLst>
           </p:cNvPr>
@@ -3702,7 +3880,7 @@
           <p:cNvPr id="2" name="标题 1">
             <a:extLst>
               <a:ext uri="{FF2B5EF4-FFF2-40B4-BE49-F238E27FC236}">
-                <a16:creationId xmlns:a16="http://schemas.microsoft.com/office/drawing/2014/main" xmlns="" id="{55D8E271-748E-4E9C-8E22-291FEDCA23FB}"/>
+                <a16:creationId xmlns:a16="http://schemas.microsoft.com/office/drawing/2014/main" id="{55D8E271-748E-4E9C-8E22-291FEDCA23FB}"/>
               </a:ext>
             </a:extLst>
           </p:cNvPr>
@@ -3742,7 +3920,7 @@
           <p:cNvPr id="3" name="图片占位符 2">
             <a:extLst>
               <a:ext uri="{FF2B5EF4-FFF2-40B4-BE49-F238E27FC236}">
-                <a16:creationId xmlns:a16="http://schemas.microsoft.com/office/drawing/2014/main" xmlns="" id="{C656EA3D-02E1-4F87-9FD9-177128AD8CC5}"/>
+                <a16:creationId xmlns:a16="http://schemas.microsoft.com/office/drawing/2014/main" id="{C656EA3D-02E1-4F87-9FD9-177128AD8CC5}"/>
               </a:ext>
             </a:extLst>
           </p:cNvPr>
@@ -3812,7 +3990,7 @@
           <p:cNvPr id="4" name="文本占位符 3">
             <a:extLst>
               <a:ext uri="{FF2B5EF4-FFF2-40B4-BE49-F238E27FC236}">
-                <a16:creationId xmlns:a16="http://schemas.microsoft.com/office/drawing/2014/main" xmlns="" id="{8C3A0957-516C-4962-AA82-F08B70B9D143}"/>
+                <a16:creationId xmlns:a16="http://schemas.microsoft.com/office/drawing/2014/main" id="{8C3A0957-516C-4962-AA82-F08B70B9D143}"/>
               </a:ext>
             </a:extLst>
           </p:cNvPr>
@@ -3886,7 +4064,7 @@
           <p:cNvPr id="5" name="日期占位符 4">
             <a:extLst>
               <a:ext uri="{FF2B5EF4-FFF2-40B4-BE49-F238E27FC236}">
-                <a16:creationId xmlns:a16="http://schemas.microsoft.com/office/drawing/2014/main" xmlns="" id="{ED21E2C7-EDFE-4B51-A5B2-B6CF5067759E}"/>
+                <a16:creationId xmlns:a16="http://schemas.microsoft.com/office/drawing/2014/main" id="{ED21E2C7-EDFE-4B51-A5B2-B6CF5067759E}"/>
               </a:ext>
             </a:extLst>
           </p:cNvPr>
@@ -3912,7 +4090,7 @@
           <a:p>
             <a:fld id="{02E60DA2-A0BC-48C9-AA88-75C78721B420}" type="datetimeFigureOut">
               <a:rPr lang="zh-CN" altLang="en-US" smtClean="0"/>
-              <a:t>2018/2/6</a:t>
+              <a:t>2018/2/25</a:t>
             </a:fld>
             <a:endParaRPr lang="zh-CN" altLang="en-US"/>
           </a:p>
@@ -3923,7 +4101,7 @@
           <p:cNvPr id="6" name="页脚占位符 5">
             <a:extLst>
               <a:ext uri="{FF2B5EF4-FFF2-40B4-BE49-F238E27FC236}">
-                <a16:creationId xmlns:a16="http://schemas.microsoft.com/office/drawing/2014/main" xmlns="" id="{25EF1747-23A0-4DAB-986E-60F5EB6FF554}"/>
+                <a16:creationId xmlns:a16="http://schemas.microsoft.com/office/drawing/2014/main" id="{25EF1747-23A0-4DAB-986E-60F5EB6FF554}"/>
               </a:ext>
             </a:extLst>
           </p:cNvPr>
@@ -3956,7 +4134,7 @@
           <p:cNvPr id="7" name="灯片编号占位符 6">
             <a:extLst>
               <a:ext uri="{FF2B5EF4-FFF2-40B4-BE49-F238E27FC236}">
-                <a16:creationId xmlns:a16="http://schemas.microsoft.com/office/drawing/2014/main" xmlns="" id="{1BB71036-67DE-4C24-9A1C-8991B59BB598}"/>
+                <a16:creationId xmlns:a16="http://schemas.microsoft.com/office/drawing/2014/main" id="{1BB71036-67DE-4C24-9A1C-8991B59BB598}"/>
               </a:ext>
             </a:extLst>
           </p:cNvPr>
@@ -4023,7 +4201,7 @@
           <p:cNvPr id="2" name="标题 1">
             <a:extLst>
               <a:ext uri="{FF2B5EF4-FFF2-40B4-BE49-F238E27FC236}">
-                <a16:creationId xmlns:a16="http://schemas.microsoft.com/office/drawing/2014/main" xmlns="" id="{47B0B2FB-4959-4FE4-86E2-97E4443C002E}"/>
+                <a16:creationId xmlns:a16="http://schemas.microsoft.com/office/drawing/2014/main" id="{47B0B2FB-4959-4FE4-86E2-97E4443C002E}"/>
               </a:ext>
             </a:extLst>
           </p:cNvPr>
@@ -4059,7 +4237,7 @@
           <p:cNvPr id="3" name="竖排文字占位符 2">
             <a:extLst>
               <a:ext uri="{FF2B5EF4-FFF2-40B4-BE49-F238E27FC236}">
-                <a16:creationId xmlns:a16="http://schemas.microsoft.com/office/drawing/2014/main" xmlns="" id="{BC5CB652-A873-4422-BB38-1FFAA749D5DC}"/>
+                <a16:creationId xmlns:a16="http://schemas.microsoft.com/office/drawing/2014/main" id="{BC5CB652-A873-4422-BB38-1FFAA749D5DC}"/>
               </a:ext>
             </a:extLst>
           </p:cNvPr>
@@ -4124,7 +4302,7 @@
           <p:cNvPr id="4" name="日期占位符 3">
             <a:extLst>
               <a:ext uri="{FF2B5EF4-FFF2-40B4-BE49-F238E27FC236}">
-                <a16:creationId xmlns:a16="http://schemas.microsoft.com/office/drawing/2014/main" xmlns="" id="{A17A5158-4FD3-42CD-8937-8987BFDF7B88}"/>
+                <a16:creationId xmlns:a16="http://schemas.microsoft.com/office/drawing/2014/main" id="{A17A5158-4FD3-42CD-8937-8987BFDF7B88}"/>
               </a:ext>
             </a:extLst>
           </p:cNvPr>
@@ -4150,7 +4328,7 @@
           <a:p>
             <a:fld id="{02E60DA2-A0BC-48C9-AA88-75C78721B420}" type="datetimeFigureOut">
               <a:rPr lang="zh-CN" altLang="en-US" smtClean="0"/>
-              <a:t>2018/2/6</a:t>
+              <a:t>2018/2/25</a:t>
             </a:fld>
             <a:endParaRPr lang="zh-CN" altLang="en-US"/>
           </a:p>
@@ -4161,7 +4339,7 @@
           <p:cNvPr id="5" name="页脚占位符 4">
             <a:extLst>
               <a:ext uri="{FF2B5EF4-FFF2-40B4-BE49-F238E27FC236}">
-                <a16:creationId xmlns:a16="http://schemas.microsoft.com/office/drawing/2014/main" xmlns="" id="{D2C2BA79-53D6-4263-B3EF-84D5A8428278}"/>
+                <a16:creationId xmlns:a16="http://schemas.microsoft.com/office/drawing/2014/main" id="{D2C2BA79-53D6-4263-B3EF-84D5A8428278}"/>
               </a:ext>
             </a:extLst>
           </p:cNvPr>
@@ -4194,7 +4372,7 @@
           <p:cNvPr id="6" name="灯片编号占位符 5">
             <a:extLst>
               <a:ext uri="{FF2B5EF4-FFF2-40B4-BE49-F238E27FC236}">
-                <a16:creationId xmlns:a16="http://schemas.microsoft.com/office/drawing/2014/main" xmlns="" id="{4BE22221-8CB7-4DBA-9746-B585C0976CD3}"/>
+                <a16:creationId xmlns:a16="http://schemas.microsoft.com/office/drawing/2014/main" id="{4BE22221-8CB7-4DBA-9746-B585C0976CD3}"/>
               </a:ext>
             </a:extLst>
           </p:cNvPr>
@@ -4261,7 +4439,7 @@
           <p:cNvPr id="2" name="竖排标题 1">
             <a:extLst>
               <a:ext uri="{FF2B5EF4-FFF2-40B4-BE49-F238E27FC236}">
-                <a16:creationId xmlns:a16="http://schemas.microsoft.com/office/drawing/2014/main" xmlns="" id="{9333D106-9CB0-4E10-B301-7397C10E60E3}"/>
+                <a16:creationId xmlns:a16="http://schemas.microsoft.com/office/drawing/2014/main" id="{9333D106-9CB0-4E10-B301-7397C10E60E3}"/>
               </a:ext>
             </a:extLst>
           </p:cNvPr>
@@ -4297,7 +4475,7 @@
           <p:cNvPr id="3" name="竖排文字占位符 2">
             <a:extLst>
               <a:ext uri="{FF2B5EF4-FFF2-40B4-BE49-F238E27FC236}">
-                <a16:creationId xmlns:a16="http://schemas.microsoft.com/office/drawing/2014/main" xmlns="" id="{E29239A0-3839-4303-B54E-4260334C7BB7}"/>
+                <a16:creationId xmlns:a16="http://schemas.microsoft.com/office/drawing/2014/main" id="{E29239A0-3839-4303-B54E-4260334C7BB7}"/>
               </a:ext>
             </a:extLst>
           </p:cNvPr>
@@ -4362,7 +4540,7 @@
           <p:cNvPr id="4" name="日期占位符 3">
             <a:extLst>
               <a:ext uri="{FF2B5EF4-FFF2-40B4-BE49-F238E27FC236}">
-                <a16:creationId xmlns:a16="http://schemas.microsoft.com/office/drawing/2014/main" xmlns="" id="{8A1A2039-7BFB-41DB-85F9-F49C92BFFB17}"/>
+                <a16:creationId xmlns:a16="http://schemas.microsoft.com/office/drawing/2014/main" id="{8A1A2039-7BFB-41DB-85F9-F49C92BFFB17}"/>
               </a:ext>
             </a:extLst>
           </p:cNvPr>
@@ -4388,7 +4566,7 @@
           <a:p>
             <a:fld id="{02E60DA2-A0BC-48C9-AA88-75C78721B420}" type="datetimeFigureOut">
               <a:rPr lang="zh-CN" altLang="en-US" smtClean="0"/>
-              <a:t>2018/2/6</a:t>
+              <a:t>2018/2/25</a:t>
             </a:fld>
             <a:endParaRPr lang="zh-CN" altLang="en-US"/>
           </a:p>
@@ -4399,7 +4577,7 @@
           <p:cNvPr id="5" name="页脚占位符 4">
             <a:extLst>
               <a:ext uri="{FF2B5EF4-FFF2-40B4-BE49-F238E27FC236}">
-                <a16:creationId xmlns:a16="http://schemas.microsoft.com/office/drawing/2014/main" xmlns="" id="{C278BB87-5004-4714-8C46-6CBF22C35098}"/>
+                <a16:creationId xmlns:a16="http://schemas.microsoft.com/office/drawing/2014/main" id="{C278BB87-5004-4714-8C46-6CBF22C35098}"/>
               </a:ext>
             </a:extLst>
           </p:cNvPr>
@@ -4432,7 +4610,7 @@
           <p:cNvPr id="6" name="灯片编号占位符 5">
             <a:extLst>
               <a:ext uri="{FF2B5EF4-FFF2-40B4-BE49-F238E27FC236}">
-                <a16:creationId xmlns:a16="http://schemas.microsoft.com/office/drawing/2014/main" xmlns="" id="{FC1B4085-6E0A-4997-BE38-7B5E447F199F}"/>
+                <a16:creationId xmlns:a16="http://schemas.microsoft.com/office/drawing/2014/main" id="{FC1B4085-6E0A-4997-BE38-7B5E447F199F}"/>
               </a:ext>
             </a:extLst>
           </p:cNvPr>
@@ -4499,7 +4677,7 @@
           <p:cNvPr id="2" name="标题 1">
             <a:extLst>
               <a:ext uri="{FF2B5EF4-FFF2-40B4-BE49-F238E27FC236}">
-                <a16:creationId xmlns:a16="http://schemas.microsoft.com/office/drawing/2014/main" xmlns="" id="{6602C541-D67E-4BE0-B223-149D33CF5FF1}"/>
+                <a16:creationId xmlns:a16="http://schemas.microsoft.com/office/drawing/2014/main" id="{6602C541-D67E-4BE0-B223-149D33CF5FF1}"/>
               </a:ext>
             </a:extLst>
           </p:cNvPr>
@@ -4536,7 +4714,7 @@
           <p:cNvPr id="3" name="文本占位符 2">
             <a:extLst>
               <a:ext uri="{FF2B5EF4-FFF2-40B4-BE49-F238E27FC236}">
-                <a16:creationId xmlns:a16="http://schemas.microsoft.com/office/drawing/2014/main" xmlns="" id="{55E06CBC-8EBA-42F9-B3E0-A843AEDB1BD8}"/>
+                <a16:creationId xmlns:a16="http://schemas.microsoft.com/office/drawing/2014/main" id="{55E06CBC-8EBA-42F9-B3E0-A843AEDB1BD8}"/>
               </a:ext>
             </a:extLst>
           </p:cNvPr>
@@ -4661,7 +4839,7 @@
           <p:cNvPr id="4" name="日期占位符 3">
             <a:extLst>
               <a:ext uri="{FF2B5EF4-FFF2-40B4-BE49-F238E27FC236}">
-                <a16:creationId xmlns:a16="http://schemas.microsoft.com/office/drawing/2014/main" xmlns="" id="{FDB2504C-5AB1-4506-A9D8-1A948CBC2BF3}"/>
+                <a16:creationId xmlns:a16="http://schemas.microsoft.com/office/drawing/2014/main" id="{FDB2504C-5AB1-4506-A9D8-1A948CBC2BF3}"/>
               </a:ext>
             </a:extLst>
           </p:cNvPr>
@@ -4687,7 +4865,7 @@
           <a:p>
             <a:fld id="{02E60DA2-A0BC-48C9-AA88-75C78721B420}" type="datetimeFigureOut">
               <a:rPr lang="zh-CN" altLang="en-US" smtClean="0"/>
-              <a:t>2018/2/6</a:t>
+              <a:t>2018/2/25</a:t>
             </a:fld>
             <a:endParaRPr lang="zh-CN" altLang="en-US"/>
           </a:p>
@@ -4698,7 +4876,7 @@
           <p:cNvPr id="5" name="页脚占位符 4">
             <a:extLst>
               <a:ext uri="{FF2B5EF4-FFF2-40B4-BE49-F238E27FC236}">
-                <a16:creationId xmlns:a16="http://schemas.microsoft.com/office/drawing/2014/main" xmlns="" id="{8EED1BC2-384F-490F-9206-6F27238D90DB}"/>
+                <a16:creationId xmlns:a16="http://schemas.microsoft.com/office/drawing/2014/main" id="{8EED1BC2-384F-490F-9206-6F27238D90DB}"/>
               </a:ext>
             </a:extLst>
           </p:cNvPr>
@@ -4731,7 +4909,7 @@
           <p:cNvPr id="6" name="灯片编号占位符 5">
             <a:extLst>
               <a:ext uri="{FF2B5EF4-FFF2-40B4-BE49-F238E27FC236}">
-                <a16:creationId xmlns:a16="http://schemas.microsoft.com/office/drawing/2014/main" xmlns="" id="{975F5478-33A3-42ED-9060-A6BDD7DBCE9C}"/>
+                <a16:creationId xmlns:a16="http://schemas.microsoft.com/office/drawing/2014/main" id="{975F5478-33A3-42ED-9060-A6BDD7DBCE9C}"/>
               </a:ext>
             </a:extLst>
           </p:cNvPr>
@@ -4798,7 +4976,7 @@
           <p:cNvPr id="2" name="标题 1">
             <a:extLst>
               <a:ext uri="{FF2B5EF4-FFF2-40B4-BE49-F238E27FC236}">
-                <a16:creationId xmlns:a16="http://schemas.microsoft.com/office/drawing/2014/main" xmlns="" id="{F280021F-2F2C-4A26-AE3A-95F8A2B3E147}"/>
+                <a16:creationId xmlns:a16="http://schemas.microsoft.com/office/drawing/2014/main" id="{F280021F-2F2C-4A26-AE3A-95F8A2B3E147}"/>
               </a:ext>
             </a:extLst>
           </p:cNvPr>
@@ -4826,7 +5004,7 @@
           <p:cNvPr id="3" name="内容占位符 2">
             <a:extLst>
               <a:ext uri="{FF2B5EF4-FFF2-40B4-BE49-F238E27FC236}">
-                <a16:creationId xmlns:a16="http://schemas.microsoft.com/office/drawing/2014/main" xmlns="" id="{16BB5DE8-6678-4CCF-AE5C-C34328A85403}"/>
+                <a16:creationId xmlns:a16="http://schemas.microsoft.com/office/drawing/2014/main" id="{16BB5DE8-6678-4CCF-AE5C-C34328A85403}"/>
               </a:ext>
             </a:extLst>
           </p:cNvPr>
@@ -4888,7 +5066,7 @@
           <p:cNvPr id="4" name="内容占位符 3">
             <a:extLst>
               <a:ext uri="{FF2B5EF4-FFF2-40B4-BE49-F238E27FC236}">
-                <a16:creationId xmlns:a16="http://schemas.microsoft.com/office/drawing/2014/main" xmlns="" id="{52D4C2E3-226A-42C0-9112-DDBD640689E2}"/>
+                <a16:creationId xmlns:a16="http://schemas.microsoft.com/office/drawing/2014/main" id="{52D4C2E3-226A-42C0-9112-DDBD640689E2}"/>
               </a:ext>
             </a:extLst>
           </p:cNvPr>
@@ -4950,7 +5128,7 @@
           <p:cNvPr id="5" name="日期占位符 4">
             <a:extLst>
               <a:ext uri="{FF2B5EF4-FFF2-40B4-BE49-F238E27FC236}">
-                <a16:creationId xmlns:a16="http://schemas.microsoft.com/office/drawing/2014/main" xmlns="" id="{5D556E24-99A4-40A5-8584-523B3DC8CC54}"/>
+                <a16:creationId xmlns:a16="http://schemas.microsoft.com/office/drawing/2014/main" id="{5D556E24-99A4-40A5-8584-523B3DC8CC54}"/>
               </a:ext>
             </a:extLst>
           </p:cNvPr>
@@ -4976,7 +5154,7 @@
           <a:p>
             <a:fld id="{02E60DA2-A0BC-48C9-AA88-75C78721B420}" type="datetimeFigureOut">
               <a:rPr lang="zh-CN" altLang="en-US" smtClean="0"/>
-              <a:t>2018/2/6</a:t>
+              <a:t>2018/2/25</a:t>
             </a:fld>
             <a:endParaRPr lang="zh-CN" altLang="en-US"/>
           </a:p>
@@ -4987,7 +5165,7 @@
           <p:cNvPr id="6" name="页脚占位符 5">
             <a:extLst>
               <a:ext uri="{FF2B5EF4-FFF2-40B4-BE49-F238E27FC236}">
-                <a16:creationId xmlns:a16="http://schemas.microsoft.com/office/drawing/2014/main" xmlns="" id="{95588254-DF01-4504-AC65-B12627BAC841}"/>
+                <a16:creationId xmlns:a16="http://schemas.microsoft.com/office/drawing/2014/main" id="{95588254-DF01-4504-AC65-B12627BAC841}"/>
               </a:ext>
             </a:extLst>
           </p:cNvPr>
@@ -5020,7 +5198,7 @@
           <p:cNvPr id="7" name="灯片编号占位符 6">
             <a:extLst>
               <a:ext uri="{FF2B5EF4-FFF2-40B4-BE49-F238E27FC236}">
-                <a16:creationId xmlns:a16="http://schemas.microsoft.com/office/drawing/2014/main" xmlns="" id="{E3DB2B8F-1BF3-4C3D-ADB1-B57BB4FB3DB2}"/>
+                <a16:creationId xmlns:a16="http://schemas.microsoft.com/office/drawing/2014/main" id="{E3DB2B8F-1BF3-4C3D-ADB1-B57BB4FB3DB2}"/>
               </a:ext>
             </a:extLst>
           </p:cNvPr>
@@ -5087,7 +5265,7 @@
           <p:cNvPr id="2" name="标题 1">
             <a:extLst>
               <a:ext uri="{FF2B5EF4-FFF2-40B4-BE49-F238E27FC236}">
-                <a16:creationId xmlns:a16="http://schemas.microsoft.com/office/drawing/2014/main" xmlns="" id="{1FCF7059-1F16-4131-B4F7-8D2FA3ABA857}"/>
+                <a16:creationId xmlns:a16="http://schemas.microsoft.com/office/drawing/2014/main" id="{1FCF7059-1F16-4131-B4F7-8D2FA3ABA857}"/>
               </a:ext>
             </a:extLst>
           </p:cNvPr>
@@ -5120,7 +5298,7 @@
           <p:cNvPr id="3" name="文本占位符 2">
             <a:extLst>
               <a:ext uri="{FF2B5EF4-FFF2-40B4-BE49-F238E27FC236}">
-                <a16:creationId xmlns:a16="http://schemas.microsoft.com/office/drawing/2014/main" xmlns="" id="{642F9B6A-0820-427D-AFA5-C3F5F6C080D8}"/>
+                <a16:creationId xmlns:a16="http://schemas.microsoft.com/office/drawing/2014/main" id="{642F9B6A-0820-427D-AFA5-C3F5F6C080D8}"/>
               </a:ext>
             </a:extLst>
           </p:cNvPr>
@@ -5191,7 +5369,7 @@
           <p:cNvPr id="4" name="内容占位符 3">
             <a:extLst>
               <a:ext uri="{FF2B5EF4-FFF2-40B4-BE49-F238E27FC236}">
-                <a16:creationId xmlns:a16="http://schemas.microsoft.com/office/drawing/2014/main" xmlns="" id="{02AB4C75-6A8C-47B1-9EC2-84DF650C535E}"/>
+                <a16:creationId xmlns:a16="http://schemas.microsoft.com/office/drawing/2014/main" id="{02AB4C75-6A8C-47B1-9EC2-84DF650C535E}"/>
               </a:ext>
             </a:extLst>
           </p:cNvPr>
@@ -5253,7 +5431,7 @@
           <p:cNvPr id="5" name="文本占位符 4">
             <a:extLst>
               <a:ext uri="{FF2B5EF4-FFF2-40B4-BE49-F238E27FC236}">
-                <a16:creationId xmlns:a16="http://schemas.microsoft.com/office/drawing/2014/main" xmlns="" id="{458007A5-D05F-43D0-8B1B-07499E571A57}"/>
+                <a16:creationId xmlns:a16="http://schemas.microsoft.com/office/drawing/2014/main" id="{458007A5-D05F-43D0-8B1B-07499E571A57}"/>
               </a:ext>
             </a:extLst>
           </p:cNvPr>
@@ -5324,7 +5502,7 @@
           <p:cNvPr id="6" name="内容占位符 5">
             <a:extLst>
               <a:ext uri="{FF2B5EF4-FFF2-40B4-BE49-F238E27FC236}">
-                <a16:creationId xmlns:a16="http://schemas.microsoft.com/office/drawing/2014/main" xmlns="" id="{F57234F0-4318-43CD-A0EB-A2518460F791}"/>
+                <a16:creationId xmlns:a16="http://schemas.microsoft.com/office/drawing/2014/main" id="{F57234F0-4318-43CD-A0EB-A2518460F791}"/>
               </a:ext>
             </a:extLst>
           </p:cNvPr>
@@ -5386,7 +5564,7 @@
           <p:cNvPr id="7" name="日期占位符 6">
             <a:extLst>
               <a:ext uri="{FF2B5EF4-FFF2-40B4-BE49-F238E27FC236}">
-                <a16:creationId xmlns:a16="http://schemas.microsoft.com/office/drawing/2014/main" xmlns="" id="{D030C091-FABA-44CF-8760-92751B492903}"/>
+                <a16:creationId xmlns:a16="http://schemas.microsoft.com/office/drawing/2014/main" id="{D030C091-FABA-44CF-8760-92751B492903}"/>
               </a:ext>
             </a:extLst>
           </p:cNvPr>
@@ -5412,7 +5590,7 @@
           <a:p>
             <a:fld id="{02E60DA2-A0BC-48C9-AA88-75C78721B420}" type="datetimeFigureOut">
               <a:rPr lang="zh-CN" altLang="en-US" smtClean="0"/>
-              <a:t>2018/2/6</a:t>
+              <a:t>2018/2/25</a:t>
             </a:fld>
             <a:endParaRPr lang="zh-CN" altLang="en-US"/>
           </a:p>
@@ -5423,7 +5601,7 @@
           <p:cNvPr id="8" name="页脚占位符 7">
             <a:extLst>
               <a:ext uri="{FF2B5EF4-FFF2-40B4-BE49-F238E27FC236}">
-                <a16:creationId xmlns:a16="http://schemas.microsoft.com/office/drawing/2014/main" xmlns="" id="{DFC243E3-88DA-4B81-9749-7E235998D5FA}"/>
+                <a16:creationId xmlns:a16="http://schemas.microsoft.com/office/drawing/2014/main" id="{DFC243E3-88DA-4B81-9749-7E235998D5FA}"/>
               </a:ext>
             </a:extLst>
           </p:cNvPr>
@@ -5456,7 +5634,7 @@
           <p:cNvPr id="9" name="灯片编号占位符 8">
             <a:extLst>
               <a:ext uri="{FF2B5EF4-FFF2-40B4-BE49-F238E27FC236}">
-                <a16:creationId xmlns:a16="http://schemas.microsoft.com/office/drawing/2014/main" xmlns="" id="{DC725EB2-3E8C-4775-ABB0-6845261CB470}"/>
+                <a16:creationId xmlns:a16="http://schemas.microsoft.com/office/drawing/2014/main" id="{DC725EB2-3E8C-4775-ABB0-6845261CB470}"/>
               </a:ext>
             </a:extLst>
           </p:cNvPr>
@@ -5523,7 +5701,7 @@
           <p:cNvPr id="2" name="标题 1">
             <a:extLst>
               <a:ext uri="{FF2B5EF4-FFF2-40B4-BE49-F238E27FC236}">
-                <a16:creationId xmlns:a16="http://schemas.microsoft.com/office/drawing/2014/main" xmlns="" id="{176FF9FA-22DC-4A12-80DB-6BFCA5FC0E2A}"/>
+                <a16:creationId xmlns:a16="http://schemas.microsoft.com/office/drawing/2014/main" id="{176FF9FA-22DC-4A12-80DB-6BFCA5FC0E2A}"/>
               </a:ext>
             </a:extLst>
           </p:cNvPr>
@@ -5551,7 +5729,7 @@
           <p:cNvPr id="3" name="日期占位符 2">
             <a:extLst>
               <a:ext uri="{FF2B5EF4-FFF2-40B4-BE49-F238E27FC236}">
-                <a16:creationId xmlns:a16="http://schemas.microsoft.com/office/drawing/2014/main" xmlns="" id="{04931B3A-E05C-4829-88BD-35F04D285067}"/>
+                <a16:creationId xmlns:a16="http://schemas.microsoft.com/office/drawing/2014/main" id="{04931B3A-E05C-4829-88BD-35F04D285067}"/>
               </a:ext>
             </a:extLst>
           </p:cNvPr>
@@ -5577,7 +5755,7 @@
           <a:p>
             <a:fld id="{02E60DA2-A0BC-48C9-AA88-75C78721B420}" type="datetimeFigureOut">
               <a:rPr lang="zh-CN" altLang="en-US" smtClean="0"/>
-              <a:t>2018/2/6</a:t>
+              <a:t>2018/2/25</a:t>
             </a:fld>
             <a:endParaRPr lang="zh-CN" altLang="en-US"/>
           </a:p>
@@ -5588,7 +5766,7 @@
           <p:cNvPr id="4" name="页脚占位符 3">
             <a:extLst>
               <a:ext uri="{FF2B5EF4-FFF2-40B4-BE49-F238E27FC236}">
-                <a16:creationId xmlns:a16="http://schemas.microsoft.com/office/drawing/2014/main" xmlns="" id="{5C61DA9A-CFE7-484A-83FF-3684F9AA3DCE}"/>
+                <a16:creationId xmlns:a16="http://schemas.microsoft.com/office/drawing/2014/main" id="{5C61DA9A-CFE7-484A-83FF-3684F9AA3DCE}"/>
               </a:ext>
             </a:extLst>
           </p:cNvPr>
@@ -5621,7 +5799,7 @@
           <p:cNvPr id="5" name="灯片编号占位符 4">
             <a:extLst>
               <a:ext uri="{FF2B5EF4-FFF2-40B4-BE49-F238E27FC236}">
-                <a16:creationId xmlns:a16="http://schemas.microsoft.com/office/drawing/2014/main" xmlns="" id="{BB525513-D499-4F43-9AD3-9070531C555A}"/>
+                <a16:creationId xmlns:a16="http://schemas.microsoft.com/office/drawing/2014/main" id="{BB525513-D499-4F43-9AD3-9070531C555A}"/>
               </a:ext>
             </a:extLst>
           </p:cNvPr>
@@ -5688,7 +5866,7 @@
           <p:cNvPr id="2" name="日期占位符 1">
             <a:extLst>
               <a:ext uri="{FF2B5EF4-FFF2-40B4-BE49-F238E27FC236}">
-                <a16:creationId xmlns:a16="http://schemas.microsoft.com/office/drawing/2014/main" xmlns="" id="{856EF436-74CE-42C2-A4F6-B1EC6E2B9DA0}"/>
+                <a16:creationId xmlns:a16="http://schemas.microsoft.com/office/drawing/2014/main" id="{856EF436-74CE-42C2-A4F6-B1EC6E2B9DA0}"/>
               </a:ext>
             </a:extLst>
           </p:cNvPr>
@@ -5714,7 +5892,7 @@
           <a:p>
             <a:fld id="{02E60DA2-A0BC-48C9-AA88-75C78721B420}" type="datetimeFigureOut">
               <a:rPr lang="zh-CN" altLang="en-US" smtClean="0"/>
-              <a:t>2018/2/6</a:t>
+              <a:t>2018/2/25</a:t>
             </a:fld>
             <a:endParaRPr lang="zh-CN" altLang="en-US"/>
           </a:p>
@@ -5725,7 +5903,7 @@
           <p:cNvPr id="3" name="页脚占位符 2">
             <a:extLst>
               <a:ext uri="{FF2B5EF4-FFF2-40B4-BE49-F238E27FC236}">
-                <a16:creationId xmlns:a16="http://schemas.microsoft.com/office/drawing/2014/main" xmlns="" id="{AAAC67BA-8358-4BC2-B9B5-1C37DDD6AF86}"/>
+                <a16:creationId xmlns:a16="http://schemas.microsoft.com/office/drawing/2014/main" id="{AAAC67BA-8358-4BC2-B9B5-1C37DDD6AF86}"/>
               </a:ext>
             </a:extLst>
           </p:cNvPr>
@@ -5758,7 +5936,7 @@
           <p:cNvPr id="4" name="灯片编号占位符 3">
             <a:extLst>
               <a:ext uri="{FF2B5EF4-FFF2-40B4-BE49-F238E27FC236}">
-                <a16:creationId xmlns:a16="http://schemas.microsoft.com/office/drawing/2014/main" xmlns="" id="{3C690F71-28C5-4A3C-A38A-84291F65B4A5}"/>
+                <a16:creationId xmlns:a16="http://schemas.microsoft.com/office/drawing/2014/main" id="{3C690F71-28C5-4A3C-A38A-84291F65B4A5}"/>
               </a:ext>
             </a:extLst>
           </p:cNvPr>
@@ -5825,7 +6003,7 @@
           <p:cNvPr id="2" name="标题 1">
             <a:extLst>
               <a:ext uri="{FF2B5EF4-FFF2-40B4-BE49-F238E27FC236}">
-                <a16:creationId xmlns:a16="http://schemas.microsoft.com/office/drawing/2014/main" xmlns="" id="{2DC4A2AE-8EAF-4AE2-B62C-AA311DE3A1E9}"/>
+                <a16:creationId xmlns:a16="http://schemas.microsoft.com/office/drawing/2014/main" id="{2DC4A2AE-8EAF-4AE2-B62C-AA311DE3A1E9}"/>
               </a:ext>
             </a:extLst>
           </p:cNvPr>
@@ -5862,7 +6040,7 @@
           <p:cNvPr id="3" name="内容占位符 2">
             <a:extLst>
               <a:ext uri="{FF2B5EF4-FFF2-40B4-BE49-F238E27FC236}">
-                <a16:creationId xmlns:a16="http://schemas.microsoft.com/office/drawing/2014/main" xmlns="" id="{29A38D02-3DC7-4778-AF80-35369A40EB85}"/>
+                <a16:creationId xmlns:a16="http://schemas.microsoft.com/office/drawing/2014/main" id="{29A38D02-3DC7-4778-AF80-35369A40EB85}"/>
               </a:ext>
             </a:extLst>
           </p:cNvPr>
@@ -5952,7 +6130,7 @@
           <p:cNvPr id="4" name="文本占位符 3">
             <a:extLst>
               <a:ext uri="{FF2B5EF4-FFF2-40B4-BE49-F238E27FC236}">
-                <a16:creationId xmlns:a16="http://schemas.microsoft.com/office/drawing/2014/main" xmlns="" id="{F8827B4D-182A-4350-87DE-CAB16996E2C8}"/>
+                <a16:creationId xmlns:a16="http://schemas.microsoft.com/office/drawing/2014/main" id="{F8827B4D-182A-4350-87DE-CAB16996E2C8}"/>
               </a:ext>
             </a:extLst>
           </p:cNvPr>
@@ -6023,7 +6201,7 @@
           <p:cNvPr id="5" name="日期占位符 4">
             <a:extLst>
               <a:ext uri="{FF2B5EF4-FFF2-40B4-BE49-F238E27FC236}">
-                <a16:creationId xmlns:a16="http://schemas.microsoft.com/office/drawing/2014/main" xmlns="" id="{D8C60B6D-CB4D-4EE5-B197-8E1F79EB6B67}"/>
+                <a16:creationId xmlns:a16="http://schemas.microsoft.com/office/drawing/2014/main" id="{D8C60B6D-CB4D-4EE5-B197-8E1F79EB6B67}"/>
               </a:ext>
             </a:extLst>
           </p:cNvPr>
@@ -6049,7 +6227,7 @@
           <a:p>
             <a:fld id="{02E60DA2-A0BC-48C9-AA88-75C78721B420}" type="datetimeFigureOut">
               <a:rPr lang="zh-CN" altLang="en-US" smtClean="0"/>
-              <a:t>2018/2/6</a:t>
+              <a:t>2018/2/25</a:t>
             </a:fld>
             <a:endParaRPr lang="zh-CN" altLang="en-US"/>
           </a:p>
@@ -6060,7 +6238,7 @@
           <p:cNvPr id="6" name="页脚占位符 5">
             <a:extLst>
               <a:ext uri="{FF2B5EF4-FFF2-40B4-BE49-F238E27FC236}">
-                <a16:creationId xmlns:a16="http://schemas.microsoft.com/office/drawing/2014/main" xmlns="" id="{9E1979CC-C402-4145-9052-07B431D7AFEC}"/>
+                <a16:creationId xmlns:a16="http://schemas.microsoft.com/office/drawing/2014/main" id="{9E1979CC-C402-4145-9052-07B431D7AFEC}"/>
               </a:ext>
             </a:extLst>
           </p:cNvPr>
@@ -6093,7 +6271,7 @@
           <p:cNvPr id="7" name="灯片编号占位符 6">
             <a:extLst>
               <a:ext uri="{FF2B5EF4-FFF2-40B4-BE49-F238E27FC236}">
-                <a16:creationId xmlns:a16="http://schemas.microsoft.com/office/drawing/2014/main" xmlns="" id="{2154E0DC-BD8A-4F38-903B-3E5633CA2F60}"/>
+                <a16:creationId xmlns:a16="http://schemas.microsoft.com/office/drawing/2014/main" id="{2154E0DC-BD8A-4F38-903B-3E5633CA2F60}"/>
               </a:ext>
             </a:extLst>
           </p:cNvPr>
@@ -6160,7 +6338,7 @@
           <p:cNvPr id="2" name="标题 1">
             <a:extLst>
               <a:ext uri="{FF2B5EF4-FFF2-40B4-BE49-F238E27FC236}">
-                <a16:creationId xmlns:a16="http://schemas.microsoft.com/office/drawing/2014/main" xmlns="" id="{55D8E271-748E-4E9C-8E22-291FEDCA23FB}"/>
+                <a16:creationId xmlns:a16="http://schemas.microsoft.com/office/drawing/2014/main" id="{55D8E271-748E-4E9C-8E22-291FEDCA23FB}"/>
               </a:ext>
             </a:extLst>
           </p:cNvPr>
@@ -6197,7 +6375,7 @@
           <p:cNvPr id="3" name="图片占位符 2">
             <a:extLst>
               <a:ext uri="{FF2B5EF4-FFF2-40B4-BE49-F238E27FC236}">
-                <a16:creationId xmlns:a16="http://schemas.microsoft.com/office/drawing/2014/main" xmlns="" id="{C656EA3D-02E1-4F87-9FD9-177128AD8CC5}"/>
+                <a16:creationId xmlns:a16="http://schemas.microsoft.com/office/drawing/2014/main" id="{C656EA3D-02E1-4F87-9FD9-177128AD8CC5}"/>
               </a:ext>
             </a:extLst>
           </p:cNvPr>
@@ -6264,7 +6442,7 @@
           <p:cNvPr id="4" name="文本占位符 3">
             <a:extLst>
               <a:ext uri="{FF2B5EF4-FFF2-40B4-BE49-F238E27FC236}">
-                <a16:creationId xmlns:a16="http://schemas.microsoft.com/office/drawing/2014/main" xmlns="" id="{8C3A0957-516C-4962-AA82-F08B70B9D143}"/>
+                <a16:creationId xmlns:a16="http://schemas.microsoft.com/office/drawing/2014/main" id="{8C3A0957-516C-4962-AA82-F08B70B9D143}"/>
               </a:ext>
             </a:extLst>
           </p:cNvPr>
@@ -6335,7 +6513,7 @@
           <p:cNvPr id="5" name="日期占位符 4">
             <a:extLst>
               <a:ext uri="{FF2B5EF4-FFF2-40B4-BE49-F238E27FC236}">
-                <a16:creationId xmlns:a16="http://schemas.microsoft.com/office/drawing/2014/main" xmlns="" id="{ED21E2C7-EDFE-4B51-A5B2-B6CF5067759E}"/>
+                <a16:creationId xmlns:a16="http://schemas.microsoft.com/office/drawing/2014/main" id="{ED21E2C7-EDFE-4B51-A5B2-B6CF5067759E}"/>
               </a:ext>
             </a:extLst>
           </p:cNvPr>
@@ -6361,7 +6539,7 @@
           <a:p>
             <a:fld id="{02E60DA2-A0BC-48C9-AA88-75C78721B420}" type="datetimeFigureOut">
               <a:rPr lang="zh-CN" altLang="en-US" smtClean="0"/>
-              <a:t>2018/2/6</a:t>
+              <a:t>2018/2/25</a:t>
             </a:fld>
             <a:endParaRPr lang="zh-CN" altLang="en-US"/>
           </a:p>
@@ -6372,7 +6550,7 @@
           <p:cNvPr id="6" name="页脚占位符 5">
             <a:extLst>
               <a:ext uri="{FF2B5EF4-FFF2-40B4-BE49-F238E27FC236}">
-                <a16:creationId xmlns:a16="http://schemas.microsoft.com/office/drawing/2014/main" xmlns="" id="{25EF1747-23A0-4DAB-986E-60F5EB6FF554}"/>
+                <a16:creationId xmlns:a16="http://schemas.microsoft.com/office/drawing/2014/main" id="{25EF1747-23A0-4DAB-986E-60F5EB6FF554}"/>
               </a:ext>
             </a:extLst>
           </p:cNvPr>
@@ -6405,7 +6583,7 @@
           <p:cNvPr id="7" name="灯片编号占位符 6">
             <a:extLst>
               <a:ext uri="{FF2B5EF4-FFF2-40B4-BE49-F238E27FC236}">
-                <a16:creationId xmlns:a16="http://schemas.microsoft.com/office/drawing/2014/main" xmlns="" id="{1BB71036-67DE-4C24-9A1C-8991B59BB598}"/>
+                <a16:creationId xmlns:a16="http://schemas.microsoft.com/office/drawing/2014/main" id="{1BB71036-67DE-4C24-9A1C-8991B59BB598}"/>
               </a:ext>
             </a:extLst>
           </p:cNvPr>
@@ -6477,7 +6655,7 @@
           <p:cNvPr id="2" name="标题占位符 1">
             <a:extLst>
               <a:ext uri="{FF2B5EF4-FFF2-40B4-BE49-F238E27FC236}">
-                <a16:creationId xmlns:a16="http://schemas.microsoft.com/office/drawing/2014/main" xmlns="" id="{17047EAE-6544-4C32-BB1B-DEB9CA27D387}"/>
+                <a16:creationId xmlns:a16="http://schemas.microsoft.com/office/drawing/2014/main" id="{17047EAE-6544-4C32-BB1B-DEB9CA27D387}"/>
               </a:ext>
             </a:extLst>
           </p:cNvPr>
@@ -6515,7 +6693,7 @@
           <p:cNvPr id="3" name="文本占位符 2">
             <a:extLst>
               <a:ext uri="{FF2B5EF4-FFF2-40B4-BE49-F238E27FC236}">
-                <a16:creationId xmlns:a16="http://schemas.microsoft.com/office/drawing/2014/main" xmlns="" id="{343275D9-644D-48CC-93A4-9303E430DE72}"/>
+                <a16:creationId xmlns:a16="http://schemas.microsoft.com/office/drawing/2014/main" id="{343275D9-644D-48CC-93A4-9303E430DE72}"/>
               </a:ext>
             </a:extLst>
           </p:cNvPr>
@@ -6582,7 +6760,7 @@
           <p:cNvPr id="8" name="直接连接符 7">
             <a:extLst>
               <a:ext uri="{FF2B5EF4-FFF2-40B4-BE49-F238E27FC236}">
-                <a16:creationId xmlns:a16="http://schemas.microsoft.com/office/drawing/2014/main" xmlns="" id="{3461F74E-FC76-4826-8105-C187AB1791BC}"/>
+                <a16:creationId xmlns:a16="http://schemas.microsoft.com/office/drawing/2014/main" id="{3461F74E-FC76-4826-8105-C187AB1791BC}"/>
               </a:ext>
             </a:extLst>
           </p:cNvPr>
@@ -6623,7 +6801,7 @@
           <p:cNvPr id="9" name="文本框 8">
             <a:extLst>
               <a:ext uri="{FF2B5EF4-FFF2-40B4-BE49-F238E27FC236}">
-                <a16:creationId xmlns:a16="http://schemas.microsoft.com/office/drawing/2014/main" xmlns="" id="{7B2D7D35-142C-46D3-BC62-F961CC4338CB}"/>
+                <a16:creationId xmlns:a16="http://schemas.microsoft.com/office/drawing/2014/main" id="{7B2D7D35-142C-46D3-BC62-F961CC4338CB}"/>
               </a:ext>
             </a:extLst>
           </p:cNvPr>
@@ -7017,7 +7195,7 @@
           <p:cNvPr id="9" name="文本框 8">
             <a:extLst>
               <a:ext uri="{FF2B5EF4-FFF2-40B4-BE49-F238E27FC236}">
-                <a16:creationId xmlns:a16="http://schemas.microsoft.com/office/drawing/2014/main" xmlns="" id="{7B2D7D35-142C-46D3-BC62-F961CC4338CB}"/>
+                <a16:creationId xmlns:a16="http://schemas.microsoft.com/office/drawing/2014/main" id="{7B2D7D35-142C-46D3-BC62-F961CC4338CB}"/>
               </a:ext>
             </a:extLst>
           </p:cNvPr>
@@ -7420,7 +7598,7 @@
           <p:cNvPr id="2" name="标题 1">
             <a:extLst>
               <a:ext uri="{FF2B5EF4-FFF2-40B4-BE49-F238E27FC236}">
-                <a16:creationId xmlns:a16="http://schemas.microsoft.com/office/drawing/2014/main" xmlns="" id="{71030DC9-2374-46B1-811E-572401BAF3D1}"/>
+                <a16:creationId xmlns:a16="http://schemas.microsoft.com/office/drawing/2014/main" id="{71030DC9-2374-46B1-811E-572401BAF3D1}"/>
               </a:ext>
             </a:extLst>
           </p:cNvPr>
@@ -7486,7 +7664,7 @@
           <p:cNvPr id="3" name="副标题 2">
             <a:extLst>
               <a:ext uri="{FF2B5EF4-FFF2-40B4-BE49-F238E27FC236}">
-                <a16:creationId xmlns:a16="http://schemas.microsoft.com/office/drawing/2014/main" xmlns="" id="{DBFB0B47-0360-4ADB-A293-64ED809A7AAE}"/>
+                <a16:creationId xmlns:a16="http://schemas.microsoft.com/office/drawing/2014/main" id="{DBFB0B47-0360-4ADB-A293-64ED809A7AAE}"/>
               </a:ext>
             </a:extLst>
           </p:cNvPr>
@@ -7520,7 +7698,7 @@
             <a:r>
               <a:rPr lang="zh-CN" altLang="en-US" sz="3600" dirty="0">
                 <a:solidFill>
-                  <a:srgbClr val="FF0000"/>
+                  <a:srgbClr val="C00000"/>
                 </a:solidFill>
               </a:rPr>
               <a:t>进程管理</a:t>
@@ -7532,6 +7710,162 @@
     <p:extLst>
       <p:ext uri="{BB962C8B-B14F-4D97-AF65-F5344CB8AC3E}">
         <p14:creationId xmlns:p14="http://schemas.microsoft.com/office/powerpoint/2010/main" val="4047166132"/>
+      </p:ext>
+    </p:extLst>
+  </p:cSld>
+  <p:clrMapOvr>
+    <a:masterClrMapping/>
+  </p:clrMapOvr>
+</p:sld>
+</file>
+
+<file path=ppt/slides/slide10.xml><?xml version="1.0" encoding="utf-8"?>
+<p:sld xmlns:a="http://schemas.openxmlformats.org/drawingml/2006/main" xmlns:r="http://schemas.openxmlformats.org/officeDocument/2006/relationships" xmlns:p="http://schemas.openxmlformats.org/presentationml/2006/main">
+  <p:cSld>
+    <p:spTree>
+      <p:nvGrpSpPr>
+        <p:cNvPr id="1" name=""/>
+        <p:cNvGrpSpPr/>
+        <p:nvPr/>
+      </p:nvGrpSpPr>
+      <p:grpSpPr>
+        <a:xfrm>
+          <a:off x="0" y="0"/>
+          <a:ext cx="0" cy="0"/>
+          <a:chOff x="0" y="0"/>
+          <a:chExt cx="0" cy="0"/>
+        </a:xfrm>
+      </p:grpSpPr>
+      <p:sp>
+        <p:nvSpPr>
+          <p:cNvPr id="2" name="标题 1">
+            <a:extLst>
+              <a:ext uri="{FF2B5EF4-FFF2-40B4-BE49-F238E27FC236}">
+                <a16:creationId xmlns:a16="http://schemas.microsoft.com/office/drawing/2014/main" id="{8B88BACC-24DE-4087-9AB3-A099CF573089}"/>
+              </a:ext>
+            </a:extLst>
+          </p:cNvPr>
+          <p:cNvSpPr>
+            <a:spLocks noGrp="1"/>
+          </p:cNvSpPr>
+          <p:nvPr>
+            <p:ph type="title"/>
+          </p:nvPr>
+        </p:nvSpPr>
+        <p:spPr/>
+        <p:txBody>
+          <a:bodyPr/>
+          <a:lstStyle/>
+          <a:p>
+            <a:r>
+              <a:rPr lang="zh-CN" altLang="en-US" dirty="0"/>
+              <a:t>使用</a:t>
+            </a:r>
+            <a:r>
+              <a:rPr lang="en-US" altLang="zh-CN" dirty="0" err="1"/>
+              <a:t>top,htop</a:t>
+            </a:r>
+            <a:r>
+              <a:rPr lang="zh-CN" altLang="en-US" dirty="0"/>
+              <a:t>动态监控进程</a:t>
+            </a:r>
+          </a:p>
+        </p:txBody>
+      </p:sp>
+      <p:sp>
+        <p:nvSpPr>
+          <p:cNvPr id="3" name="内容占位符 2">
+            <a:extLst>
+              <a:ext uri="{FF2B5EF4-FFF2-40B4-BE49-F238E27FC236}">
+                <a16:creationId xmlns:a16="http://schemas.microsoft.com/office/drawing/2014/main" id="{0A1C6B17-780B-4799-8193-E52FD817AC0E}"/>
+              </a:ext>
+            </a:extLst>
+          </p:cNvPr>
+          <p:cNvSpPr>
+            <a:spLocks noGrp="1"/>
+          </p:cNvSpPr>
+          <p:nvPr>
+            <p:ph idx="1"/>
+          </p:nvPr>
+        </p:nvSpPr>
+        <p:spPr/>
+        <p:txBody>
+          <a:bodyPr/>
+          <a:lstStyle/>
+          <a:p>
+            <a:r>
+              <a:rPr lang="en-US" altLang="zh-CN" sz="2000" dirty="0"/>
+              <a:t>Ubuntu</a:t>
+            </a:r>
+            <a:r>
+              <a:rPr lang="zh-CN" altLang="en-US" sz="2000" dirty="0"/>
+              <a:t>自带</a:t>
+            </a:r>
+            <a:r>
+              <a:rPr lang="en-US" altLang="zh-CN" sz="2000" dirty="0"/>
+              <a:t>top</a:t>
+            </a:r>
+            <a:r>
+              <a:rPr lang="zh-CN" altLang="en-US" sz="2000" dirty="0"/>
+              <a:t>命令动态查看进程。</a:t>
+            </a:r>
+            <a:endParaRPr lang="en-US" altLang="zh-CN" sz="2000" dirty="0"/>
+          </a:p>
+          <a:p>
+            <a:r>
+              <a:rPr lang="en-US" altLang="zh-CN" sz="2000" dirty="0" err="1"/>
+              <a:t>htop</a:t>
+            </a:r>
+            <a:r>
+              <a:rPr lang="zh-CN" altLang="en-US" sz="2000" dirty="0"/>
+              <a:t>需要下载安装，安装命令：</a:t>
+            </a:r>
+            <a:r>
+              <a:rPr lang="en-US" altLang="zh-CN" sz="2000" dirty="0" err="1"/>
+              <a:t>sudo</a:t>
+            </a:r>
+            <a:r>
+              <a:rPr lang="en-US" altLang="zh-CN" sz="2000" dirty="0"/>
+              <a:t> apt-get install </a:t>
+            </a:r>
+            <a:r>
+              <a:rPr lang="en-US" altLang="zh-CN" sz="2000" dirty="0" err="1"/>
+              <a:t>htop</a:t>
+            </a:r>
+            <a:r>
+              <a:rPr lang="zh-CN" altLang="en-US" sz="2000" dirty="0"/>
+              <a:t>。</a:t>
+            </a:r>
+            <a:endParaRPr lang="en-US" altLang="zh-CN" sz="2000" dirty="0"/>
+          </a:p>
+          <a:p>
+            <a:r>
+              <a:rPr lang="en-US" altLang="zh-CN" sz="2000" dirty="0" err="1"/>
+              <a:t>htop</a:t>
+            </a:r>
+            <a:r>
+              <a:rPr lang="zh-CN" altLang="en-US" sz="2000" dirty="0"/>
+              <a:t>是</a:t>
+            </a:r>
+            <a:r>
+              <a:rPr lang="en-US" altLang="zh-CN" sz="2000" dirty="0"/>
+              <a:t>top</a:t>
+            </a:r>
+            <a:r>
+              <a:rPr lang="zh-CN" altLang="en-US" sz="2000" dirty="0"/>
+              <a:t>的升级版。</a:t>
+            </a:r>
+            <a:endParaRPr lang="en-US" altLang="zh-CN" sz="2000" dirty="0"/>
+          </a:p>
+          <a:p>
+            <a:endParaRPr lang="en-US" altLang="zh-CN" sz="2000" dirty="0"/>
+          </a:p>
+        </p:txBody>
+      </p:sp>
+    </p:spTree>
+    <p:extLst>
+      <p:ext uri="{BB962C8B-B14F-4D97-AF65-F5344CB8AC3E}">
+        <p14:creationId xmlns:p14="http://schemas.microsoft.com/office/powerpoint/2010/main" val="3083301847"/>
       </p:ext>
     </p:extLst>
   </p:cSld>
@@ -7563,7 +7897,7 @@
           <p:cNvPr id="2" name="标题 1">
             <a:extLst>
               <a:ext uri="{FF2B5EF4-FFF2-40B4-BE49-F238E27FC236}">
-                <a16:creationId xmlns:a16="http://schemas.microsoft.com/office/drawing/2014/main" xmlns="" id="{8B88BACC-24DE-4087-9AB3-A099CF573089}"/>
+                <a16:creationId xmlns:a16="http://schemas.microsoft.com/office/drawing/2014/main" id="{8B88BACC-24DE-4087-9AB3-A099CF573089}"/>
               </a:ext>
             </a:extLst>
           </p:cNvPr>
@@ -7591,7 +7925,7 @@
           <p:cNvPr id="3" name="内容占位符 2">
             <a:extLst>
               <a:ext uri="{FF2B5EF4-FFF2-40B4-BE49-F238E27FC236}">
-                <a16:creationId xmlns:a16="http://schemas.microsoft.com/office/drawing/2014/main" xmlns="" id="{0A1C6B17-780B-4799-8193-E52FD817AC0E}"/>
+                <a16:creationId xmlns:a16="http://schemas.microsoft.com/office/drawing/2014/main" id="{0A1C6B17-780B-4799-8193-E52FD817AC0E}"/>
               </a:ext>
             </a:extLst>
           </p:cNvPr>
@@ -7608,44 +7942,8 @@
           <a:lstStyle/>
           <a:p>
             <a:r>
-              <a:rPr lang="zh-CN" altLang="en-US" sz="2000" dirty="0" smtClean="0"/>
-              <a:t>程序是保存在硬盘</a:t>
-            </a:r>
-            <a:r>
-              <a:rPr lang="zh-CN" altLang="en-US" sz="2000" dirty="0"/>
-              <a:t>上的一</a:t>
-            </a:r>
-            <a:r>
-              <a:rPr lang="zh-CN" altLang="en-US" sz="2000" dirty="0" smtClean="0"/>
-              <a:t>个（组）可执行文件</a:t>
-            </a:r>
-            <a:r>
-              <a:rPr lang="zh-CN" altLang="en-US" sz="2000" dirty="0"/>
-              <a:t>，当系统加载程序到内存</a:t>
-            </a:r>
-            <a:r>
-              <a:rPr lang="zh-CN" altLang="en-US" sz="2000" dirty="0" smtClean="0"/>
-              <a:t>并执行，</a:t>
-            </a:r>
-            <a:r>
-              <a:rPr lang="zh-CN" altLang="en-US" sz="2000" dirty="0"/>
-              <a:t>会创建一整套的程序运行环境</a:t>
-            </a:r>
-            <a:r>
-              <a:rPr lang="zh-CN" altLang="en-US" sz="2000" dirty="0" smtClean="0"/>
-              <a:t>，这个内存中的程序实体，就叫进程。系统会给每一个进程分配一</a:t>
-            </a:r>
-            <a:r>
-              <a:rPr lang="zh-CN" altLang="en-US" sz="2000" dirty="0"/>
-              <a:t>个</a:t>
-            </a:r>
-            <a:r>
-              <a:rPr lang="zh-CN" altLang="en-US" sz="2000" dirty="0" smtClean="0"/>
-              <a:t>数字进行标记，</a:t>
-            </a:r>
-            <a:r>
-              <a:rPr lang="zh-CN" altLang="en-US" sz="2000" dirty="0"/>
-              <a:t>此数字就是进程</a:t>
+              <a:rPr lang="zh-CN" altLang="en-US" sz="2000" dirty="0"/>
+              <a:t>运行中的程序就是进程。系统会给每一个进程分配一个数字进行标记，此数字就是进程</a:t>
             </a:r>
             <a:r>
               <a:rPr lang="en-US" altLang="zh-CN" sz="2000" dirty="0"/>
@@ -7668,71 +7966,55 @@
           <a:p>
             <a:r>
               <a:rPr lang="zh-CN" altLang="en-US" sz="2000" dirty="0"/>
-              <a:t>父进程</a:t>
-            </a:r>
-            <a:r>
-              <a:rPr lang="zh-CN" altLang="en-US" sz="2000" dirty="0" smtClean="0"/>
-              <a:t>：如果进程</a:t>
-            </a:r>
-            <a:r>
-              <a:rPr lang="en-US" altLang="zh-CN" sz="2000" dirty="0" smtClean="0"/>
+              <a:t>父进程：如果进程</a:t>
+            </a:r>
+            <a:r>
+              <a:rPr lang="en-US" altLang="zh-CN" sz="2000" dirty="0"/>
               <a:t>B</a:t>
             </a:r>
             <a:r>
-              <a:rPr lang="zh-CN" altLang="en-US" sz="2000" dirty="0" smtClean="0"/>
+              <a:rPr lang="zh-CN" altLang="en-US" sz="2000" dirty="0"/>
               <a:t>由进程</a:t>
             </a:r>
             <a:r>
-              <a:rPr lang="en-US" altLang="zh-CN" sz="2000" dirty="0" smtClean="0"/>
+              <a:rPr lang="en-US" altLang="zh-CN" sz="2000" dirty="0"/>
               <a:t>A</a:t>
             </a:r>
             <a:r>
-              <a:rPr lang="zh-CN" altLang="en-US" sz="2000" dirty="0" smtClean="0"/>
+              <a:rPr lang="zh-CN" altLang="en-US" sz="2000" dirty="0"/>
               <a:t>来创建，则进程</a:t>
             </a:r>
             <a:r>
-              <a:rPr lang="en-US" altLang="zh-CN" sz="2000" dirty="0" smtClean="0"/>
+              <a:rPr lang="en-US" altLang="zh-CN" sz="2000" dirty="0"/>
               <a:t>A</a:t>
             </a:r>
             <a:r>
-              <a:rPr lang="zh-CN" altLang="en-US" sz="2000" dirty="0" smtClean="0"/>
+              <a:rPr lang="zh-CN" altLang="en-US" sz="2000" dirty="0"/>
               <a:t>就是进程</a:t>
             </a:r>
             <a:r>
-              <a:rPr lang="en-US" altLang="zh-CN" sz="2000" dirty="0" smtClean="0"/>
+              <a:rPr lang="en-US" altLang="zh-CN" sz="2000" dirty="0"/>
               <a:t>B</a:t>
             </a:r>
             <a:r>
-              <a:rPr lang="zh-CN" altLang="en-US" sz="2000" dirty="0" smtClean="0"/>
-              <a:t>的</a:t>
-            </a:r>
-            <a:r>
-              <a:rPr lang="zh-CN" altLang="en-US" sz="2000" dirty="0"/>
-              <a:t>父</a:t>
-            </a:r>
-            <a:r>
-              <a:rPr lang="zh-CN" altLang="en-US" sz="2000" dirty="0" smtClean="0"/>
-              <a:t>进程，进程</a:t>
-            </a:r>
-            <a:r>
-              <a:rPr lang="en-US" altLang="zh-CN" sz="2000" dirty="0" smtClean="0"/>
+              <a:rPr lang="zh-CN" altLang="en-US" sz="2000" dirty="0"/>
+              <a:t>的父进程，进程</a:t>
+            </a:r>
+            <a:r>
+              <a:rPr lang="en-US" altLang="zh-CN" sz="2000" dirty="0"/>
               <a:t>B</a:t>
             </a:r>
             <a:r>
-              <a:rPr lang="zh-CN" altLang="en-US" sz="2000" dirty="0" smtClean="0"/>
+              <a:rPr lang="zh-CN" altLang="en-US" sz="2000" dirty="0"/>
               <a:t>就是进程</a:t>
             </a:r>
             <a:r>
-              <a:rPr lang="en-US" altLang="zh-CN" sz="2000" dirty="0" smtClean="0"/>
+              <a:rPr lang="en-US" altLang="zh-CN" sz="2000" dirty="0"/>
               <a:t>A</a:t>
             </a:r>
             <a:r>
-              <a:rPr lang="zh-CN" altLang="en-US" sz="2000" dirty="0" smtClean="0"/>
-              <a:t>的</a:t>
-            </a:r>
-            <a:r>
-              <a:rPr lang="zh-CN" altLang="en-US" sz="2000" dirty="0"/>
-              <a:t>子进程。</a:t>
+              <a:rPr lang="zh-CN" altLang="en-US" sz="2000" dirty="0"/>
+              <a:t>的子进程。</a:t>
             </a:r>
             <a:endParaRPr lang="en-US" altLang="zh-CN" sz="2000" dirty="0"/>
           </a:p>
@@ -7757,28 +8039,8 @@
           </a:p>
           <a:p>
             <a:r>
-              <a:rPr lang="zh-CN" altLang="en-US" sz="2000" dirty="0" smtClean="0"/>
+              <a:rPr lang="zh-CN" altLang="en-US" sz="2000" dirty="0"/>
               <a:t>在</a:t>
-            </a:r>
-            <a:r>
-              <a:rPr lang="en-US" altLang="zh-CN" sz="2000" dirty="0" smtClean="0"/>
-              <a:t>bash</a:t>
-            </a:r>
-            <a:r>
-              <a:rPr lang="zh-CN" altLang="en-US" sz="2000" dirty="0" smtClean="0"/>
-              <a:t>（一种</a:t>
-            </a:r>
-            <a:r>
-              <a:rPr lang="en-US" altLang="zh-CN" sz="2000" dirty="0" smtClean="0"/>
-              <a:t>shell</a:t>
-            </a:r>
-            <a:r>
-              <a:rPr lang="zh-CN" altLang="en-US" sz="2000" dirty="0" smtClean="0"/>
-              <a:t>实现）中输入命令</a:t>
-            </a:r>
-            <a:r>
-              <a:rPr lang="zh-CN" altLang="en-US" sz="2000" dirty="0"/>
-              <a:t>运行，则</a:t>
             </a:r>
             <a:r>
               <a:rPr lang="en-US" altLang="zh-CN" sz="2000" dirty="0"/>
@@ -7786,19 +8048,59 @@
             </a:r>
             <a:r>
               <a:rPr lang="zh-CN" altLang="en-US" sz="2000" dirty="0"/>
-              <a:t>就是父进程</a:t>
-            </a:r>
-            <a:r>
-              <a:rPr lang="zh-CN" altLang="en-US" sz="2000" dirty="0" smtClean="0"/>
-              <a:t>，运行的程序就是</a:t>
-            </a:r>
-            <a:r>
-              <a:rPr lang="en-US" altLang="zh-CN" sz="2000" dirty="0" smtClean="0"/>
+              <a:t>（一种</a:t>
+            </a:r>
+            <a:r>
+              <a:rPr lang="en-US" altLang="zh-CN" sz="2000" dirty="0"/>
+              <a:t>shell</a:t>
+            </a:r>
+            <a:r>
+              <a:rPr lang="zh-CN" altLang="en-US" sz="2000" dirty="0"/>
+              <a:t>实现）中输入命令运行，则</a:t>
+            </a:r>
+            <a:r>
+              <a:rPr lang="en-US" altLang="zh-CN" sz="2000" dirty="0"/>
               <a:t>bash</a:t>
             </a:r>
             <a:r>
-              <a:rPr lang="zh-CN" altLang="en-US" sz="2000" dirty="0" smtClean="0"/>
-              <a:t>的子进程。</a:t>
+              <a:rPr lang="zh-CN" altLang="en-US" sz="2000" dirty="0"/>
+              <a:t>就是父进程，运行的程序就是</a:t>
+            </a:r>
+            <a:r>
+              <a:rPr lang="en-US" altLang="zh-CN" sz="2000" dirty="0"/>
+              <a:t>bash</a:t>
+            </a:r>
+            <a:r>
+              <a:rPr lang="zh-CN" altLang="en-US" sz="2000" dirty="0"/>
+              <a:t>的子进程。（守护进程除外，守护进程的父进程是</a:t>
+            </a:r>
+            <a:r>
+              <a:rPr lang="en-US" altLang="zh-CN" sz="2000" dirty="0" err="1"/>
+              <a:t>init</a:t>
+            </a:r>
+            <a:r>
+              <a:rPr lang="en-US" altLang="zh-CN" sz="2000" dirty="0"/>
+              <a:t>[</a:t>
+            </a:r>
+            <a:r>
+              <a:rPr lang="zh-CN" altLang="en-US" sz="2000" dirty="0"/>
+              <a:t>进程</a:t>
+            </a:r>
+            <a:r>
+              <a:rPr lang="en-US" altLang="zh-CN" sz="2000" dirty="0"/>
+              <a:t>ID</a:t>
+            </a:r>
+            <a:r>
+              <a:rPr lang="zh-CN" altLang="en-US" sz="2000" dirty="0"/>
+              <a:t>为</a:t>
+            </a:r>
+            <a:r>
+              <a:rPr lang="en-US" altLang="zh-CN" sz="2000" dirty="0"/>
+              <a:t>1]</a:t>
+            </a:r>
+            <a:r>
+              <a:rPr lang="zh-CN" altLang="en-US" sz="2000" dirty="0"/>
+              <a:t>）。</a:t>
             </a:r>
             <a:endParaRPr lang="en-US" altLang="zh-CN" sz="2000" dirty="0"/>
           </a:p>
@@ -7839,7 +8141,7 @@
           <p:cNvPr id="2" name="标题 1">
             <a:extLst>
               <a:ext uri="{FF2B5EF4-FFF2-40B4-BE49-F238E27FC236}">
-                <a16:creationId xmlns:a16="http://schemas.microsoft.com/office/drawing/2014/main" xmlns="" id="{8B88BACC-24DE-4087-9AB3-A099CF573089}"/>
+                <a16:creationId xmlns:a16="http://schemas.microsoft.com/office/drawing/2014/main" id="{8B88BACC-24DE-4087-9AB3-A099CF573089}"/>
               </a:ext>
             </a:extLst>
           </p:cNvPr>
@@ -7892,7 +8194,7 @@
           <p:cNvPr id="3" name="内容占位符 2">
             <a:extLst>
               <a:ext uri="{FF2B5EF4-FFF2-40B4-BE49-F238E27FC236}">
-                <a16:creationId xmlns:a16="http://schemas.microsoft.com/office/drawing/2014/main" xmlns="" id="{0A1C6B17-780B-4799-8193-E52FD817AC0E}"/>
+                <a16:creationId xmlns:a16="http://schemas.microsoft.com/office/drawing/2014/main" id="{0A1C6B17-780B-4799-8193-E52FD817AC0E}"/>
               </a:ext>
             </a:extLst>
           </p:cNvPr>
@@ -7933,46 +8235,34 @@
               <a:t>，就是运行程序的用户的</a:t>
             </a:r>
             <a:r>
-              <a:rPr lang="en-US" altLang="zh-CN" sz="2000" dirty="0" smtClean="0"/>
+              <a:rPr lang="en-US" altLang="zh-CN" sz="2000" dirty="0"/>
               <a:t>ID</a:t>
             </a:r>
             <a:r>
-              <a:rPr lang="zh-CN" altLang="en-US" sz="2000" dirty="0" smtClean="0"/>
+              <a:rPr lang="zh-CN" altLang="en-US" sz="2000" dirty="0"/>
               <a:t>。每一个进程都有一个父进程，通常情况下子进程的</a:t>
             </a:r>
             <a:r>
-              <a:rPr lang="en-US" altLang="zh-CN" sz="2000" dirty="0" smtClean="0"/>
+              <a:rPr lang="en-US" altLang="zh-CN" sz="2000" dirty="0"/>
               <a:t>UID</a:t>
             </a:r>
             <a:r>
-              <a:rPr lang="zh-CN" altLang="en-US" sz="2000" dirty="0" smtClean="0"/>
-              <a:t>继承</a:t>
-            </a:r>
-            <a:r>
-              <a:rPr lang="zh-CN" altLang="en-US" sz="2000" dirty="0"/>
-              <a:t>自父</a:t>
-            </a:r>
-            <a:r>
-              <a:rPr lang="zh-CN" altLang="en-US" sz="2000" dirty="0" smtClean="0"/>
-              <a:t>进程。但是系统通过系统调用传递参数更改</a:t>
-            </a:r>
-            <a:r>
-              <a:rPr lang="zh-CN" altLang="en-US" sz="2000" dirty="0"/>
-              <a:t>进程的</a:t>
-            </a:r>
-            <a:r>
-              <a:rPr lang="en-US" altLang="zh-CN" sz="2000" dirty="0" smtClean="0"/>
+              <a:rPr lang="zh-CN" altLang="en-US" sz="2000" dirty="0"/>
+              <a:t>继承自父进程。但是系统通过系统调用传递参数更改进程的</a:t>
+            </a:r>
+            <a:r>
+              <a:rPr lang="en-US" altLang="zh-CN" sz="2000" dirty="0"/>
               <a:t>UID</a:t>
             </a:r>
             <a:r>
-              <a:rPr lang="zh-CN" altLang="en-US" sz="2000" dirty="0" smtClean="0"/>
+              <a:rPr lang="zh-CN" altLang="en-US" sz="2000" dirty="0"/>
               <a:t>以标识进程的创建者。</a:t>
             </a:r>
-            <a:endParaRPr lang="en-US" altLang="zh-CN" sz="2000" dirty="0" smtClean="0"/>
-          </a:p>
-          <a:p>
-            <a:r>
-              <a:rPr lang="en-US" altLang="zh-CN" sz="2000" dirty="0" smtClean="0"/>
+            <a:endParaRPr lang="en-US" altLang="zh-CN" sz="2000" dirty="0"/>
+          </a:p>
+          <a:p>
+            <a:r>
+              <a:rPr lang="en-US" altLang="zh-CN" sz="2000" dirty="0"/>
               <a:t>EUID</a:t>
             </a:r>
             <a:r>
@@ -7988,23 +8278,19 @@
               <a:t>）：有效用户</a:t>
             </a:r>
             <a:r>
-              <a:rPr lang="en-US" altLang="zh-CN" sz="2000" dirty="0" smtClean="0"/>
+              <a:rPr lang="en-US" altLang="zh-CN" sz="2000" dirty="0"/>
               <a:t>ID</a:t>
             </a:r>
             <a:r>
               <a:rPr lang="zh-CN" altLang="en-US" sz="2000" dirty="0"/>
-              <a:t>，表示进程对于文件和资源的访问权限</a:t>
-            </a:r>
-            <a:r>
-              <a:rPr lang="zh-CN" altLang="en-US" sz="2000" dirty="0" smtClean="0"/>
-              <a:t>。大多数情况下</a:t>
-            </a:r>
-            <a:r>
-              <a:rPr lang="en-US" altLang="zh-CN" sz="2000" dirty="0" smtClean="0"/>
+              <a:t>，表示进程对于文件和资源的访问权限。大多数情况下</a:t>
+            </a:r>
+            <a:r>
+              <a:rPr lang="en-US" altLang="zh-CN" sz="2000" dirty="0"/>
               <a:t>EUID</a:t>
             </a:r>
             <a:r>
-              <a:rPr lang="zh-CN" altLang="en-US" sz="2000" dirty="0" smtClean="0"/>
+              <a:rPr lang="zh-CN" altLang="en-US" sz="2000" dirty="0"/>
               <a:t>和</a:t>
             </a:r>
             <a:r>
@@ -8013,30 +8299,22 @@
             </a:r>
             <a:r>
               <a:rPr lang="zh-CN" altLang="en-US" sz="2000" dirty="0"/>
-              <a:t>是相同</a:t>
-            </a:r>
-            <a:r>
-              <a:rPr lang="zh-CN" altLang="en-US" sz="2000" dirty="0" smtClean="0"/>
-              <a:t>的。对于设置了相关标志位的程序，运行时会改变</a:t>
-            </a:r>
-            <a:r>
-              <a:rPr lang="en-US" altLang="zh-CN" sz="2000" dirty="0" smtClean="0"/>
+              <a:t>是相同的。对于设置了相关标志位的程序，运行时会改变</a:t>
+            </a:r>
+            <a:r>
+              <a:rPr lang="en-US" altLang="zh-CN" sz="2000" dirty="0"/>
               <a:t>EUID</a:t>
             </a:r>
             <a:r>
-              <a:rPr lang="zh-CN" altLang="en-US" sz="2000" dirty="0" smtClean="0"/>
-              <a:t>，</a:t>
-            </a:r>
-            <a:r>
-              <a:rPr lang="zh-CN" altLang="en-US" sz="2000" dirty="0"/>
-              <a:t>系统根据</a:t>
-            </a:r>
-            <a:r>
-              <a:rPr lang="en-US" altLang="zh-CN" sz="2000" dirty="0" smtClean="0"/>
+              <a:rPr lang="zh-CN" altLang="en-US" sz="2000" dirty="0"/>
+              <a:t>，系统根据</a:t>
+            </a:r>
+            <a:r>
+              <a:rPr lang="en-US" altLang="zh-CN" sz="2000" dirty="0"/>
               <a:t>EUID</a:t>
             </a:r>
             <a:r>
-              <a:rPr lang="zh-CN" altLang="en-US" sz="2000" dirty="0" smtClean="0"/>
+              <a:rPr lang="zh-CN" altLang="en-US" sz="2000" dirty="0"/>
               <a:t>赋予进程相应的权限。</a:t>
             </a:r>
             <a:endParaRPr lang="en-US" altLang="zh-CN" sz="2000" dirty="0"/>
@@ -8063,11 +8341,11 @@
               <a:t>ID</a:t>
             </a:r>
             <a:r>
-              <a:rPr lang="zh-CN" altLang="en-US" sz="2000" dirty="0" smtClean="0"/>
+              <a:rPr lang="zh-CN" altLang="en-US" sz="2000" dirty="0"/>
               <a:t>，程序所属组的</a:t>
             </a:r>
             <a:r>
-              <a:rPr lang="en-US" altLang="zh-CN" sz="2000" dirty="0" smtClean="0"/>
+              <a:rPr lang="en-US" altLang="zh-CN" sz="2000" dirty="0"/>
               <a:t>ID</a:t>
             </a:r>
             <a:r>
@@ -8156,7 +8434,7 @@
           <p:cNvPr id="2" name="标题 1">
             <a:extLst>
               <a:ext uri="{FF2B5EF4-FFF2-40B4-BE49-F238E27FC236}">
-                <a16:creationId xmlns:a16="http://schemas.microsoft.com/office/drawing/2014/main" xmlns="" id="{8B88BACC-24DE-4087-9AB3-A099CF573089}"/>
+                <a16:creationId xmlns:a16="http://schemas.microsoft.com/office/drawing/2014/main" id="{8B88BACC-24DE-4087-9AB3-A099CF573089}"/>
               </a:ext>
             </a:extLst>
           </p:cNvPr>
@@ -8174,227 +8452,418 @@
           <a:p>
             <a:r>
               <a:rPr lang="zh-CN" altLang="en-US" dirty="0"/>
-              <a:t>查看进程</a:t>
-            </a:r>
-          </a:p>
-        </p:txBody>
-      </p:sp>
-      <p:sp>
-        <p:nvSpPr>
-          <p:cNvPr id="3" name="内容占位符 2">
-            <a:extLst>
-              <a:ext uri="{FF2B5EF4-FFF2-40B4-BE49-F238E27FC236}">
-                <a16:creationId xmlns:a16="http://schemas.microsoft.com/office/drawing/2014/main" xmlns="" id="{0A1C6B17-780B-4799-8193-E52FD817AC0E}"/>
-              </a:ext>
-            </a:extLst>
-          </p:cNvPr>
-          <p:cNvSpPr>
-            <a:spLocks noGrp="1"/>
-          </p:cNvSpPr>
+              <a:t>进程管理相关的命令</a:t>
+            </a:r>
+          </a:p>
+        </p:txBody>
+      </p:sp>
+      <p:graphicFrame>
+        <p:nvGraphicFramePr>
+          <p:cNvPr id="4" name="内容占位符 3">
+            <a:extLst>
+              <a:ext uri="{FF2B5EF4-FFF2-40B4-BE49-F238E27FC236}">
+                <a16:creationId xmlns:a16="http://schemas.microsoft.com/office/drawing/2014/main" id="{43A20200-8D17-4352-BE28-5644F220036B}"/>
+              </a:ext>
+            </a:extLst>
+          </p:cNvPr>
+          <p:cNvGraphicFramePr>
+            <a:graphicFrameLocks noGrp="1"/>
+          </p:cNvGraphicFramePr>
           <p:nvPr>
             <p:ph idx="1"/>
-          </p:nvPr>
-        </p:nvSpPr>
-        <p:spPr/>
-        <p:txBody>
-          <a:bodyPr/>
-          <a:lstStyle/>
-          <a:p>
-            <a:r>
-              <a:rPr lang="zh-CN" altLang="en-US" sz="2000" dirty="0"/>
-              <a:t>如何查看：</a:t>
-            </a:r>
-            <a:endParaRPr lang="en-US" altLang="zh-CN" sz="2000" dirty="0"/>
-          </a:p>
-          <a:p>
-            <a:pPr marL="457200" lvl="1" indent="0">
-              <a:buNone/>
-            </a:pPr>
-            <a:r>
-              <a:rPr lang="en-US" altLang="zh-CN" sz="2000" dirty="0" err="1"/>
-              <a:t>ps</a:t>
-            </a:r>
-            <a:r>
-              <a:rPr lang="en-US" altLang="zh-CN" sz="2000" dirty="0"/>
-              <a:t>    -e  //</a:t>
-            </a:r>
-            <a:r>
-              <a:rPr lang="zh-CN" altLang="en-US" sz="2000" dirty="0"/>
-              <a:t>查看所有进程</a:t>
-            </a:r>
-            <a:endParaRPr lang="en-US" altLang="zh-CN" sz="2000" dirty="0"/>
-          </a:p>
-          <a:p>
-            <a:pPr marL="457200" lvl="1" indent="0">
-              <a:buNone/>
-            </a:pPr>
-            <a:r>
-              <a:rPr lang="en-US" altLang="zh-CN" sz="2000" dirty="0" err="1"/>
-              <a:t>ps</a:t>
-            </a:r>
-            <a:r>
-              <a:rPr lang="en-US" altLang="zh-CN" sz="2000" dirty="0"/>
-              <a:t>    -u  root //</a:t>
-            </a:r>
-            <a:r>
-              <a:rPr lang="zh-CN" altLang="en-US" sz="2000" dirty="0"/>
-              <a:t>查看所有</a:t>
-            </a:r>
-            <a:r>
-              <a:rPr lang="en-US" altLang="zh-CN" sz="2000" dirty="0"/>
-              <a:t>root</a:t>
-            </a:r>
-            <a:r>
-              <a:rPr lang="zh-CN" altLang="en-US" sz="2000" dirty="0"/>
-              <a:t>用户的进程</a:t>
-            </a:r>
-            <a:endParaRPr lang="en-US" altLang="zh-CN" sz="2000" dirty="0"/>
-          </a:p>
-          <a:p>
-            <a:pPr marL="457200" lvl="1" indent="0">
-              <a:buNone/>
-            </a:pPr>
-            <a:r>
-              <a:rPr lang="en-US" altLang="zh-CN" sz="2000" dirty="0" err="1"/>
-              <a:t>ps</a:t>
-            </a:r>
-            <a:r>
-              <a:rPr lang="en-US" altLang="zh-CN" sz="2000" dirty="0"/>
-              <a:t>    -aux //</a:t>
-            </a:r>
-            <a:r>
-              <a:rPr lang="zh-CN" altLang="en-US" sz="2000" dirty="0" smtClean="0"/>
-              <a:t>查看详细信息，如有效用户</a:t>
-            </a:r>
-            <a:r>
-              <a:rPr lang="zh-CN" altLang="en-US" sz="2000" dirty="0"/>
-              <a:t>，</a:t>
-            </a:r>
-            <a:r>
-              <a:rPr lang="en-US" altLang="zh-CN" sz="2000" dirty="0" err="1"/>
-              <a:t>pid</a:t>
-            </a:r>
-            <a:r>
-              <a:rPr lang="zh-CN" altLang="en-US" sz="2000" dirty="0"/>
-              <a:t>，</a:t>
-            </a:r>
-            <a:r>
-              <a:rPr lang="en-US" altLang="zh-CN" sz="2000" dirty="0"/>
-              <a:t>CPU</a:t>
-            </a:r>
-            <a:r>
-              <a:rPr lang="zh-CN" altLang="en-US" sz="2000" dirty="0"/>
-              <a:t>占用，内存占用等，会根据</a:t>
-            </a:r>
-            <a:r>
-              <a:rPr lang="en-US" altLang="zh-CN" sz="2000" dirty="0"/>
-              <a:t>UID</a:t>
-            </a:r>
-            <a:r>
-              <a:rPr lang="zh-CN" altLang="en-US" sz="2000" dirty="0"/>
-              <a:t>转换成用户名。</a:t>
-            </a:r>
-            <a:endParaRPr lang="en-US" altLang="zh-CN" sz="2000" dirty="0"/>
-          </a:p>
-          <a:p>
-            <a:pPr marL="457200" lvl="1" indent="0">
-              <a:buNone/>
-            </a:pPr>
-            <a:r>
-              <a:rPr lang="en-US" altLang="zh-CN" sz="2000" dirty="0" err="1"/>
-              <a:t>ps</a:t>
-            </a:r>
-            <a:r>
-              <a:rPr lang="en-US" altLang="zh-CN" sz="2000" dirty="0"/>
-              <a:t>    -lux </a:t>
-            </a:r>
-            <a:r>
-              <a:rPr lang="en-US" altLang="zh-CN" sz="2000" dirty="0" smtClean="0"/>
-              <a:t>//</a:t>
-            </a:r>
-            <a:r>
-              <a:rPr lang="zh-CN" altLang="en-US" sz="2000" dirty="0" smtClean="0"/>
-              <a:t>显示</a:t>
-            </a:r>
-            <a:r>
-              <a:rPr lang="en-US" altLang="zh-CN" sz="2000" dirty="0"/>
-              <a:t>UID</a:t>
-            </a:r>
-            <a:r>
-              <a:rPr lang="zh-CN" altLang="en-US" sz="2000" dirty="0"/>
-              <a:t>信息，不会转换用户名，所以效率上比</a:t>
-            </a:r>
-            <a:r>
-              <a:rPr lang="en-US" altLang="zh-CN" sz="2000" dirty="0" err="1"/>
-              <a:t>ps</a:t>
-            </a:r>
-            <a:r>
-              <a:rPr lang="en-US" altLang="zh-CN" sz="2000" dirty="0"/>
-              <a:t>  -aux</a:t>
-            </a:r>
-            <a:r>
-              <a:rPr lang="zh-CN" altLang="en-US" sz="2000" dirty="0"/>
-              <a:t>要高。</a:t>
-            </a:r>
-            <a:endParaRPr lang="en-US" altLang="zh-CN" sz="2000" dirty="0"/>
-          </a:p>
-          <a:p>
-            <a:r>
-              <a:rPr lang="zh-CN" altLang="en-US" sz="2000" dirty="0"/>
-              <a:t>运行 </a:t>
-            </a:r>
-            <a:r>
-              <a:rPr lang="en-US" altLang="zh-CN" sz="2000" dirty="0"/>
-              <a:t>man </a:t>
-            </a:r>
-            <a:r>
-              <a:rPr lang="en-US" altLang="zh-CN" sz="2000" dirty="0" err="1"/>
-              <a:t>ps</a:t>
-            </a:r>
-            <a:r>
-              <a:rPr lang="en-US" altLang="zh-CN" sz="2000" dirty="0"/>
-              <a:t> </a:t>
-            </a:r>
-            <a:r>
-              <a:rPr lang="zh-CN" altLang="en-US" sz="2000" dirty="0"/>
-              <a:t>查看</a:t>
-            </a:r>
-            <a:r>
-              <a:rPr lang="en-US" altLang="zh-CN" sz="2000" dirty="0" err="1"/>
-              <a:t>ps</a:t>
-            </a:r>
-            <a:r>
-              <a:rPr lang="zh-CN" altLang="en-US" sz="2000" dirty="0"/>
-              <a:t>手册。</a:t>
-            </a:r>
-            <a:endParaRPr lang="en-US" altLang="zh-CN" sz="2000" dirty="0"/>
-          </a:p>
-          <a:p>
-            <a:r>
-              <a:rPr lang="zh-CN" altLang="en-US" sz="2000" dirty="0"/>
-              <a:t>分页查看进程信息： </a:t>
-            </a:r>
-            <a:r>
-              <a:rPr lang="en-US" altLang="zh-CN" sz="2000" dirty="0" err="1"/>
-              <a:t>ps</a:t>
-            </a:r>
-            <a:r>
-              <a:rPr lang="en-US" altLang="zh-CN" sz="2000" dirty="0"/>
-              <a:t> -aux | less</a:t>
-            </a:r>
-          </a:p>
-          <a:p>
-            <a:pPr marL="0" indent="0">
-              <a:buNone/>
-            </a:pPr>
-            <a:endParaRPr lang="en-US" altLang="zh-CN" sz="2000" dirty="0"/>
-          </a:p>
-        </p:txBody>
-      </p:sp>
+            <p:extLst>
+              <p:ext uri="{D42A27DB-BD31-4B8C-83A1-F6EECF244321}">
+                <p14:modId xmlns:p14="http://schemas.microsoft.com/office/powerpoint/2010/main" val="3570757881"/>
+              </p:ext>
+            </p:extLst>
+          </p:nvPr>
+        </p:nvGraphicFramePr>
+        <p:xfrm>
+          <a:off x="838200" y="1703388"/>
+          <a:ext cx="10515600" cy="4857208"/>
+        </p:xfrm>
+        <a:graphic>
+          <a:graphicData uri="http://schemas.openxmlformats.org/drawingml/2006/table">
+            <a:tbl>
+              <a:tblPr firstRow="1" bandRow="1">
+                <a:tableStyleId>{2D5ABB26-0587-4C30-8999-92F81FD0307C}</a:tableStyleId>
+              </a:tblPr>
+              <a:tblGrid>
+                <a:gridCol w="1541016">
+                  <a:extLst>
+                    <a:ext uri="{9D8B030D-6E8A-4147-A177-3AD203B41FA5}">
+                      <a16:colId xmlns:a16="http://schemas.microsoft.com/office/drawing/2014/main" val="3801077564"/>
+                    </a:ext>
+                  </a:extLst>
+                </a:gridCol>
+                <a:gridCol w="8974584">
+                  <a:extLst>
+                    <a:ext uri="{9D8B030D-6E8A-4147-A177-3AD203B41FA5}">
+                      <a16:colId xmlns:a16="http://schemas.microsoft.com/office/drawing/2014/main" val="3868747105"/>
+                    </a:ext>
+                  </a:extLst>
+                </a:gridCol>
+              </a:tblGrid>
+              <a:tr h="607151">
+                <a:tc>
+                  <a:txBody>
+                    <a:bodyPr/>
+                    <a:lstStyle/>
+                    <a:p>
+                      <a:pPr algn="r"/>
+                      <a:r>
+                        <a:rPr lang="en-US" altLang="zh-CN" dirty="0" err="1"/>
+                        <a:t>ps</a:t>
+                      </a:r>
+                      <a:endParaRPr lang="zh-CN" altLang="en-US" dirty="0"/>
+                    </a:p>
+                  </a:txBody>
+                  <a:tcPr anchor="ctr"/>
+                </a:tc>
+                <a:tc>
+                  <a:txBody>
+                    <a:bodyPr/>
+                    <a:lstStyle/>
+                    <a:p>
+                      <a:r>
+                        <a:rPr lang="zh-CN" altLang="en-US" dirty="0"/>
+                        <a:t>查看当前进程</a:t>
+                      </a:r>
+                    </a:p>
+                  </a:txBody>
+                  <a:tcPr anchor="ctr"/>
+                </a:tc>
+                <a:extLst>
+                  <a:ext uri="{0D108BD9-81ED-4DB2-BD59-A6C34878D82A}">
+                    <a16:rowId xmlns:a16="http://schemas.microsoft.com/office/drawing/2014/main" val="3071448259"/>
+                  </a:ext>
+                </a:extLst>
+              </a:tr>
+              <a:tr h="607151">
+                <a:tc>
+                  <a:txBody>
+                    <a:bodyPr/>
+                    <a:lstStyle/>
+                    <a:p>
+                      <a:pPr algn="r"/>
+                      <a:r>
+                        <a:rPr lang="en-US" altLang="zh-CN" dirty="0"/>
+                        <a:t>kill</a:t>
+                      </a:r>
+                      <a:endParaRPr lang="zh-CN" altLang="en-US" dirty="0"/>
+                    </a:p>
+                  </a:txBody>
+                  <a:tcPr anchor="ctr"/>
+                </a:tc>
+                <a:tc>
+                  <a:txBody>
+                    <a:bodyPr/>
+                    <a:lstStyle/>
+                    <a:p>
+                      <a:r>
+                        <a:rPr lang="zh-CN" altLang="en-US" dirty="0"/>
+                        <a:t>向进程发送信号，通常是终止进程</a:t>
+                      </a:r>
+                    </a:p>
+                  </a:txBody>
+                  <a:tcPr anchor="ctr"/>
+                </a:tc>
+                <a:extLst>
+                  <a:ext uri="{0D108BD9-81ED-4DB2-BD59-A6C34878D82A}">
+                    <a16:rowId xmlns:a16="http://schemas.microsoft.com/office/drawing/2014/main" val="1671039192"/>
+                  </a:ext>
+                </a:extLst>
+              </a:tr>
+              <a:tr h="607151">
+                <a:tc>
+                  <a:txBody>
+                    <a:bodyPr/>
+                    <a:lstStyle/>
+                    <a:p>
+                      <a:pPr algn="r"/>
+                      <a:r>
+                        <a:rPr lang="en-US" altLang="zh-CN" dirty="0" err="1"/>
+                        <a:t>bg</a:t>
+                      </a:r>
+                      <a:endParaRPr lang="zh-CN" altLang="en-US" dirty="0"/>
+                    </a:p>
+                  </a:txBody>
+                  <a:tcPr anchor="ctr"/>
+                </a:tc>
+                <a:tc>
+                  <a:txBody>
+                    <a:bodyPr/>
+                    <a:lstStyle/>
+                    <a:p>
+                      <a:pPr marL="0" marR="0" lvl="0" indent="0" algn="l" defTabSz="914400" rtl="0" eaLnBrk="1" fontAlgn="auto" latinLnBrk="0" hangingPunct="1">
+                        <a:lnSpc>
+                          <a:spcPct val="100000"/>
+                        </a:lnSpc>
+                        <a:spcBef>
+                          <a:spcPts val="0"/>
+                        </a:spcBef>
+                        <a:spcAft>
+                          <a:spcPts val="0"/>
+                        </a:spcAft>
+                        <a:buClrTx/>
+                        <a:buSzTx/>
+                        <a:buFontTx/>
+                        <a:buNone/>
+                        <a:tabLst/>
+                        <a:defRPr/>
+                      </a:pPr>
+                      <a:r>
+                        <a:rPr lang="en-US" altLang="zh-CN" dirty="0"/>
+                        <a:t>shell</a:t>
+                      </a:r>
+                      <a:r>
+                        <a:rPr lang="zh-CN" altLang="en-US" dirty="0"/>
+                        <a:t>内建命令，后台任务继续执行，就像在命令后面加入</a:t>
+                      </a:r>
+                      <a:r>
+                        <a:rPr lang="en-US" altLang="zh-CN" dirty="0"/>
+                        <a:t>&amp;</a:t>
+                      </a:r>
+                      <a:endParaRPr lang="zh-CN" altLang="en-US" dirty="0"/>
+                    </a:p>
+                  </a:txBody>
+                  <a:tcPr anchor="ctr"/>
+                </a:tc>
+                <a:extLst>
+                  <a:ext uri="{0D108BD9-81ED-4DB2-BD59-A6C34878D82A}">
+                    <a16:rowId xmlns:a16="http://schemas.microsoft.com/office/drawing/2014/main" val="4158829005"/>
+                  </a:ext>
+                </a:extLst>
+              </a:tr>
+              <a:tr h="607151">
+                <a:tc>
+                  <a:txBody>
+                    <a:bodyPr/>
+                    <a:lstStyle/>
+                    <a:p>
+                      <a:pPr algn="r"/>
+                      <a:r>
+                        <a:rPr lang="en-US" altLang="zh-CN" dirty="0" err="1"/>
+                        <a:t>fg</a:t>
+                      </a:r>
+                      <a:endParaRPr lang="zh-CN" altLang="en-US" dirty="0"/>
+                    </a:p>
+                  </a:txBody>
+                  <a:tcPr anchor="ctr"/>
+                </a:tc>
+                <a:tc>
+                  <a:txBody>
+                    <a:bodyPr/>
+                    <a:lstStyle/>
+                    <a:p>
+                      <a:pPr marL="0" marR="0" lvl="0" indent="0" algn="l" defTabSz="914400" rtl="0" eaLnBrk="1" fontAlgn="auto" latinLnBrk="0" hangingPunct="1">
+                        <a:lnSpc>
+                          <a:spcPct val="100000"/>
+                        </a:lnSpc>
+                        <a:spcBef>
+                          <a:spcPts val="0"/>
+                        </a:spcBef>
+                        <a:spcAft>
+                          <a:spcPts val="0"/>
+                        </a:spcAft>
+                        <a:buClrTx/>
+                        <a:buSzTx/>
+                        <a:buFontTx/>
+                        <a:buNone/>
+                        <a:tabLst/>
+                        <a:defRPr/>
+                      </a:pPr>
+                      <a:r>
+                        <a:rPr lang="en-US" altLang="zh-CN" dirty="0"/>
+                        <a:t>shell</a:t>
+                      </a:r>
+                      <a:r>
+                        <a:rPr lang="zh-CN" altLang="en-US" dirty="0"/>
+                        <a:t>内建命令，后台任务转至前台</a:t>
+                      </a:r>
+                    </a:p>
+                  </a:txBody>
+                  <a:tcPr anchor="ctr"/>
+                </a:tc>
+                <a:extLst>
+                  <a:ext uri="{0D108BD9-81ED-4DB2-BD59-A6C34878D82A}">
+                    <a16:rowId xmlns:a16="http://schemas.microsoft.com/office/drawing/2014/main" val="2638425811"/>
+                  </a:ext>
+                </a:extLst>
+              </a:tr>
+              <a:tr h="607151">
+                <a:tc>
+                  <a:txBody>
+                    <a:bodyPr/>
+                    <a:lstStyle/>
+                    <a:p>
+                      <a:pPr algn="r"/>
+                      <a:r>
+                        <a:rPr lang="en-US" altLang="zh-CN" dirty="0"/>
+                        <a:t>jobs</a:t>
+                      </a:r>
+                      <a:endParaRPr lang="zh-CN" altLang="en-US" dirty="0"/>
+                    </a:p>
+                  </a:txBody>
+                  <a:tcPr anchor="ctr"/>
+                </a:tc>
+                <a:tc>
+                  <a:txBody>
+                    <a:bodyPr/>
+                    <a:lstStyle/>
+                    <a:p>
+                      <a:pPr marL="0" marR="0" lvl="0" indent="0" algn="l" defTabSz="914400" rtl="0" eaLnBrk="1" fontAlgn="auto" latinLnBrk="0" hangingPunct="1">
+                        <a:lnSpc>
+                          <a:spcPct val="100000"/>
+                        </a:lnSpc>
+                        <a:spcBef>
+                          <a:spcPts val="0"/>
+                        </a:spcBef>
+                        <a:spcAft>
+                          <a:spcPts val="0"/>
+                        </a:spcAft>
+                        <a:buClrTx/>
+                        <a:buSzTx/>
+                        <a:buFontTx/>
+                        <a:buNone/>
+                        <a:tabLst/>
+                        <a:defRPr/>
+                      </a:pPr>
+                      <a:r>
+                        <a:rPr lang="en-US" altLang="zh-CN" dirty="0"/>
+                        <a:t>shell</a:t>
+                      </a:r>
+                      <a:r>
+                        <a:rPr lang="zh-CN" altLang="en-US" dirty="0"/>
+                        <a:t>内建命令，显示后台运行的任务</a:t>
+                      </a:r>
+                    </a:p>
+                  </a:txBody>
+                  <a:tcPr anchor="ctr"/>
+                </a:tc>
+                <a:extLst>
+                  <a:ext uri="{0D108BD9-81ED-4DB2-BD59-A6C34878D82A}">
+                    <a16:rowId xmlns:a16="http://schemas.microsoft.com/office/drawing/2014/main" val="163000536"/>
+                  </a:ext>
+                </a:extLst>
+              </a:tr>
+              <a:tr h="607151">
+                <a:tc>
+                  <a:txBody>
+                    <a:bodyPr/>
+                    <a:lstStyle/>
+                    <a:p>
+                      <a:pPr algn="r"/>
+                      <a:r>
+                        <a:rPr lang="en-US" altLang="zh-CN" dirty="0" err="1"/>
+                        <a:t>pgrep</a:t>
+                      </a:r>
+                      <a:endParaRPr lang="zh-CN" altLang="en-US" dirty="0"/>
+                    </a:p>
+                  </a:txBody>
+                  <a:tcPr anchor="ctr"/>
+                </a:tc>
+                <a:tc>
+                  <a:txBody>
+                    <a:bodyPr/>
+                    <a:lstStyle/>
+                    <a:p>
+                      <a:r>
+                        <a:rPr lang="zh-CN" altLang="en-US" dirty="0"/>
+                        <a:t>搜索进程</a:t>
+                      </a:r>
+                    </a:p>
+                  </a:txBody>
+                  <a:tcPr anchor="ctr"/>
+                </a:tc>
+                <a:extLst>
+                  <a:ext uri="{0D108BD9-81ED-4DB2-BD59-A6C34878D82A}">
+                    <a16:rowId xmlns:a16="http://schemas.microsoft.com/office/drawing/2014/main" val="293793451"/>
+                  </a:ext>
+                </a:extLst>
+              </a:tr>
+              <a:tr h="607151">
+                <a:tc>
+                  <a:txBody>
+                    <a:bodyPr/>
+                    <a:lstStyle/>
+                    <a:p>
+                      <a:pPr algn="r"/>
+                      <a:r>
+                        <a:rPr lang="en-US" altLang="zh-CN" dirty="0"/>
+                        <a:t>top/</a:t>
+                      </a:r>
+                      <a:r>
+                        <a:rPr lang="en-US" altLang="zh-CN" dirty="0" err="1"/>
+                        <a:t>htop</a:t>
+                      </a:r>
+                      <a:endParaRPr lang="zh-CN" altLang="en-US" dirty="0"/>
+                    </a:p>
+                  </a:txBody>
+                  <a:tcPr anchor="ctr"/>
+                </a:tc>
+                <a:tc>
+                  <a:txBody>
+                    <a:bodyPr/>
+                    <a:lstStyle/>
+                    <a:p>
+                      <a:r>
+                        <a:rPr lang="zh-CN" altLang="en-US" dirty="0"/>
+                        <a:t>动态监控进程情况，系统资源使用情况</a:t>
+                      </a:r>
+                    </a:p>
+                  </a:txBody>
+                  <a:tcPr anchor="ctr"/>
+                </a:tc>
+                <a:extLst>
+                  <a:ext uri="{0D108BD9-81ED-4DB2-BD59-A6C34878D82A}">
+                    <a16:rowId xmlns:a16="http://schemas.microsoft.com/office/drawing/2014/main" val="548784732"/>
+                  </a:ext>
+                </a:extLst>
+              </a:tr>
+              <a:tr h="607151">
+                <a:tc>
+                  <a:txBody>
+                    <a:bodyPr/>
+                    <a:lstStyle/>
+                    <a:p>
+                      <a:pPr algn="r"/>
+                      <a:r>
+                        <a:rPr lang="en-US" altLang="zh-CN" dirty="0"/>
+                        <a:t>nice/renice</a:t>
+                      </a:r>
+                      <a:endParaRPr lang="zh-CN" altLang="en-US" dirty="0"/>
+                    </a:p>
+                  </a:txBody>
+                  <a:tcPr anchor="ctr"/>
+                </a:tc>
+                <a:tc>
+                  <a:txBody>
+                    <a:bodyPr/>
+                    <a:lstStyle/>
+                    <a:p>
+                      <a:r>
+                        <a:rPr lang="zh-CN" altLang="en-US" dirty="0"/>
+                        <a:t>调整进程优先级</a:t>
+                      </a:r>
+                    </a:p>
+                  </a:txBody>
+                  <a:tcPr anchor="ctr"/>
+                </a:tc>
+                <a:extLst>
+                  <a:ext uri="{0D108BD9-81ED-4DB2-BD59-A6C34878D82A}">
+                    <a16:rowId xmlns:a16="http://schemas.microsoft.com/office/drawing/2014/main" val="2831608506"/>
+                  </a:ext>
+                </a:extLst>
+              </a:tr>
+            </a:tbl>
+          </a:graphicData>
+        </a:graphic>
+      </p:graphicFrame>
     </p:spTree>
     <p:extLst>
       <p:ext uri="{BB962C8B-B14F-4D97-AF65-F5344CB8AC3E}">
-        <p14:creationId xmlns:p14="http://schemas.microsoft.com/office/powerpoint/2010/main" val="11590185"/>
+        <p14:creationId xmlns:p14="http://schemas.microsoft.com/office/powerpoint/2010/main" val="2369647049"/>
       </p:ext>
     </p:extLst>
   </p:cSld>
@@ -8426,7 +8895,7 @@
           <p:cNvPr id="2" name="标题 1">
             <a:extLst>
               <a:ext uri="{FF2B5EF4-FFF2-40B4-BE49-F238E27FC236}">
-                <a16:creationId xmlns:a16="http://schemas.microsoft.com/office/drawing/2014/main" xmlns="" id="{8B88BACC-24DE-4087-9AB3-A099CF573089}"/>
+                <a16:creationId xmlns:a16="http://schemas.microsoft.com/office/drawing/2014/main" id="{8B88BACC-24DE-4087-9AB3-A099CF573089}"/>
               </a:ext>
             </a:extLst>
           </p:cNvPr>
@@ -8444,7 +8913,7 @@
           <a:p>
             <a:r>
               <a:rPr lang="zh-CN" altLang="en-US" dirty="0"/>
-              <a:t>根据名称关键字搜索进程</a:t>
+              <a:t>查看进程</a:t>
             </a:r>
           </a:p>
         </p:txBody>
@@ -8454,7 +8923,7 @@
           <p:cNvPr id="3" name="内容占位符 2">
             <a:extLst>
               <a:ext uri="{FF2B5EF4-FFF2-40B4-BE49-F238E27FC236}">
-                <a16:creationId xmlns:a16="http://schemas.microsoft.com/office/drawing/2014/main" xmlns="" id="{0A1C6B17-780B-4799-8193-E52FD817AC0E}"/>
+                <a16:creationId xmlns:a16="http://schemas.microsoft.com/office/drawing/2014/main" id="{0A1C6B17-780B-4799-8193-E52FD817AC0E}"/>
               </a:ext>
             </a:extLst>
           </p:cNvPr>
@@ -8467,49 +8936,98 @@
         </p:nvSpPr>
         <p:spPr/>
         <p:txBody>
-          <a:bodyPr>
-            <a:normAutofit/>
-          </a:bodyPr>
-          <a:lstStyle/>
-          <a:p>
+          <a:bodyPr/>
+          <a:lstStyle/>
+          <a:p>
+            <a:r>
+              <a:rPr lang="zh-CN" altLang="en-US" sz="2000" dirty="0"/>
+              <a:t>如何查看：</a:t>
+            </a:r>
+            <a:endParaRPr lang="en-US" altLang="zh-CN" sz="2000" dirty="0"/>
+          </a:p>
+          <a:p>
+            <a:pPr marL="457200" lvl="1" indent="0">
+              <a:buNone/>
+            </a:pPr>
+            <a:r>
+              <a:rPr lang="en-US" altLang="zh-CN" sz="2000" dirty="0" err="1"/>
+              <a:t>ps</a:t>
+            </a:r>
             <a:r>
               <a:rPr lang="en-US" altLang="zh-CN" sz="2000" dirty="0"/>
-              <a:t>Linux</a:t>
-            </a:r>
-            <a:r>
-              <a:rPr lang="zh-CN" altLang="en-US" sz="2000" dirty="0"/>
-              <a:t>提供了</a:t>
-            </a:r>
+              <a:t>    -e  //</a:t>
+            </a:r>
+            <a:r>
+              <a:rPr lang="zh-CN" altLang="en-US" sz="2000" dirty="0"/>
+              <a:t>查看所有进程</a:t>
+            </a:r>
+            <a:endParaRPr lang="en-US" altLang="zh-CN" sz="2000" dirty="0"/>
+          </a:p>
+          <a:p>
+            <a:pPr marL="457200" lvl="1" indent="0">
+              <a:buNone/>
+            </a:pPr>
             <a:r>
               <a:rPr lang="en-US" altLang="zh-CN" sz="2000" dirty="0" err="1"/>
-              <a:t>pgrep</a:t>
-            </a:r>
-            <a:r>
-              <a:rPr lang="zh-CN" altLang="en-US" sz="2000" dirty="0"/>
-              <a:t>命令查询进程信息。</a:t>
+              <a:t>ps</a:t>
+            </a:r>
+            <a:r>
+              <a:rPr lang="en-US" altLang="zh-CN" sz="2000" dirty="0"/>
+              <a:t>    -u  root //</a:t>
+            </a:r>
+            <a:r>
+              <a:rPr lang="zh-CN" altLang="en-US" sz="2000" dirty="0"/>
+              <a:t>查看所有</a:t>
+            </a:r>
+            <a:r>
+              <a:rPr lang="en-US" altLang="zh-CN" sz="2000" dirty="0"/>
+              <a:t>root</a:t>
+            </a:r>
+            <a:r>
+              <a:rPr lang="zh-CN" altLang="en-US" sz="2000" dirty="0"/>
+              <a:t>用户的进程</a:t>
             </a:r>
             <a:endParaRPr lang="en-US" altLang="zh-CN" sz="2000" dirty="0"/>
           </a:p>
           <a:p>
-            <a:r>
-              <a:rPr lang="zh-CN" altLang="en-US" sz="2000" dirty="0"/>
-              <a:t>使用</a:t>
-            </a:r>
-            <a:r>
-              <a:rPr lang="zh-CN" altLang="en-US" sz="2000" dirty="0" smtClean="0"/>
-              <a:t>方式： </a:t>
-            </a:r>
+            <a:pPr marL="457200" lvl="1" indent="0">
+              <a:buNone/>
+            </a:pPr>
             <a:r>
               <a:rPr lang="en-US" altLang="zh-CN" sz="2000" dirty="0" err="1"/>
-              <a:t>pgrep</a:t>
+              <a:t>ps</a:t>
             </a:r>
             <a:r>
               <a:rPr lang="en-US" altLang="zh-CN" sz="2000" dirty="0"/>
-              <a:t> [options] </a:t>
-            </a:r>
-            <a:r>
-              <a:rPr lang="en-US" altLang="zh-CN" sz="2000" dirty="0" smtClean="0"/>
-              <a:t>KEYWORD</a:t>
+              <a:t>    -aux //</a:t>
+            </a:r>
+            <a:r>
+              <a:rPr lang="zh-CN" altLang="en-US" sz="2000" dirty="0"/>
+              <a:t>查看详细信息，如有效用户，</a:t>
+            </a:r>
+            <a:r>
+              <a:rPr lang="en-US" altLang="zh-CN" sz="2000" dirty="0" err="1"/>
+              <a:t>pid</a:t>
+            </a:r>
+            <a:r>
+              <a:rPr lang="zh-CN" altLang="en-US" sz="2000" dirty="0"/>
+              <a:t>，</a:t>
+            </a:r>
+            <a:r>
+              <a:rPr lang="en-US" altLang="zh-CN" sz="2000" dirty="0"/>
+              <a:t>CPU</a:t>
+            </a:r>
+            <a:r>
+              <a:rPr lang="zh-CN" altLang="en-US" sz="2000" dirty="0"/>
+              <a:t>占用，内存占用等，会根据</a:t>
+            </a:r>
+            <a:r>
+              <a:rPr lang="en-US" altLang="zh-CN" sz="2000" dirty="0"/>
+              <a:t>UID</a:t>
+            </a:r>
+            <a:r>
+              <a:rPr lang="zh-CN" altLang="en-US" sz="2000" dirty="0"/>
+              <a:t>转换成用户名。</a:t>
             </a:r>
             <a:endParaRPr lang="en-US" altLang="zh-CN" sz="2000" dirty="0"/>
           </a:p>
@@ -8519,89 +9037,87 @@
             </a:pPr>
             <a:r>
               <a:rPr lang="en-US" altLang="zh-CN" sz="2000" dirty="0" err="1"/>
-              <a:t>pgrep</a:t>
+              <a:t>ps</a:t>
             </a:r>
             <a:r>
               <a:rPr lang="en-US" altLang="zh-CN" sz="2000" dirty="0"/>
-              <a:t> –a </a:t>
+              <a:t>    -lux //</a:t>
+            </a:r>
+            <a:r>
+              <a:rPr lang="zh-CN" altLang="en-US" sz="2000" dirty="0"/>
+              <a:t>显示</a:t>
+            </a:r>
+            <a:r>
+              <a:rPr lang="en-US" altLang="zh-CN" sz="2000" dirty="0"/>
+              <a:t>UID</a:t>
+            </a:r>
+            <a:r>
+              <a:rPr lang="zh-CN" altLang="en-US" sz="2000" dirty="0"/>
+              <a:t>信息，不会转换用户名，所以效率上比</a:t>
             </a:r>
             <a:r>
               <a:rPr lang="en-US" altLang="zh-CN" sz="2000" dirty="0" err="1"/>
-              <a:t>sh</a:t>
+              <a:t>ps</a:t>
+            </a:r>
+            <a:r>
+              <a:rPr lang="en-US" altLang="zh-CN" sz="2000" dirty="0"/>
+              <a:t>  -aux</a:t>
+            </a:r>
+            <a:r>
+              <a:rPr lang="zh-CN" altLang="en-US" sz="2000" dirty="0"/>
+              <a:t>要高。</a:t>
+            </a:r>
+            <a:endParaRPr lang="en-US" altLang="zh-CN" sz="2000" dirty="0"/>
+          </a:p>
+          <a:p>
+            <a:r>
+              <a:rPr lang="zh-CN" altLang="en-US" sz="2000" dirty="0"/>
+              <a:t>运行 </a:t>
+            </a:r>
+            <a:r>
+              <a:rPr lang="en-US" altLang="zh-CN" sz="2000" dirty="0"/>
+              <a:t>man </a:t>
+            </a:r>
+            <a:r>
+              <a:rPr lang="en-US" altLang="zh-CN" sz="2000" dirty="0" err="1"/>
+              <a:t>ps</a:t>
             </a:r>
             <a:r>
               <a:rPr lang="en-US" altLang="zh-CN" sz="2000" dirty="0"/>
               <a:t> </a:t>
             </a:r>
             <a:r>
-              <a:rPr lang="zh-CN" altLang="en-US" sz="2000" dirty="0" smtClean="0"/>
-              <a:t>搜索</a:t>
-            </a:r>
-            <a:r>
-              <a:rPr lang="zh-CN" altLang="en-US" sz="2000" dirty="0"/>
-              <a:t>名称含有</a:t>
+              <a:rPr lang="zh-CN" altLang="en-US" sz="2000" dirty="0"/>
+              <a:t>查看</a:t>
             </a:r>
             <a:r>
               <a:rPr lang="en-US" altLang="zh-CN" sz="2000" dirty="0" err="1"/>
-              <a:t>sh</a:t>
-            </a:r>
-            <a:r>
-              <a:rPr lang="zh-CN" altLang="en-US" sz="2000" dirty="0"/>
-              <a:t>的进程，并列出详细信息。</a:t>
+              <a:t>ps</a:t>
+            </a:r>
+            <a:r>
+              <a:rPr lang="zh-CN" altLang="en-US" sz="2000" dirty="0"/>
+              <a:t>手册。</a:t>
             </a:r>
             <a:endParaRPr lang="en-US" altLang="zh-CN" sz="2000" dirty="0"/>
           </a:p>
           <a:p>
-            <a:pPr marL="457200" lvl="1" indent="0">
+            <a:r>
+              <a:rPr lang="zh-CN" altLang="en-US" sz="2000" dirty="0"/>
+              <a:t>分页查看进程信息： </a:t>
+            </a:r>
+            <a:r>
+              <a:rPr lang="en-US" altLang="zh-CN" sz="2000" dirty="0" err="1"/>
+              <a:t>ps</a:t>
+            </a:r>
+            <a:r>
+              <a:rPr lang="en-US" altLang="zh-CN" sz="2000" dirty="0"/>
+              <a:t> -aux | less</a:t>
+            </a:r>
+          </a:p>
+          <a:p>
+            <a:pPr marL="0" indent="0">
               <a:buNone/>
             </a:pPr>
-            <a:r>
-              <a:rPr lang="en-US" altLang="zh-CN" sz="2000" dirty="0" err="1"/>
-              <a:t>pgrep</a:t>
-            </a:r>
-            <a:r>
-              <a:rPr lang="en-US" altLang="zh-CN" sz="2000" dirty="0"/>
-              <a:t> –l </a:t>
-            </a:r>
-            <a:r>
-              <a:rPr lang="en-US" altLang="zh-CN" sz="2000" dirty="0" err="1" smtClean="0"/>
-              <a:t>sh</a:t>
-            </a:r>
-            <a:r>
-              <a:rPr lang="en-US" altLang="zh-CN" sz="2000" dirty="0" smtClean="0"/>
-              <a:t> </a:t>
-            </a:r>
-            <a:r>
-              <a:rPr lang="zh-CN" altLang="en-US" sz="2000" dirty="0" smtClean="0"/>
-              <a:t>仅仅列出</a:t>
-            </a:r>
-            <a:r>
-              <a:rPr lang="zh-CN" altLang="en-US" sz="2000" dirty="0"/>
-              <a:t>名称和</a:t>
-            </a:r>
-            <a:r>
-              <a:rPr lang="en-US" altLang="zh-CN" sz="2000" dirty="0"/>
-              <a:t>PID</a:t>
-            </a:r>
-            <a:r>
-              <a:rPr lang="zh-CN" altLang="en-US" sz="2000" dirty="0"/>
-              <a:t>。</a:t>
-            </a:r>
-            <a:endParaRPr lang="en-US" altLang="zh-CN" sz="2000" dirty="0"/>
-          </a:p>
-          <a:p>
-            <a:r>
-              <a:rPr lang="zh-CN" altLang="en-US" sz="2000" dirty="0" smtClean="0"/>
-              <a:t>另一种方式：</a:t>
-            </a:r>
-            <a:r>
-              <a:rPr lang="en-US" altLang="zh-CN" sz="2000" dirty="0" err="1" smtClean="0"/>
-              <a:t>ps</a:t>
-            </a:r>
-            <a:r>
-              <a:rPr lang="en-US" altLang="zh-CN" sz="2000" dirty="0" smtClean="0"/>
-              <a:t> -e | grep KEYWORD</a:t>
-            </a:r>
             <a:endParaRPr lang="en-US" altLang="zh-CN" sz="2000" dirty="0"/>
           </a:p>
         </p:txBody>
@@ -8609,7 +9125,7 @@
     </p:spTree>
     <p:extLst>
       <p:ext uri="{BB962C8B-B14F-4D97-AF65-F5344CB8AC3E}">
-        <p14:creationId xmlns:p14="http://schemas.microsoft.com/office/powerpoint/2010/main" val="3466496868"/>
+        <p14:creationId xmlns:p14="http://schemas.microsoft.com/office/powerpoint/2010/main" val="11590185"/>
       </p:ext>
     </p:extLst>
   </p:cSld>
@@ -8641,7 +9157,7 @@
           <p:cNvPr id="2" name="标题 1">
             <a:extLst>
               <a:ext uri="{FF2B5EF4-FFF2-40B4-BE49-F238E27FC236}">
-                <a16:creationId xmlns:a16="http://schemas.microsoft.com/office/drawing/2014/main" xmlns="" id="{8B88BACC-24DE-4087-9AB3-A099CF573089}"/>
+                <a16:creationId xmlns:a16="http://schemas.microsoft.com/office/drawing/2014/main" id="{8B88BACC-24DE-4087-9AB3-A099CF573089}"/>
               </a:ext>
             </a:extLst>
           </p:cNvPr>
@@ -8658,14 +9174,9 @@
           <a:lstStyle/>
           <a:p>
             <a:r>
-              <a:rPr lang="zh-CN" altLang="en-US" dirty="0" smtClean="0"/>
-              <a:t>终止进程：</a:t>
-            </a:r>
-            <a:r>
-              <a:rPr lang="en-US" altLang="zh-CN" dirty="0" smtClean="0"/>
-              <a:t>kill</a:t>
-            </a:r>
-            <a:endParaRPr lang="zh-CN" altLang="en-US" dirty="0"/>
+              <a:rPr lang="zh-CN" altLang="en-US" dirty="0"/>
+              <a:t>根据名称关键字搜索进程</a:t>
+            </a:r>
           </a:p>
         </p:txBody>
       </p:sp>
@@ -8674,7 +9185,7 @@
           <p:cNvPr id="3" name="内容占位符 2">
             <a:extLst>
               <a:ext uri="{FF2B5EF4-FFF2-40B4-BE49-F238E27FC236}">
-                <a16:creationId xmlns:a16="http://schemas.microsoft.com/office/drawing/2014/main" xmlns="" id="{0A1C6B17-780B-4799-8193-E52FD817AC0E}"/>
+                <a16:creationId xmlns:a16="http://schemas.microsoft.com/office/drawing/2014/main" id="{0A1C6B17-780B-4799-8193-E52FD817AC0E}"/>
               </a:ext>
             </a:extLst>
           </p:cNvPr>
@@ -8687,53 +9198,100 @@
         </p:nvSpPr>
         <p:spPr/>
         <p:txBody>
-          <a:bodyPr/>
-          <a:lstStyle/>
-          <a:p>
-            <a:r>
-              <a:rPr lang="en-US" altLang="zh-CN" sz="2000" dirty="0" smtClean="0"/>
-              <a:t>kill</a:t>
-            </a:r>
-            <a:r>
-              <a:rPr lang="zh-CN" altLang="en-US" sz="2000" dirty="0" smtClean="0"/>
-              <a:t>：向</a:t>
-            </a:r>
-            <a:r>
-              <a:rPr lang="zh-CN" altLang="en-US" sz="2000" dirty="0"/>
-              <a:t>指定的进程发送信号</a:t>
-            </a:r>
-            <a:r>
-              <a:rPr lang="zh-CN" altLang="en-US" sz="2000" dirty="0" smtClean="0"/>
-              <a:t>。</a:t>
-            </a:r>
-            <a:endParaRPr lang="en-US" altLang="zh-CN" sz="2000" dirty="0" smtClean="0"/>
-          </a:p>
-          <a:p>
-            <a:r>
-              <a:rPr lang="zh-CN" altLang="en-US" sz="2000" dirty="0" smtClean="0"/>
-              <a:t>示例：</a:t>
+          <a:bodyPr>
+            <a:normAutofit/>
+          </a:bodyPr>
+          <a:lstStyle/>
+          <a:p>
+            <a:r>
+              <a:rPr lang="en-US" altLang="zh-CN" sz="2000" dirty="0"/>
+              <a:t>Linux</a:t>
+            </a:r>
+            <a:r>
+              <a:rPr lang="zh-CN" altLang="en-US" sz="2000" dirty="0"/>
+              <a:t>提供了</a:t>
+            </a:r>
+            <a:r>
+              <a:rPr lang="en-US" altLang="zh-CN" sz="2000" dirty="0" err="1"/>
+              <a:t>pgrep</a:t>
+            </a:r>
+            <a:r>
+              <a:rPr lang="zh-CN" altLang="en-US" sz="2000" dirty="0"/>
+              <a:t>命令查询进程信息。</a:t>
             </a:r>
             <a:endParaRPr lang="en-US" altLang="zh-CN" sz="2000" dirty="0"/>
           </a:p>
           <a:p>
-            <a:pPr marL="0" indent="0">
+            <a:r>
+              <a:rPr lang="zh-CN" altLang="en-US" sz="2000" dirty="0"/>
+              <a:t>使用方式： </a:t>
+            </a:r>
+            <a:r>
+              <a:rPr lang="en-US" altLang="zh-CN" sz="2000" dirty="0" err="1"/>
+              <a:t>pgrep</a:t>
+            </a:r>
+            <a:r>
+              <a:rPr lang="en-US" altLang="zh-CN" sz="2000" dirty="0"/>
+              <a:t> [options] KEYWORD</a:t>
+            </a:r>
+          </a:p>
+          <a:p>
+            <a:pPr marL="457200" lvl="1" indent="0">
               <a:buNone/>
             </a:pPr>
             <a:r>
-              <a:rPr lang="en-US" altLang="zh-CN" sz="2000" dirty="0" smtClean="0"/>
-              <a:t>    kill </a:t>
+              <a:rPr lang="en-US" altLang="zh-CN" sz="2000" dirty="0" err="1"/>
+              <a:t>pgrep</a:t>
             </a:r>
             <a:r>
               <a:rPr lang="en-US" altLang="zh-CN" sz="2000" dirty="0"/>
-              <a:t>1234 </a:t>
-            </a:r>
-            <a:r>
-              <a:rPr lang="en-US" altLang="zh-CN" sz="2000" dirty="0" smtClean="0"/>
-              <a:t>//</a:t>
-            </a:r>
-            <a:r>
-              <a:rPr lang="zh-CN" altLang="en-US" sz="2000" dirty="0" smtClean="0"/>
-              <a:t>向</a:t>
+              <a:t> –a </a:t>
+            </a:r>
+            <a:r>
+              <a:rPr lang="en-US" altLang="zh-CN" sz="2000" dirty="0" err="1"/>
+              <a:t>sh</a:t>
+            </a:r>
+            <a:r>
+              <a:rPr lang="en-US" altLang="zh-CN" sz="2000" dirty="0"/>
+              <a:t> </a:t>
+            </a:r>
+            <a:r>
+              <a:rPr lang="zh-CN" altLang="en-US" sz="2000" dirty="0"/>
+              <a:t>搜索名称含有</a:t>
+            </a:r>
+            <a:r>
+              <a:rPr lang="en-US" altLang="zh-CN" sz="2000" dirty="0" err="1"/>
+              <a:t>sh</a:t>
+            </a:r>
+            <a:r>
+              <a:rPr lang="zh-CN" altLang="en-US" sz="2000" dirty="0"/>
+              <a:t>的进程，并列出详细信息。</a:t>
+            </a:r>
+            <a:endParaRPr lang="en-US" altLang="zh-CN" sz="2000" dirty="0"/>
+          </a:p>
+          <a:p>
+            <a:pPr marL="457200" lvl="1" indent="0">
+              <a:buNone/>
+            </a:pPr>
+            <a:r>
+              <a:rPr lang="en-US" altLang="zh-CN" sz="2000" dirty="0" err="1"/>
+              <a:t>pgrep</a:t>
+            </a:r>
+            <a:r>
+              <a:rPr lang="en-US" altLang="zh-CN" sz="2000" dirty="0"/>
+              <a:t> –l </a:t>
+            </a:r>
+            <a:r>
+              <a:rPr lang="en-US" altLang="zh-CN" sz="2000" dirty="0" err="1"/>
+              <a:t>sh</a:t>
+            </a:r>
+            <a:r>
+              <a:rPr lang="en-US" altLang="zh-CN" sz="2000" dirty="0"/>
+              <a:t> </a:t>
+            </a:r>
+            <a:r>
+              <a:rPr lang="zh-CN" altLang="en-US" sz="2000" dirty="0"/>
+              <a:t>仅仅列出名称和</a:t>
             </a:r>
             <a:r>
               <a:rPr lang="en-US" altLang="zh-CN" sz="2000" dirty="0"/>
@@ -8741,235 +9299,30 @@
             </a:r>
             <a:r>
               <a:rPr lang="zh-CN" altLang="en-US" sz="2000" dirty="0"/>
-              <a:t>为</a:t>
+              <a:t>。</a:t>
+            </a:r>
+            <a:endParaRPr lang="en-US" altLang="zh-CN" sz="2000" dirty="0"/>
+          </a:p>
+          <a:p>
+            <a:r>
+              <a:rPr lang="zh-CN" altLang="en-US" sz="2000" dirty="0"/>
+              <a:t>另一种方式：</a:t>
+            </a:r>
+            <a:r>
+              <a:rPr lang="en-US" altLang="zh-CN" sz="2000" dirty="0" err="1"/>
+              <a:t>ps</a:t>
             </a:r>
             <a:r>
               <a:rPr lang="en-US" altLang="zh-CN" sz="2000" dirty="0"/>
-              <a:t>1234</a:t>
-            </a:r>
-            <a:r>
-              <a:rPr lang="zh-CN" altLang="en-US" sz="2000" dirty="0"/>
-              <a:t>的进程发送终止信号</a:t>
-            </a:r>
-            <a:r>
-              <a:rPr lang="zh-CN" altLang="en-US" sz="2000" dirty="0" smtClean="0"/>
-              <a:t>。</a:t>
-            </a:r>
-            <a:endParaRPr lang="en-US" altLang="zh-CN" sz="2000" dirty="0" smtClean="0"/>
-          </a:p>
-          <a:p>
-            <a:pPr marL="0" indent="0">
-              <a:buNone/>
-            </a:pPr>
-            <a:endParaRPr lang="en-US" altLang="zh-CN" sz="2000" dirty="0"/>
-          </a:p>
-          <a:p>
-            <a:r>
-              <a:rPr lang="zh-CN" altLang="en-US" sz="2000" dirty="0" smtClean="0"/>
-              <a:t> 默认</a:t>
-            </a:r>
-            <a:r>
-              <a:rPr lang="zh-CN" altLang="en-US" sz="2000" dirty="0"/>
-              <a:t>的信号是</a:t>
-            </a:r>
-            <a:r>
-              <a:rPr lang="en-US" altLang="zh-CN" sz="2000" dirty="0"/>
-              <a:t>SIGTERM</a:t>
-            </a:r>
-            <a:r>
-              <a:rPr lang="zh-CN" altLang="en-US" sz="2000" dirty="0"/>
-              <a:t>，此</a:t>
-            </a:r>
-            <a:r>
-              <a:rPr lang="zh-CN" altLang="en-US" sz="2000" dirty="0" smtClean="0"/>
-              <a:t>信号通常会</a:t>
-            </a:r>
-            <a:r>
-              <a:rPr lang="zh-CN" altLang="en-US" sz="2000" dirty="0"/>
-              <a:t>终止程序的</a:t>
-            </a:r>
-            <a:r>
-              <a:rPr lang="zh-CN" altLang="en-US" sz="2000" dirty="0" smtClean="0"/>
-              <a:t>运行，但程序</a:t>
-            </a:r>
-            <a:r>
-              <a:rPr lang="zh-CN" altLang="en-US" sz="2000" dirty="0"/>
-              <a:t>可能仍然继续运行</a:t>
-            </a:r>
-            <a:r>
-              <a:rPr lang="zh-CN" altLang="en-US" sz="2000" dirty="0" smtClean="0"/>
-              <a:t>。这个</a:t>
-            </a:r>
-            <a:endParaRPr lang="en-US" altLang="zh-CN" sz="2000" dirty="0" smtClean="0"/>
-          </a:p>
-          <a:p>
-            <a:pPr marL="0" indent="0">
-              <a:buNone/>
-            </a:pPr>
-            <a:r>
-              <a:rPr lang="en-US" altLang="zh-CN" sz="2000" dirty="0"/>
-              <a:t> </a:t>
-            </a:r>
-            <a:r>
-              <a:rPr lang="en-US" altLang="zh-CN" sz="2000" dirty="0" smtClean="0"/>
-              <a:t>   </a:t>
-            </a:r>
-            <a:r>
-              <a:rPr lang="zh-CN" altLang="en-US" sz="2000" dirty="0" smtClean="0"/>
-              <a:t>时候可以向进程传递</a:t>
-            </a:r>
-            <a:r>
-              <a:rPr lang="en-US" altLang="zh-CN" sz="2000" dirty="0" smtClean="0"/>
-              <a:t>SIGKILL</a:t>
-            </a:r>
-            <a:r>
-              <a:rPr lang="zh-CN" altLang="en-US" sz="2000" dirty="0" smtClean="0"/>
-              <a:t>信号，会强制进程结束。</a:t>
-            </a:r>
-            <a:endParaRPr lang="en-US" altLang="zh-CN" sz="2000" dirty="0" smtClean="0"/>
-          </a:p>
-          <a:p>
-            <a:pPr marL="0" indent="0">
-              <a:buNone/>
-            </a:pPr>
-            <a:r>
-              <a:rPr lang="en-US" altLang="zh-CN" sz="2000" dirty="0"/>
-              <a:t> </a:t>
-            </a:r>
-            <a:r>
-              <a:rPr lang="en-US" altLang="zh-CN" sz="2000" dirty="0" smtClean="0"/>
-              <a:t>   kill -9 1234 //</a:t>
-            </a:r>
-            <a:r>
-              <a:rPr lang="zh-CN" altLang="en-US" sz="2000" dirty="0" smtClean="0"/>
-              <a:t>向</a:t>
-            </a:r>
-            <a:r>
-              <a:rPr lang="en-US" altLang="zh-CN" sz="2000" dirty="0" smtClean="0"/>
-              <a:t>PID</a:t>
-            </a:r>
-            <a:r>
-              <a:rPr lang="zh-CN" altLang="en-US" sz="2000" dirty="0" smtClean="0"/>
-              <a:t>为</a:t>
-            </a:r>
-            <a:r>
-              <a:rPr lang="en-US" altLang="zh-CN" sz="2000" dirty="0" smtClean="0"/>
-              <a:t>1234</a:t>
-            </a:r>
-            <a:r>
-              <a:rPr lang="zh-CN" altLang="en-US" sz="2000" dirty="0" smtClean="0"/>
-              <a:t>的进程发送</a:t>
-            </a:r>
-            <a:r>
-              <a:rPr lang="en-US" altLang="zh-CN" sz="2000" dirty="0" smtClean="0"/>
-              <a:t>kill</a:t>
-            </a:r>
-            <a:r>
-              <a:rPr lang="zh-CN" altLang="en-US" sz="2000" dirty="0" smtClean="0"/>
-              <a:t>信号。</a:t>
-            </a:r>
-            <a:endParaRPr lang="en-US" altLang="zh-CN" sz="2000" dirty="0" smtClean="0"/>
-          </a:p>
-          <a:p>
-            <a:pPr marL="0" indent="0">
-              <a:buNone/>
-            </a:pPr>
-            <a:endParaRPr lang="en-US" altLang="zh-CN" sz="2000" dirty="0"/>
-          </a:p>
-          <a:p>
-            <a:r>
-              <a:rPr lang="en-US" altLang="zh-CN" sz="2000" dirty="0" smtClean="0"/>
-              <a:t>SIGINT</a:t>
-            </a:r>
-            <a:r>
-              <a:rPr lang="zh-CN" altLang="en-US" sz="2000" dirty="0"/>
-              <a:t>，使用</a:t>
-            </a:r>
-            <a:r>
-              <a:rPr lang="en-US" altLang="zh-CN" sz="2000" dirty="0" err="1"/>
-              <a:t>ctrl+c</a:t>
-            </a:r>
-            <a:r>
-              <a:rPr lang="zh-CN" altLang="en-US" sz="2000" dirty="0"/>
-              <a:t>终止</a:t>
-            </a:r>
-            <a:r>
-              <a:rPr lang="zh-CN" altLang="en-US" sz="2000" dirty="0" smtClean="0"/>
-              <a:t>程序运行时发送</a:t>
-            </a:r>
-            <a:r>
-              <a:rPr lang="zh-CN" altLang="en-US" sz="2000" dirty="0"/>
-              <a:t>的就是</a:t>
-            </a:r>
-            <a:r>
-              <a:rPr lang="en-US" altLang="zh-CN" sz="2000" dirty="0"/>
-              <a:t>SIGINT</a:t>
-            </a:r>
-            <a:r>
-              <a:rPr lang="zh-CN" altLang="en-US" sz="2000" dirty="0"/>
-              <a:t>信号</a:t>
-            </a:r>
-            <a:r>
-              <a:rPr lang="zh-CN" altLang="en-US" sz="2000" dirty="0" smtClean="0"/>
-              <a:t>，</a:t>
-            </a:r>
-            <a:endParaRPr lang="en-US" altLang="zh-CN" sz="2000" dirty="0" smtClean="0"/>
-          </a:p>
-          <a:p>
-            <a:r>
-              <a:rPr lang="en-US" altLang="zh-CN" sz="2000" dirty="0" smtClean="0"/>
-              <a:t>SIGINT</a:t>
-            </a:r>
-            <a:r>
-              <a:rPr lang="zh-CN" altLang="en-US" sz="2000" dirty="0" smtClean="0"/>
-              <a:t>、</a:t>
-            </a:r>
-            <a:r>
-              <a:rPr lang="en-US" altLang="zh-CN" sz="2000" dirty="0"/>
-              <a:t> </a:t>
-            </a:r>
-            <a:r>
-              <a:rPr lang="en-US" altLang="zh-CN" sz="2000" dirty="0" smtClean="0"/>
-              <a:t>SIGTERM</a:t>
-            </a:r>
-            <a:r>
-              <a:rPr lang="zh-CN" altLang="en-US" sz="2000" dirty="0"/>
-              <a:t>可以被程序捕获并进行</a:t>
-            </a:r>
-            <a:r>
-              <a:rPr lang="zh-CN" altLang="en-US" sz="2000" dirty="0" smtClean="0"/>
-              <a:t>自定义处理，而</a:t>
-            </a:r>
-            <a:r>
-              <a:rPr lang="en-US" altLang="zh-CN" sz="2000" dirty="0" smtClean="0"/>
-              <a:t>SIGKILL</a:t>
-            </a:r>
-            <a:r>
-              <a:rPr lang="zh-CN" altLang="en-US" sz="2000" dirty="0" smtClean="0"/>
-              <a:t>不能被捕获。</a:t>
-            </a:r>
-            <a:endParaRPr lang="en-US" altLang="zh-CN" sz="2000" dirty="0"/>
-          </a:p>
-          <a:p>
-            <a:r>
-              <a:rPr lang="en-US" altLang="zh-CN" sz="2000" dirty="0"/>
-              <a:t>kill  –l </a:t>
-            </a:r>
-            <a:r>
-              <a:rPr lang="zh-CN" altLang="en-US" sz="2000" dirty="0"/>
-              <a:t>查看所有的信号。</a:t>
-            </a:r>
-            <a:endParaRPr lang="en-US" altLang="zh-CN" sz="2000" dirty="0"/>
-          </a:p>
-          <a:p>
-            <a:endParaRPr lang="en-US" altLang="zh-CN" sz="2000" dirty="0"/>
+              <a:t> -e | grep KEYWORD</a:t>
+            </a:r>
           </a:p>
         </p:txBody>
       </p:sp>
     </p:spTree>
     <p:extLst>
       <p:ext uri="{BB962C8B-B14F-4D97-AF65-F5344CB8AC3E}">
-        <p14:creationId xmlns:p14="http://schemas.microsoft.com/office/powerpoint/2010/main" val="3129173604"/>
+        <p14:creationId xmlns:p14="http://schemas.microsoft.com/office/powerpoint/2010/main" val="3466496868"/>
       </p:ext>
     </p:extLst>
   </p:cSld>
@@ -9001,7 +9354,7 @@
           <p:cNvPr id="2" name="标题 1">
             <a:extLst>
               <a:ext uri="{FF2B5EF4-FFF2-40B4-BE49-F238E27FC236}">
-                <a16:creationId xmlns:a16="http://schemas.microsoft.com/office/drawing/2014/main" xmlns="" id="{8B88BACC-24DE-4087-9AB3-A099CF573089}"/>
+                <a16:creationId xmlns:a16="http://schemas.microsoft.com/office/drawing/2014/main" id="{8B88BACC-24DE-4087-9AB3-A099CF573089}"/>
               </a:ext>
             </a:extLst>
           </p:cNvPr>
@@ -9019,16 +9372,13 @@
           <a:p>
             <a:r>
               <a:rPr lang="zh-CN" altLang="en-US" dirty="0"/>
-              <a:t>使用</a:t>
-            </a:r>
-            <a:r>
-              <a:rPr lang="en-US" altLang="zh-CN" dirty="0" err="1"/>
-              <a:t>top,htop</a:t>
-            </a:r>
-            <a:r>
-              <a:rPr lang="zh-CN" altLang="en-US" dirty="0"/>
-              <a:t>动态监控进程</a:t>
-            </a:r>
+              <a:t>终止进程：</a:t>
+            </a:r>
+            <a:r>
+              <a:rPr lang="en-US" altLang="zh-CN" dirty="0"/>
+              <a:t>kill</a:t>
+            </a:r>
+            <a:endParaRPr lang="zh-CN" altLang="en-US" dirty="0"/>
           </a:p>
         </p:txBody>
       </p:sp>
@@ -9037,7 +9387,7 @@
           <p:cNvPr id="3" name="内容占位符 2">
             <a:extLst>
               <a:ext uri="{FF2B5EF4-FFF2-40B4-BE49-F238E27FC236}">
-                <a16:creationId xmlns:a16="http://schemas.microsoft.com/office/drawing/2014/main" xmlns="" id="{0A1C6B17-780B-4799-8193-E52FD817AC0E}"/>
+                <a16:creationId xmlns:a16="http://schemas.microsoft.com/office/drawing/2014/main" id="{0A1C6B17-780B-4799-8193-E52FD817AC0E}"/>
               </a:ext>
             </a:extLst>
           </p:cNvPr>
@@ -9055,69 +9405,200 @@
           <a:p>
             <a:r>
               <a:rPr lang="en-US" altLang="zh-CN" sz="2000" dirty="0"/>
-              <a:t>Ubuntu</a:t>
-            </a:r>
-            <a:r>
-              <a:rPr lang="zh-CN" altLang="en-US" sz="2000" dirty="0"/>
-              <a:t>自带</a:t>
-            </a:r>
+              <a:t>kill</a:t>
+            </a:r>
+            <a:r>
+              <a:rPr lang="zh-CN" altLang="en-US" sz="2000" dirty="0"/>
+              <a:t>：向指定的进程发送信号。</a:t>
+            </a:r>
+            <a:endParaRPr lang="en-US" altLang="zh-CN" sz="2000" dirty="0"/>
+          </a:p>
+          <a:p>
+            <a:r>
+              <a:rPr lang="zh-CN" altLang="en-US" sz="2000" dirty="0"/>
+              <a:t>示例：</a:t>
+            </a:r>
+            <a:endParaRPr lang="en-US" altLang="zh-CN" sz="2000" dirty="0"/>
+          </a:p>
+          <a:p>
+            <a:pPr marL="0" indent="0">
+              <a:buNone/>
+            </a:pPr>
             <a:r>
               <a:rPr lang="en-US" altLang="zh-CN" sz="2000" dirty="0"/>
-              <a:t>top</a:t>
-            </a:r>
-            <a:r>
-              <a:rPr lang="zh-CN" altLang="en-US" sz="2000" dirty="0"/>
-              <a:t>命令动态查看进程。</a:t>
+              <a:t>    kill 1234 //</a:t>
+            </a:r>
+            <a:r>
+              <a:rPr lang="zh-CN" altLang="en-US" sz="2000" dirty="0"/>
+              <a:t>向</a:t>
+            </a:r>
+            <a:r>
+              <a:rPr lang="en-US" altLang="zh-CN" sz="2000" dirty="0"/>
+              <a:t>PID</a:t>
+            </a:r>
+            <a:r>
+              <a:rPr lang="zh-CN" altLang="en-US" sz="2000" dirty="0"/>
+              <a:t>为</a:t>
+            </a:r>
+            <a:r>
+              <a:rPr lang="en-US" altLang="zh-CN" sz="2000" dirty="0"/>
+              <a:t>1234</a:t>
+            </a:r>
+            <a:r>
+              <a:rPr lang="zh-CN" altLang="en-US" sz="2000" dirty="0"/>
+              <a:t>的进程发送终止信号。</a:t>
             </a:r>
             <a:endParaRPr lang="en-US" altLang="zh-CN" sz="2000" dirty="0"/>
           </a:p>
           <a:p>
-            <a:r>
-              <a:rPr lang="en-US" altLang="zh-CN" sz="2000" dirty="0" err="1" smtClean="0"/>
-              <a:t>htop</a:t>
-            </a:r>
-            <a:r>
-              <a:rPr lang="zh-CN" altLang="en-US" sz="2000" dirty="0" smtClean="0"/>
-              <a:t>需要下载安装，安装命令：</a:t>
-            </a:r>
-            <a:r>
-              <a:rPr lang="en-US" altLang="zh-CN" sz="2000" dirty="0" err="1" smtClean="0"/>
-              <a:t>sudo</a:t>
-            </a:r>
-            <a:r>
-              <a:rPr lang="en-US" altLang="zh-CN" sz="2000" dirty="0" smtClean="0"/>
-              <a:t> </a:t>
+            <a:pPr marL="0" indent="0">
+              <a:buNone/>
+            </a:pPr>
+            <a:endParaRPr lang="en-US" altLang="zh-CN" sz="2000" dirty="0"/>
+          </a:p>
+          <a:p>
+            <a:r>
+              <a:rPr lang="zh-CN" altLang="en-US" sz="2000" dirty="0"/>
+              <a:t> 默认的信号是</a:t>
             </a:r>
             <a:r>
               <a:rPr lang="en-US" altLang="zh-CN" sz="2000" dirty="0"/>
-              <a:t>apt-get install </a:t>
-            </a:r>
-            <a:r>
-              <a:rPr lang="en-US" altLang="zh-CN" sz="2000" dirty="0" err="1" smtClean="0"/>
-              <a:t>htop</a:t>
-            </a:r>
-            <a:r>
-              <a:rPr lang="zh-CN" altLang="en-US" sz="2000" dirty="0" smtClean="0"/>
-              <a:t>。</a:t>
+              <a:t>SIGTERM</a:t>
+            </a:r>
+            <a:r>
+              <a:rPr lang="zh-CN" altLang="en-US" sz="2000" dirty="0"/>
+              <a:t>，此信号通常会终止程序的运行，但程序可能仍然继续运行。这个</a:t>
             </a:r>
             <a:endParaRPr lang="en-US" altLang="zh-CN" sz="2000" dirty="0"/>
           </a:p>
           <a:p>
+            <a:pPr marL="0" indent="0">
+              <a:buNone/>
+            </a:pPr>
+            <a:r>
+              <a:rPr lang="en-US" altLang="zh-CN" sz="2000" dirty="0"/>
+              <a:t>    </a:t>
+            </a:r>
+            <a:r>
+              <a:rPr lang="zh-CN" altLang="en-US" sz="2000" dirty="0"/>
+              <a:t>时候可以向进程传递</a:t>
+            </a:r>
+            <a:r>
+              <a:rPr lang="en-US" altLang="zh-CN" sz="2000" dirty="0"/>
+              <a:t>SIGKILL</a:t>
+            </a:r>
+            <a:r>
+              <a:rPr lang="zh-CN" altLang="en-US" sz="2000" dirty="0"/>
+              <a:t>信号，会强制进程结束。</a:t>
+            </a:r>
+            <a:endParaRPr lang="en-US" altLang="zh-CN" sz="2000" dirty="0"/>
+          </a:p>
+          <a:p>
+            <a:pPr marL="0" indent="0">
+              <a:buNone/>
+            </a:pPr>
+            <a:r>
+              <a:rPr lang="en-US" altLang="zh-CN" sz="2000" dirty="0"/>
+              <a:t>    kill -9 1234 //</a:t>
+            </a:r>
+            <a:r>
+              <a:rPr lang="zh-CN" altLang="en-US" sz="2000" dirty="0"/>
+              <a:t>向</a:t>
+            </a:r>
+            <a:r>
+              <a:rPr lang="en-US" altLang="zh-CN" sz="2000" dirty="0"/>
+              <a:t>PID</a:t>
+            </a:r>
+            <a:r>
+              <a:rPr lang="zh-CN" altLang="en-US" sz="2000" dirty="0"/>
+              <a:t>为</a:t>
+            </a:r>
+            <a:r>
+              <a:rPr lang="en-US" altLang="zh-CN" sz="2000" dirty="0"/>
+              <a:t>1234</a:t>
+            </a:r>
+            <a:r>
+              <a:rPr lang="zh-CN" altLang="en-US" sz="2000" dirty="0"/>
+              <a:t>的进程发送</a:t>
+            </a:r>
+            <a:r>
+              <a:rPr lang="en-US" altLang="zh-CN" sz="2000" dirty="0"/>
+              <a:t>kill</a:t>
+            </a:r>
+            <a:r>
+              <a:rPr lang="zh-CN" altLang="en-US" sz="2000" dirty="0"/>
+              <a:t>信号。</a:t>
+            </a:r>
+            <a:endParaRPr lang="en-US" altLang="zh-CN" sz="2000" dirty="0"/>
+          </a:p>
+          <a:p>
+            <a:pPr marL="0" indent="0">
+              <a:buNone/>
+            </a:pPr>
+            <a:endParaRPr lang="en-US" altLang="zh-CN" sz="2000" dirty="0"/>
+          </a:p>
+          <a:p>
+            <a:r>
+              <a:rPr lang="en-US" altLang="zh-CN" sz="2000" dirty="0"/>
+              <a:t>SIGINT</a:t>
+            </a:r>
+            <a:r>
+              <a:rPr lang="zh-CN" altLang="en-US" sz="2000" dirty="0"/>
+              <a:t>，使用</a:t>
+            </a:r>
             <a:r>
               <a:rPr lang="en-US" altLang="zh-CN" sz="2000" dirty="0" err="1"/>
-              <a:t>htop</a:t>
-            </a:r>
-            <a:r>
-              <a:rPr lang="zh-CN" altLang="en-US" sz="2000" dirty="0"/>
-              <a:t>是</a:t>
+              <a:t>ctrl+c</a:t>
+            </a:r>
+            <a:r>
+              <a:rPr lang="zh-CN" altLang="en-US" sz="2000" dirty="0"/>
+              <a:t>终止程序运行时发送的就是</a:t>
             </a:r>
             <a:r>
               <a:rPr lang="en-US" altLang="zh-CN" sz="2000" dirty="0"/>
-              <a:t>top</a:t>
-            </a:r>
-            <a:r>
-              <a:rPr lang="zh-CN" altLang="en-US" sz="2000" dirty="0"/>
-              <a:t>的升级版。</a:t>
+              <a:t>SIGINT</a:t>
+            </a:r>
+            <a:r>
+              <a:rPr lang="zh-CN" altLang="en-US" sz="2000" dirty="0"/>
+              <a:t>信号，</a:t>
+            </a:r>
+            <a:endParaRPr lang="en-US" altLang="zh-CN" sz="2000" dirty="0"/>
+          </a:p>
+          <a:p>
+            <a:r>
+              <a:rPr lang="en-US" altLang="zh-CN" sz="2000" dirty="0"/>
+              <a:t>SIGINT</a:t>
+            </a:r>
+            <a:r>
+              <a:rPr lang="zh-CN" altLang="en-US" sz="2000" dirty="0"/>
+              <a:t>、</a:t>
+            </a:r>
+            <a:r>
+              <a:rPr lang="en-US" altLang="zh-CN" sz="2000" dirty="0"/>
+              <a:t> SIGTERM</a:t>
+            </a:r>
+            <a:r>
+              <a:rPr lang="zh-CN" altLang="en-US" sz="2000" dirty="0"/>
+              <a:t>可以被程序捕获并进行自定义处理，而</a:t>
+            </a:r>
+            <a:r>
+              <a:rPr lang="en-US" altLang="zh-CN" sz="2000" dirty="0"/>
+              <a:t>SIGKILL</a:t>
+            </a:r>
+            <a:r>
+              <a:rPr lang="zh-CN" altLang="en-US" sz="2000" dirty="0"/>
+              <a:t>不能被捕获。</a:t>
+            </a:r>
+            <a:endParaRPr lang="en-US" altLang="zh-CN" sz="2000" dirty="0"/>
+          </a:p>
+          <a:p>
+            <a:r>
+              <a:rPr lang="en-US" altLang="zh-CN" sz="2000" dirty="0"/>
+              <a:t>kill  –l </a:t>
+            </a:r>
+            <a:r>
+              <a:rPr lang="zh-CN" altLang="en-US" sz="2000" dirty="0"/>
+              <a:t>查看所有的信号。</a:t>
             </a:r>
             <a:endParaRPr lang="en-US" altLang="zh-CN" sz="2000" dirty="0"/>
           </a:p>
@@ -9129,7 +9610,484 @@
     </p:spTree>
     <p:extLst>
       <p:ext uri="{BB962C8B-B14F-4D97-AF65-F5344CB8AC3E}">
-        <p14:creationId xmlns:p14="http://schemas.microsoft.com/office/powerpoint/2010/main" val="3083301847"/>
+        <p14:creationId xmlns:p14="http://schemas.microsoft.com/office/powerpoint/2010/main" val="3129173604"/>
+      </p:ext>
+    </p:extLst>
+  </p:cSld>
+  <p:clrMapOvr>
+    <a:masterClrMapping/>
+  </p:clrMapOvr>
+</p:sld>
+</file>
+
+<file path=ppt/slides/slide8.xml><?xml version="1.0" encoding="utf-8"?>
+<p:sld xmlns:a="http://schemas.openxmlformats.org/drawingml/2006/main" xmlns:r="http://schemas.openxmlformats.org/officeDocument/2006/relationships" xmlns:p="http://schemas.openxmlformats.org/presentationml/2006/main">
+  <p:cSld>
+    <p:spTree>
+      <p:nvGrpSpPr>
+        <p:cNvPr id="1" name=""/>
+        <p:cNvGrpSpPr/>
+        <p:nvPr/>
+      </p:nvGrpSpPr>
+      <p:grpSpPr>
+        <a:xfrm>
+          <a:off x="0" y="0"/>
+          <a:ext cx="0" cy="0"/>
+          <a:chOff x="0" y="0"/>
+          <a:chExt cx="0" cy="0"/>
+        </a:xfrm>
+      </p:grpSpPr>
+      <p:sp>
+        <p:nvSpPr>
+          <p:cNvPr id="2" name="标题 1">
+            <a:extLst>
+              <a:ext uri="{FF2B5EF4-FFF2-40B4-BE49-F238E27FC236}">
+                <a16:creationId xmlns:a16="http://schemas.microsoft.com/office/drawing/2014/main" id="{8B88BACC-24DE-4087-9AB3-A099CF573089}"/>
+              </a:ext>
+            </a:extLst>
+          </p:cNvPr>
+          <p:cNvSpPr>
+            <a:spLocks noGrp="1"/>
+          </p:cNvSpPr>
+          <p:nvPr>
+            <p:ph type="title"/>
+          </p:nvPr>
+        </p:nvSpPr>
+        <p:spPr/>
+        <p:txBody>
+          <a:bodyPr/>
+          <a:lstStyle/>
+          <a:p>
+            <a:r>
+              <a:rPr lang="zh-CN" altLang="en-US" dirty="0"/>
+              <a:t>终止进程：</a:t>
+            </a:r>
+            <a:r>
+              <a:rPr lang="en-US" altLang="zh-CN" dirty="0"/>
+              <a:t>kill</a:t>
+            </a:r>
+            <a:endParaRPr lang="zh-CN" altLang="en-US" dirty="0"/>
+          </a:p>
+        </p:txBody>
+      </p:sp>
+      <p:sp>
+        <p:nvSpPr>
+          <p:cNvPr id="3" name="内容占位符 2">
+            <a:extLst>
+              <a:ext uri="{FF2B5EF4-FFF2-40B4-BE49-F238E27FC236}">
+                <a16:creationId xmlns:a16="http://schemas.microsoft.com/office/drawing/2014/main" id="{0A1C6B17-780B-4799-8193-E52FD817AC0E}"/>
+              </a:ext>
+            </a:extLst>
+          </p:cNvPr>
+          <p:cNvSpPr>
+            <a:spLocks noGrp="1"/>
+          </p:cNvSpPr>
+          <p:nvPr>
+            <p:ph idx="1"/>
+          </p:nvPr>
+        </p:nvSpPr>
+        <p:spPr/>
+        <p:txBody>
+          <a:bodyPr/>
+          <a:lstStyle/>
+          <a:p>
+            <a:r>
+              <a:rPr lang="en-US" altLang="zh-CN" sz="2000" dirty="0"/>
+              <a:t>kill</a:t>
+            </a:r>
+            <a:r>
+              <a:rPr lang="zh-CN" altLang="en-US" sz="2000" dirty="0"/>
+              <a:t>：向指定的进程发送信号。</a:t>
+            </a:r>
+            <a:endParaRPr lang="en-US" altLang="zh-CN" sz="2000" dirty="0"/>
+          </a:p>
+          <a:p>
+            <a:r>
+              <a:rPr lang="zh-CN" altLang="en-US" sz="2000" dirty="0"/>
+              <a:t>示例：</a:t>
+            </a:r>
+            <a:endParaRPr lang="en-US" altLang="zh-CN" sz="2000" dirty="0"/>
+          </a:p>
+          <a:p>
+            <a:pPr marL="0" indent="0">
+              <a:buNone/>
+            </a:pPr>
+            <a:r>
+              <a:rPr lang="en-US" altLang="zh-CN" sz="2000" dirty="0"/>
+              <a:t>    kill 1234 //</a:t>
+            </a:r>
+            <a:r>
+              <a:rPr lang="zh-CN" altLang="en-US" sz="2000" dirty="0"/>
+              <a:t>向</a:t>
+            </a:r>
+            <a:r>
+              <a:rPr lang="en-US" altLang="zh-CN" sz="2000" dirty="0"/>
+              <a:t>PID</a:t>
+            </a:r>
+            <a:r>
+              <a:rPr lang="zh-CN" altLang="en-US" sz="2000" dirty="0"/>
+              <a:t>为</a:t>
+            </a:r>
+            <a:r>
+              <a:rPr lang="en-US" altLang="zh-CN" sz="2000" dirty="0"/>
+              <a:t>1234</a:t>
+            </a:r>
+            <a:r>
+              <a:rPr lang="zh-CN" altLang="en-US" sz="2000" dirty="0"/>
+              <a:t>的进程发送终止信号。</a:t>
+            </a:r>
+            <a:endParaRPr lang="en-US" altLang="zh-CN" sz="2000" dirty="0"/>
+          </a:p>
+          <a:p>
+            <a:pPr marL="0" indent="0">
+              <a:buNone/>
+            </a:pPr>
+            <a:endParaRPr lang="en-US" altLang="zh-CN" sz="2000" dirty="0"/>
+          </a:p>
+          <a:p>
+            <a:r>
+              <a:rPr lang="zh-CN" altLang="en-US" sz="2000" dirty="0"/>
+              <a:t> 默认的信号是</a:t>
+            </a:r>
+            <a:r>
+              <a:rPr lang="en-US" altLang="zh-CN" sz="2000" dirty="0"/>
+              <a:t>SIGTERM</a:t>
+            </a:r>
+            <a:r>
+              <a:rPr lang="zh-CN" altLang="en-US" sz="2000" dirty="0"/>
+              <a:t>，此信号通常会终止程序的运行，但程序可能仍然继续运行。这个</a:t>
+            </a:r>
+            <a:endParaRPr lang="en-US" altLang="zh-CN" sz="2000" dirty="0"/>
+          </a:p>
+          <a:p>
+            <a:pPr marL="0" indent="0">
+              <a:buNone/>
+            </a:pPr>
+            <a:r>
+              <a:rPr lang="en-US" altLang="zh-CN" sz="2000" dirty="0"/>
+              <a:t>    </a:t>
+            </a:r>
+            <a:r>
+              <a:rPr lang="zh-CN" altLang="en-US" sz="2000" dirty="0"/>
+              <a:t>时候可以向进程传递</a:t>
+            </a:r>
+            <a:r>
+              <a:rPr lang="en-US" altLang="zh-CN" sz="2000" dirty="0"/>
+              <a:t>SIGKILL</a:t>
+            </a:r>
+            <a:r>
+              <a:rPr lang="zh-CN" altLang="en-US" sz="2000" dirty="0"/>
+              <a:t>信号，会强制进程结束。</a:t>
+            </a:r>
+            <a:endParaRPr lang="en-US" altLang="zh-CN" sz="2000" dirty="0"/>
+          </a:p>
+          <a:p>
+            <a:pPr marL="0" indent="0">
+              <a:buNone/>
+            </a:pPr>
+            <a:r>
+              <a:rPr lang="en-US" altLang="zh-CN" sz="2000" dirty="0"/>
+              <a:t>    kill -9 1234 //</a:t>
+            </a:r>
+            <a:r>
+              <a:rPr lang="zh-CN" altLang="en-US" sz="2000" dirty="0"/>
+              <a:t>向</a:t>
+            </a:r>
+            <a:r>
+              <a:rPr lang="en-US" altLang="zh-CN" sz="2000" dirty="0"/>
+              <a:t>PID</a:t>
+            </a:r>
+            <a:r>
+              <a:rPr lang="zh-CN" altLang="en-US" sz="2000" dirty="0"/>
+              <a:t>为</a:t>
+            </a:r>
+            <a:r>
+              <a:rPr lang="en-US" altLang="zh-CN" sz="2000" dirty="0"/>
+              <a:t>1234</a:t>
+            </a:r>
+            <a:r>
+              <a:rPr lang="zh-CN" altLang="en-US" sz="2000" dirty="0"/>
+              <a:t>的进程发送</a:t>
+            </a:r>
+            <a:r>
+              <a:rPr lang="en-US" altLang="zh-CN" sz="2000" dirty="0"/>
+              <a:t>kill</a:t>
+            </a:r>
+            <a:r>
+              <a:rPr lang="zh-CN" altLang="en-US" sz="2000" dirty="0"/>
+              <a:t>信号。</a:t>
+            </a:r>
+            <a:endParaRPr lang="en-US" altLang="zh-CN" sz="2000" dirty="0"/>
+          </a:p>
+          <a:p>
+            <a:pPr marL="0" indent="0">
+              <a:buNone/>
+            </a:pPr>
+            <a:endParaRPr lang="en-US" altLang="zh-CN" sz="2000" dirty="0"/>
+          </a:p>
+          <a:p>
+            <a:r>
+              <a:rPr lang="en-US" altLang="zh-CN" sz="2000" dirty="0"/>
+              <a:t>SIGINT</a:t>
+            </a:r>
+            <a:r>
+              <a:rPr lang="zh-CN" altLang="en-US" sz="2000" dirty="0"/>
+              <a:t>，使用</a:t>
+            </a:r>
+            <a:r>
+              <a:rPr lang="en-US" altLang="zh-CN" sz="2000" dirty="0" err="1"/>
+              <a:t>ctrl+c</a:t>
+            </a:r>
+            <a:r>
+              <a:rPr lang="zh-CN" altLang="en-US" sz="2000" dirty="0"/>
+              <a:t>终止程序运行时发送的就是</a:t>
+            </a:r>
+            <a:r>
+              <a:rPr lang="en-US" altLang="zh-CN" sz="2000" dirty="0"/>
+              <a:t>SIGINT</a:t>
+            </a:r>
+            <a:r>
+              <a:rPr lang="zh-CN" altLang="en-US" sz="2000" dirty="0"/>
+              <a:t>信号，</a:t>
+            </a:r>
+            <a:endParaRPr lang="en-US" altLang="zh-CN" sz="2000" dirty="0"/>
+          </a:p>
+          <a:p>
+            <a:r>
+              <a:rPr lang="en-US" altLang="zh-CN" sz="2000" dirty="0"/>
+              <a:t>SIGINT</a:t>
+            </a:r>
+            <a:r>
+              <a:rPr lang="zh-CN" altLang="en-US" sz="2000" dirty="0"/>
+              <a:t>、</a:t>
+            </a:r>
+            <a:r>
+              <a:rPr lang="en-US" altLang="zh-CN" sz="2000" dirty="0"/>
+              <a:t> SIGTERM</a:t>
+            </a:r>
+            <a:r>
+              <a:rPr lang="zh-CN" altLang="en-US" sz="2000" dirty="0"/>
+              <a:t>可以被程序捕获并进行自定义处理，而</a:t>
+            </a:r>
+            <a:r>
+              <a:rPr lang="en-US" altLang="zh-CN" sz="2000" dirty="0"/>
+              <a:t>SIGKILL</a:t>
+            </a:r>
+            <a:r>
+              <a:rPr lang="zh-CN" altLang="en-US" sz="2000" dirty="0"/>
+              <a:t>不能被捕获。</a:t>
+            </a:r>
+            <a:endParaRPr lang="en-US" altLang="zh-CN" sz="2000" dirty="0"/>
+          </a:p>
+          <a:p>
+            <a:r>
+              <a:rPr lang="en-US" altLang="zh-CN" sz="2000" dirty="0"/>
+              <a:t>kill  –l </a:t>
+            </a:r>
+            <a:r>
+              <a:rPr lang="zh-CN" altLang="en-US" sz="2000" dirty="0"/>
+              <a:t>查看所有的信号。</a:t>
+            </a:r>
+            <a:endParaRPr lang="en-US" altLang="zh-CN" sz="2000" dirty="0"/>
+          </a:p>
+          <a:p>
+            <a:endParaRPr lang="en-US" altLang="zh-CN" sz="2000" dirty="0"/>
+          </a:p>
+        </p:txBody>
+      </p:sp>
+    </p:spTree>
+    <p:extLst>
+      <p:ext uri="{BB962C8B-B14F-4D97-AF65-F5344CB8AC3E}">
+        <p14:creationId xmlns:p14="http://schemas.microsoft.com/office/powerpoint/2010/main" val="4067107188"/>
+      </p:ext>
+    </p:extLst>
+  </p:cSld>
+  <p:clrMapOvr>
+    <a:masterClrMapping/>
+  </p:clrMapOvr>
+</p:sld>
+</file>
+
+<file path=ppt/slides/slide9.xml><?xml version="1.0" encoding="utf-8"?>
+<p:sld xmlns:a="http://schemas.openxmlformats.org/drawingml/2006/main" xmlns:r="http://schemas.openxmlformats.org/officeDocument/2006/relationships" xmlns:p="http://schemas.openxmlformats.org/presentationml/2006/main">
+  <p:cSld>
+    <p:spTree>
+      <p:nvGrpSpPr>
+        <p:cNvPr id="1" name=""/>
+        <p:cNvGrpSpPr/>
+        <p:nvPr/>
+      </p:nvGrpSpPr>
+      <p:grpSpPr>
+        <a:xfrm>
+          <a:off x="0" y="0"/>
+          <a:ext cx="0" cy="0"/>
+          <a:chOff x="0" y="0"/>
+          <a:chExt cx="0" cy="0"/>
+        </a:xfrm>
+      </p:grpSpPr>
+      <p:sp>
+        <p:nvSpPr>
+          <p:cNvPr id="2" name="标题 1">
+            <a:extLst>
+              <a:ext uri="{FF2B5EF4-FFF2-40B4-BE49-F238E27FC236}">
+                <a16:creationId xmlns:a16="http://schemas.microsoft.com/office/drawing/2014/main" id="{8B88BACC-24DE-4087-9AB3-A099CF573089}"/>
+              </a:ext>
+            </a:extLst>
+          </p:cNvPr>
+          <p:cNvSpPr>
+            <a:spLocks noGrp="1"/>
+          </p:cNvSpPr>
+          <p:nvPr>
+            <p:ph type="title"/>
+          </p:nvPr>
+        </p:nvSpPr>
+        <p:spPr/>
+        <p:txBody>
+          <a:bodyPr/>
+          <a:lstStyle/>
+          <a:p>
+            <a:r>
+              <a:rPr lang="zh-CN" altLang="en-US" dirty="0"/>
+              <a:t>后台任务</a:t>
+            </a:r>
+          </a:p>
+        </p:txBody>
+      </p:sp>
+      <p:sp>
+        <p:nvSpPr>
+          <p:cNvPr id="3" name="内容占位符 2">
+            <a:extLst>
+              <a:ext uri="{FF2B5EF4-FFF2-40B4-BE49-F238E27FC236}">
+                <a16:creationId xmlns:a16="http://schemas.microsoft.com/office/drawing/2014/main" id="{0A1C6B17-780B-4799-8193-E52FD817AC0E}"/>
+              </a:ext>
+            </a:extLst>
+          </p:cNvPr>
+          <p:cNvSpPr>
+            <a:spLocks noGrp="1"/>
+          </p:cNvSpPr>
+          <p:nvPr>
+            <p:ph idx="1"/>
+          </p:nvPr>
+        </p:nvSpPr>
+        <p:spPr/>
+        <p:txBody>
+          <a:bodyPr/>
+          <a:lstStyle/>
+          <a:p>
+            <a:r>
+              <a:rPr lang="zh-CN" altLang="en-US" sz="2000" dirty="0"/>
+              <a:t>一个任务如果运行时间太长，或者是需要长期运行的情况，此时想要获取终端控制权。可以把任务转至后台。</a:t>
+            </a:r>
+            <a:endParaRPr lang="en-US" altLang="zh-CN" sz="2000" dirty="0"/>
+          </a:p>
+          <a:p>
+            <a:endParaRPr lang="en-US" altLang="zh-CN" sz="2000" dirty="0"/>
+          </a:p>
+          <a:p>
+            <a:r>
+              <a:rPr lang="zh-CN" altLang="en-US" sz="2000" dirty="0"/>
+              <a:t>在命令后面加入</a:t>
+            </a:r>
+            <a:r>
+              <a:rPr lang="en-US" altLang="zh-CN" sz="2000" dirty="0"/>
+              <a:t>&amp;</a:t>
+            </a:r>
+            <a:r>
+              <a:rPr lang="zh-CN" altLang="en-US" sz="2000" dirty="0"/>
+              <a:t>便可以直接使任务直接在后台运行。</a:t>
+            </a:r>
+            <a:endParaRPr lang="en-US" altLang="zh-CN" sz="2000" dirty="0"/>
+          </a:p>
+          <a:p>
+            <a:endParaRPr lang="en-US" altLang="zh-CN" sz="2000" dirty="0"/>
+          </a:p>
+          <a:p>
+            <a:r>
+              <a:rPr lang="zh-CN" altLang="en-US" sz="2000" dirty="0"/>
+              <a:t>而在运行中输入</a:t>
+            </a:r>
+            <a:r>
+              <a:rPr lang="en-US" altLang="zh-CN" sz="2000" dirty="0" err="1"/>
+              <a:t>Ctrl+Z</a:t>
+            </a:r>
+            <a:r>
+              <a:rPr lang="zh-CN" altLang="en-US" sz="2000" dirty="0"/>
+              <a:t>会把当前任务转至后台</a:t>
+            </a:r>
+            <a:r>
+              <a:rPr lang="zh-CN" altLang="en-US" sz="2000" dirty="0">
+                <a:solidFill>
+                  <a:srgbClr val="C00000"/>
+                </a:solidFill>
+              </a:rPr>
+              <a:t>暂停</a:t>
+            </a:r>
+            <a:r>
+              <a:rPr lang="zh-CN" altLang="en-US" sz="2000" dirty="0"/>
+              <a:t>。此时使用</a:t>
+            </a:r>
+            <a:r>
+              <a:rPr lang="en-US" altLang="zh-CN" sz="2000" dirty="0"/>
+              <a:t>jobs</a:t>
+            </a:r>
+            <a:r>
+              <a:rPr lang="zh-CN" altLang="en-US" sz="2000" dirty="0"/>
+              <a:t>可以显示后台的任务，每个任务都有一个编号。使用</a:t>
+            </a:r>
+            <a:r>
+              <a:rPr lang="en-US" altLang="zh-CN" sz="2000" dirty="0" err="1"/>
+              <a:t>bg</a:t>
+            </a:r>
+            <a:r>
+              <a:rPr lang="en-US" altLang="zh-CN" sz="2000" dirty="0"/>
+              <a:t> [</a:t>
+            </a:r>
+            <a:r>
+              <a:rPr lang="zh-CN" altLang="en-US" sz="2000" dirty="0"/>
+              <a:t>后台任务编号</a:t>
+            </a:r>
+            <a:r>
+              <a:rPr lang="en-US" altLang="zh-CN" sz="2000" dirty="0"/>
+              <a:t>]</a:t>
+            </a:r>
+            <a:r>
+              <a:rPr lang="zh-CN" altLang="en-US" sz="2000" dirty="0"/>
+              <a:t>可以使任务在后台继续执行。</a:t>
+            </a:r>
+            <a:endParaRPr lang="en-US" altLang="zh-CN" sz="2000" dirty="0"/>
+          </a:p>
+          <a:p>
+            <a:endParaRPr lang="en-US" altLang="zh-CN" sz="2000" dirty="0"/>
+          </a:p>
+          <a:p>
+            <a:r>
+              <a:rPr lang="en-US" altLang="zh-CN" sz="2000" dirty="0" err="1"/>
+              <a:t>fg</a:t>
+            </a:r>
+            <a:r>
+              <a:rPr lang="en-US" altLang="zh-CN" sz="2000" dirty="0"/>
+              <a:t> [</a:t>
+            </a:r>
+            <a:r>
+              <a:rPr lang="zh-CN" altLang="en-US" sz="2000" dirty="0"/>
+              <a:t>后台任务编号</a:t>
+            </a:r>
+            <a:r>
+              <a:rPr lang="en-US" altLang="zh-CN" sz="2000" dirty="0"/>
+              <a:t>]</a:t>
+            </a:r>
+            <a:r>
+              <a:rPr lang="zh-CN" altLang="en-US" sz="2000" dirty="0"/>
+              <a:t>把后台的任务转至前台执行。</a:t>
+            </a:r>
+            <a:endParaRPr lang="en-US" altLang="zh-CN" sz="2000" dirty="0"/>
+          </a:p>
+        </p:txBody>
+      </p:sp>
+    </p:spTree>
+    <p:extLst>
+      <p:ext uri="{BB962C8B-B14F-4D97-AF65-F5344CB8AC3E}">
+        <p14:creationId xmlns:p14="http://schemas.microsoft.com/office/powerpoint/2010/main" val="3053833425"/>
       </p:ext>
     </p:extLst>
   </p:cSld>
@@ -9428,7 +10386,7 @@
   <a:extraClrSchemeLst/>
   <a:extLst>
     <a:ext uri="{05A4C25C-085E-4340-85A3-A5531E510DB2}">
-      <thm15:themeFamily xmlns="" xmlns:thm15="http://schemas.microsoft.com/office/thememl/2012/main" name="Office Theme" id="{62F939B6-93AF-4DB8-9C6B-D6C7DFDC589F}" vid="{4A3C46E8-61CC-4603-A589-7422A47A8E4A}"/>
+      <thm15:themeFamily xmlns:thm15="http://schemas.microsoft.com/office/thememl/2012/main" name="Office Theme" id="{62F939B6-93AF-4DB8-9C6B-D6C7DFDC589F}" vid="{4A3C46E8-61CC-4603-A589-7422A47A8E4A}"/>
     </a:ext>
   </a:extLst>
 </a:theme>
@@ -9723,7 +10681,7 @@
   <a:extraClrSchemeLst/>
   <a:extLst>
     <a:ext uri="{05A4C25C-085E-4340-85A3-A5531E510DB2}">
-      <thm15:themeFamily xmlns="" xmlns:thm15="http://schemas.microsoft.com/office/thememl/2012/main" name="Office Theme" id="{62F939B6-93AF-4DB8-9C6B-D6C7DFDC589F}" vid="{4A3C46E8-61CC-4603-A589-7422A47A8E4A}"/>
+      <thm15:themeFamily xmlns:thm15="http://schemas.microsoft.com/office/thememl/2012/main" name="Office Theme" id="{62F939B6-93AF-4DB8-9C6B-D6C7DFDC589F}" vid="{4A3C46E8-61CC-4603-A589-7422A47A8E4A}"/>
     </a:ext>
   </a:extLst>
 </a:theme>
@@ -9984,7 +10942,7 @@
   <a:extraClrSchemeLst/>
   <a:extLst>
     <a:ext uri="{05A4C25C-085E-4340-85A3-A5531E510DB2}">
-      <thm15:themeFamily xmlns="" xmlns:thm15="http://schemas.microsoft.com/office/thememl/2012/main" name="Office Theme" id="{62F939B6-93AF-4DB8-9C6B-D6C7DFDC589F}" vid="{4A3C46E8-61CC-4603-A589-7422A47A8E4A}"/>
+      <thm15:themeFamily xmlns:thm15="http://schemas.microsoft.com/office/thememl/2012/main" name="Office Theme" id="{62F939B6-93AF-4DB8-9C6B-D6C7DFDC589F}" vid="{4A3C46E8-61CC-4603-A589-7422A47A8E4A}"/>
     </a:ext>
   </a:extLst>
 </a:theme>
